--- a/draft/07-data.pptx
+++ b/draft/07-data.pptx
@@ -1628,7 +1628,7 @@
           <a:p>
             <a:fld id="{381FDD9A-0B15-A54A-8A8B-36EF8620149C}" type="datetimeFigureOut">
               <a:rPr lang="en-US" smtClean="0"/>
-              <a:t>11/22/22</a:t>
+              <a:t>11/25/22</a:t>
             </a:fld>
             <a:endParaRPr lang="en-US"/>
           </a:p>
@@ -1828,7 +1828,7 @@
           <a:p>
             <a:fld id="{381FDD9A-0B15-A54A-8A8B-36EF8620149C}" type="datetimeFigureOut">
               <a:rPr lang="en-US" smtClean="0"/>
-              <a:t>11/22/22</a:t>
+              <a:t>11/25/22</a:t>
             </a:fld>
             <a:endParaRPr lang="en-US"/>
           </a:p>
@@ -2038,7 +2038,7 @@
           <a:p>
             <a:fld id="{381FDD9A-0B15-A54A-8A8B-36EF8620149C}" type="datetimeFigureOut">
               <a:rPr lang="en-US" smtClean="0"/>
-              <a:t>11/22/22</a:t>
+              <a:t>11/25/22</a:t>
             </a:fld>
             <a:endParaRPr lang="en-US"/>
           </a:p>
@@ -2238,7 +2238,7 @@
           <a:p>
             <a:fld id="{381FDD9A-0B15-A54A-8A8B-36EF8620149C}" type="datetimeFigureOut">
               <a:rPr lang="en-US" smtClean="0"/>
-              <a:t>11/22/22</a:t>
+              <a:t>11/25/22</a:t>
             </a:fld>
             <a:endParaRPr lang="en-US"/>
           </a:p>
@@ -2514,7 +2514,7 @@
           <a:p>
             <a:fld id="{381FDD9A-0B15-A54A-8A8B-36EF8620149C}" type="datetimeFigureOut">
               <a:rPr lang="en-US" smtClean="0"/>
-              <a:t>11/22/22</a:t>
+              <a:t>11/25/22</a:t>
             </a:fld>
             <a:endParaRPr lang="en-US"/>
           </a:p>
@@ -2782,7 +2782,7 @@
           <a:p>
             <a:fld id="{381FDD9A-0B15-A54A-8A8B-36EF8620149C}" type="datetimeFigureOut">
               <a:rPr lang="en-US" smtClean="0"/>
-              <a:t>11/22/22</a:t>
+              <a:t>11/25/22</a:t>
             </a:fld>
             <a:endParaRPr lang="en-US"/>
           </a:p>
@@ -3197,7 +3197,7 @@
           <a:p>
             <a:fld id="{381FDD9A-0B15-A54A-8A8B-36EF8620149C}" type="datetimeFigureOut">
               <a:rPr lang="en-US" smtClean="0"/>
-              <a:t>11/22/22</a:t>
+              <a:t>11/25/22</a:t>
             </a:fld>
             <a:endParaRPr lang="en-US"/>
           </a:p>
@@ -3339,7 +3339,7 @@
           <a:p>
             <a:fld id="{381FDD9A-0B15-A54A-8A8B-36EF8620149C}" type="datetimeFigureOut">
               <a:rPr lang="en-US" smtClean="0"/>
-              <a:t>11/22/22</a:t>
+              <a:t>11/25/22</a:t>
             </a:fld>
             <a:endParaRPr lang="en-US"/>
           </a:p>
@@ -3452,7 +3452,7 @@
           <a:p>
             <a:fld id="{381FDD9A-0B15-A54A-8A8B-36EF8620149C}" type="datetimeFigureOut">
               <a:rPr lang="en-US" smtClean="0"/>
-              <a:t>11/22/22</a:t>
+              <a:t>11/25/22</a:t>
             </a:fld>
             <a:endParaRPr lang="en-US"/>
           </a:p>
@@ -3765,7 +3765,7 @@
           <a:p>
             <a:fld id="{381FDD9A-0B15-A54A-8A8B-36EF8620149C}" type="datetimeFigureOut">
               <a:rPr lang="en-US" smtClean="0"/>
-              <a:t>11/22/22</a:t>
+              <a:t>11/25/22</a:t>
             </a:fld>
             <a:endParaRPr lang="en-US"/>
           </a:p>
@@ -4054,7 +4054,7 @@
           <a:p>
             <a:fld id="{381FDD9A-0B15-A54A-8A8B-36EF8620149C}" type="datetimeFigureOut">
               <a:rPr lang="en-US" smtClean="0"/>
-              <a:t>11/22/22</a:t>
+              <a:t>11/25/22</a:t>
             </a:fld>
             <a:endParaRPr lang="en-US"/>
           </a:p>
@@ -4297,7 +4297,7 @@
           <a:p>
             <a:fld id="{381FDD9A-0B15-A54A-8A8B-36EF8620149C}" type="datetimeFigureOut">
               <a:rPr lang="en-US" smtClean="0"/>
-              <a:t>11/22/22</a:t>
+              <a:t>11/25/22</a:t>
             </a:fld>
             <a:endParaRPr lang="en-US"/>
           </a:p>
@@ -4727,7 +4727,7 @@
           <p:nvPr>
             <p:extLst>
               <p:ext uri="{D42A27DB-BD31-4B8C-83A1-F6EECF244321}">
-                <p14:modId xmlns:p14="http://schemas.microsoft.com/office/powerpoint/2010/main" val="489532935"/>
+                <p14:modId xmlns:p14="http://schemas.microsoft.com/office/powerpoint/2010/main" val="3566362195"/>
               </p:ext>
             </p:extLst>
           </p:nvPr>

--- a/draft/07-data.pptx
+++ b/draft/07-data.pptx
@@ -6,7 +6,9 @@
   </p:sldMasterIdLst>
   <p:sldIdLst>
     <p:sldId id="256" r:id="rId2"/>
-    <p:sldId id="257" r:id="rId3"/>
+    <p:sldId id="260" r:id="rId3"/>
+    <p:sldId id="261" r:id="rId4"/>
+    <p:sldId id="257" r:id="rId5"/>
   </p:sldIdLst>
   <p:sldSz cx="12192000" cy="6858000"/>
   <p:notesSz cx="6858000" cy="9144000"/>
@@ -939,6 +941,1366 @@
 </c:chartSpace>
 </file>
 
+<file path=ppt/charts/chart2.xml><?xml version="1.0" encoding="utf-8"?>
+<c:chartSpace xmlns:c="http://schemas.openxmlformats.org/drawingml/2006/chart" xmlns:a="http://schemas.openxmlformats.org/drawingml/2006/main" xmlns:r="http://schemas.openxmlformats.org/officeDocument/2006/relationships" xmlns:c16r2="http://schemas.microsoft.com/office/drawing/2015/06/chart">
+  <c:date1904 val="0"/>
+  <c:lang val="de-DE"/>
+  <c:roundedCorners val="0"/>
+  <mc:AlternateContent xmlns:mc="http://schemas.openxmlformats.org/markup-compatibility/2006">
+    <mc:Choice xmlns:c14="http://schemas.microsoft.com/office/drawing/2007/8/2/chart" Requires="c14">
+      <c14:style val="102"/>
+    </mc:Choice>
+    <mc:Fallback>
+      <c:style val="2"/>
+    </mc:Fallback>
+  </mc:AlternateContent>
+  <c:chart>
+    <c:title>
+      <c:tx>
+        <c:rich>
+          <a:bodyPr rot="0" spcFirstLastPara="1" vertOverflow="ellipsis" vert="horz" wrap="square" anchor="ctr" anchorCtr="1"/>
+          <a:lstStyle/>
+          <a:p>
+            <a:pPr>
+              <a:defRPr sz="1862" b="0" i="0" u="none" strike="noStrike" kern="1200" spc="0" baseline="0">
+                <a:solidFill>
+                  <a:schemeClr val="tx1">
+                    <a:lumMod val="65000"/>
+                    <a:lumOff val="35000"/>
+                  </a:schemeClr>
+                </a:solidFill>
+                <a:latin typeface="+mn-lt"/>
+                <a:ea typeface="+mn-ea"/>
+                <a:cs typeface="+mn-cs"/>
+              </a:defRPr>
+            </a:pPr>
+            <a:r>
+              <a:rPr lang="en-US" dirty="0"/>
+              <a:t>Encrypted data</a:t>
+            </a:r>
+          </a:p>
+        </c:rich>
+      </c:tx>
+      <c:overlay val="0"/>
+      <c:spPr>
+        <a:noFill/>
+        <a:ln>
+          <a:noFill/>
+        </a:ln>
+        <a:effectLst/>
+      </c:spPr>
+      <c:txPr>
+        <a:bodyPr rot="0" spcFirstLastPara="1" vertOverflow="ellipsis" vert="horz" wrap="square" anchor="ctr" anchorCtr="1"/>
+        <a:lstStyle/>
+        <a:p>
+          <a:pPr>
+            <a:defRPr sz="1862" b="0" i="0" u="none" strike="noStrike" kern="1200" spc="0" baseline="0">
+              <a:solidFill>
+                <a:schemeClr val="tx1">
+                  <a:lumMod val="65000"/>
+                  <a:lumOff val="35000"/>
+                </a:schemeClr>
+              </a:solidFill>
+              <a:latin typeface="+mn-lt"/>
+              <a:ea typeface="+mn-ea"/>
+              <a:cs typeface="+mn-cs"/>
+            </a:defRPr>
+          </a:pPr>
+          <a:endParaRPr lang="de-DE"/>
+        </a:p>
+      </c:txPr>
+    </c:title>
+    <c:autoTitleDeleted val="0"/>
+    <c:plotArea>
+      <c:layout/>
+      <c:barChart>
+        <c:barDir val="col"/>
+        <c:grouping val="stacked"/>
+        <c:varyColors val="0"/>
+        <c:ser>
+          <c:idx val="0"/>
+          <c:order val="0"/>
+          <c:tx>
+            <c:strRef>
+              <c:f>Tabelle1!$B$1</c:f>
+              <c:strCache>
+                <c:ptCount val="1"/>
+                <c:pt idx="0">
+                  <c:v>DB access</c:v>
+                </c:pt>
+              </c:strCache>
+            </c:strRef>
+          </c:tx>
+          <c:spPr>
+            <a:solidFill>
+              <a:schemeClr val="accent1"/>
+            </a:solidFill>
+            <a:ln>
+              <a:noFill/>
+            </a:ln>
+            <a:effectLst/>
+          </c:spPr>
+          <c:invertIfNegative val="0"/>
+          <c:dLbls>
+            <c:spPr>
+              <a:noFill/>
+              <a:ln>
+                <a:noFill/>
+              </a:ln>
+              <a:effectLst/>
+            </c:spPr>
+            <c:txPr>
+              <a:bodyPr rot="0" spcFirstLastPara="1" vertOverflow="ellipsis" vert="horz" wrap="square" lIns="38100" tIns="19050" rIns="38100" bIns="19050" anchor="ctr" anchorCtr="1">
+                <a:spAutoFit/>
+              </a:bodyPr>
+              <a:lstStyle/>
+              <a:p>
+                <a:pPr>
+                  <a:defRPr sz="1197" b="0" i="0" u="none" strike="noStrike" kern="1200" baseline="0">
+                    <a:solidFill>
+                      <a:schemeClr val="tx1">
+                        <a:lumMod val="75000"/>
+                        <a:lumOff val="25000"/>
+                      </a:schemeClr>
+                    </a:solidFill>
+                    <a:latin typeface="+mn-lt"/>
+                    <a:ea typeface="+mn-ea"/>
+                    <a:cs typeface="+mn-cs"/>
+                  </a:defRPr>
+                </a:pPr>
+                <a:endParaRPr lang="de-DE"/>
+              </a:p>
+            </c:txPr>
+            <c:showLegendKey val="0"/>
+            <c:showVal val="1"/>
+            <c:showCatName val="0"/>
+            <c:showSerName val="0"/>
+            <c:showPercent val="0"/>
+            <c:showBubbleSize val="0"/>
+            <c:showLeaderLines val="0"/>
+            <c:extLst>
+              <c:ext xmlns:c15="http://schemas.microsoft.com/office/drawing/2012/chart" uri="{CE6537A1-D6FC-4f65-9D91-7224C49458BB}">
+                <c15:showLeaderLines val="1"/>
+                <c15:leaderLines>
+                  <c:spPr>
+                    <a:ln w="9525" cap="flat" cmpd="sng" algn="ctr">
+                      <a:solidFill>
+                        <a:schemeClr val="tx1">
+                          <a:lumMod val="35000"/>
+                          <a:lumOff val="65000"/>
+                        </a:schemeClr>
+                      </a:solidFill>
+                      <a:round/>
+                    </a:ln>
+                    <a:effectLst/>
+                  </c:spPr>
+                </c15:leaderLines>
+              </c:ext>
+            </c:extLst>
+          </c:dLbls>
+          <c:cat>
+            <c:numRef>
+              <c:f>Tabelle1!$A$2:$A$4</c:f>
+              <c:numCache>
+                <c:formatCode>General</c:formatCode>
+                <c:ptCount val="3"/>
+                <c:pt idx="0">
+                  <c:v>1</c:v>
+                </c:pt>
+                <c:pt idx="1">
+                  <c:v>10</c:v>
+                </c:pt>
+                <c:pt idx="2">
+                  <c:v>100</c:v>
+                </c:pt>
+              </c:numCache>
+            </c:numRef>
+          </c:cat>
+          <c:val>
+            <c:numRef>
+              <c:f>Tabelle1!$B$2:$B$4</c:f>
+              <c:numCache>
+                <c:formatCode>0.00</c:formatCode>
+                <c:ptCount val="3"/>
+                <c:pt idx="0">
+                  <c:v>35.64</c:v>
+                </c:pt>
+                <c:pt idx="1">
+                  <c:v>38.89</c:v>
+                </c:pt>
+                <c:pt idx="2">
+                  <c:v>45.06</c:v>
+                </c:pt>
+              </c:numCache>
+            </c:numRef>
+          </c:val>
+          <c:extLst>
+            <c:ext xmlns:c16="http://schemas.microsoft.com/office/drawing/2014/chart" uri="{C3380CC4-5D6E-409C-BE32-E72D297353CC}">
+              <c16:uniqueId val="{00000000-5382-8947-8D0F-3C6635661ACE}"/>
+            </c:ext>
+          </c:extLst>
+        </c:ser>
+        <c:ser>
+          <c:idx val="1"/>
+          <c:order val="1"/>
+          <c:tx>
+            <c:strRef>
+              <c:f>Tabelle1!$C$1</c:f>
+              <c:strCache>
+                <c:ptCount val="1"/>
+                <c:pt idx="0">
+                  <c:v>Server computation</c:v>
+                </c:pt>
+              </c:strCache>
+            </c:strRef>
+          </c:tx>
+          <c:spPr>
+            <a:solidFill>
+              <a:schemeClr val="accent2"/>
+            </a:solidFill>
+            <a:ln>
+              <a:noFill/>
+            </a:ln>
+            <a:effectLst/>
+          </c:spPr>
+          <c:invertIfNegative val="0"/>
+          <c:dLbls>
+            <c:spPr>
+              <a:noFill/>
+              <a:ln>
+                <a:noFill/>
+              </a:ln>
+              <a:effectLst/>
+            </c:spPr>
+            <c:txPr>
+              <a:bodyPr rot="0" spcFirstLastPara="1" vertOverflow="ellipsis" vert="horz" wrap="square" lIns="38100" tIns="19050" rIns="38100" bIns="19050" anchor="ctr" anchorCtr="1">
+                <a:spAutoFit/>
+              </a:bodyPr>
+              <a:lstStyle/>
+              <a:p>
+                <a:pPr>
+                  <a:defRPr sz="1197" b="0" i="0" u="none" strike="noStrike" kern="1200" baseline="0">
+                    <a:solidFill>
+                      <a:schemeClr val="tx1">
+                        <a:lumMod val="75000"/>
+                        <a:lumOff val="25000"/>
+                      </a:schemeClr>
+                    </a:solidFill>
+                    <a:latin typeface="+mn-lt"/>
+                    <a:ea typeface="+mn-ea"/>
+                    <a:cs typeface="+mn-cs"/>
+                  </a:defRPr>
+                </a:pPr>
+                <a:endParaRPr lang="de-DE"/>
+              </a:p>
+            </c:txPr>
+            <c:showLegendKey val="0"/>
+            <c:showVal val="1"/>
+            <c:showCatName val="0"/>
+            <c:showSerName val="0"/>
+            <c:showPercent val="0"/>
+            <c:showBubbleSize val="0"/>
+            <c:showLeaderLines val="0"/>
+            <c:extLst>
+              <c:ext xmlns:c15="http://schemas.microsoft.com/office/drawing/2012/chart" uri="{CE6537A1-D6FC-4f65-9D91-7224C49458BB}">
+                <c15:showLeaderLines val="1"/>
+                <c15:leaderLines>
+                  <c:spPr>
+                    <a:ln w="9525" cap="flat" cmpd="sng" algn="ctr">
+                      <a:solidFill>
+                        <a:schemeClr val="tx1">
+                          <a:lumMod val="35000"/>
+                          <a:lumOff val="65000"/>
+                        </a:schemeClr>
+                      </a:solidFill>
+                      <a:round/>
+                    </a:ln>
+                    <a:effectLst/>
+                  </c:spPr>
+                </c15:leaderLines>
+              </c:ext>
+            </c:extLst>
+          </c:dLbls>
+          <c:cat>
+            <c:numRef>
+              <c:f>Tabelle1!$A$2:$A$4</c:f>
+              <c:numCache>
+                <c:formatCode>General</c:formatCode>
+                <c:ptCount val="3"/>
+                <c:pt idx="0">
+                  <c:v>1</c:v>
+                </c:pt>
+                <c:pt idx="1">
+                  <c:v>10</c:v>
+                </c:pt>
+                <c:pt idx="2">
+                  <c:v>100</c:v>
+                </c:pt>
+              </c:numCache>
+            </c:numRef>
+          </c:cat>
+          <c:val>
+            <c:numRef>
+              <c:f>Tabelle1!$C$2:$C$4</c:f>
+              <c:numCache>
+                <c:formatCode>0.00</c:formatCode>
+                <c:ptCount val="3"/>
+                <c:pt idx="0">
+                  <c:v>37.900000000000006</c:v>
+                </c:pt>
+                <c:pt idx="1">
+                  <c:v>52.879999999999995</c:v>
+                </c:pt>
+                <c:pt idx="2">
+                  <c:v>138.96</c:v>
+                </c:pt>
+              </c:numCache>
+            </c:numRef>
+          </c:val>
+          <c:extLst>
+            <c:ext xmlns:c16="http://schemas.microsoft.com/office/drawing/2014/chart" uri="{C3380CC4-5D6E-409C-BE32-E72D297353CC}">
+              <c16:uniqueId val="{00000001-5382-8947-8D0F-3C6635661ACE}"/>
+            </c:ext>
+          </c:extLst>
+        </c:ser>
+        <c:ser>
+          <c:idx val="2"/>
+          <c:order val="2"/>
+          <c:tx>
+            <c:strRef>
+              <c:f>Tabelle1!$D$1</c:f>
+              <c:strCache>
+                <c:ptCount val="1"/>
+                <c:pt idx="0">
+                  <c:v>Client computation</c:v>
+                </c:pt>
+              </c:strCache>
+            </c:strRef>
+          </c:tx>
+          <c:spPr>
+            <a:solidFill>
+              <a:schemeClr val="accent3"/>
+            </a:solidFill>
+            <a:ln>
+              <a:noFill/>
+            </a:ln>
+            <a:effectLst/>
+          </c:spPr>
+          <c:invertIfNegative val="0"/>
+          <c:dLbls>
+            <c:dLbl>
+              <c:idx val="0"/>
+              <c:layout>
+                <c:manualLayout>
+                  <c:x val="0"/>
+                  <c:y val="-2.1093748702402271E-2"/>
+                </c:manualLayout>
+              </c:layout>
+              <c:showLegendKey val="0"/>
+              <c:showVal val="1"/>
+              <c:showCatName val="0"/>
+              <c:showSerName val="0"/>
+              <c:showPercent val="0"/>
+              <c:showBubbleSize val="0"/>
+              <c:extLst>
+                <c:ext xmlns:c15="http://schemas.microsoft.com/office/drawing/2012/chart" uri="{CE6537A1-D6FC-4f65-9D91-7224C49458BB}"/>
+                <c:ext xmlns:c16="http://schemas.microsoft.com/office/drawing/2014/chart" uri="{C3380CC4-5D6E-409C-BE32-E72D297353CC}">
+                  <c16:uniqueId val="{00000005-5382-8947-8D0F-3C6635661ACE}"/>
+                </c:ext>
+              </c:extLst>
+            </c:dLbl>
+            <c:spPr>
+              <a:noFill/>
+              <a:ln>
+                <a:noFill/>
+              </a:ln>
+              <a:effectLst/>
+            </c:spPr>
+            <c:txPr>
+              <a:bodyPr rot="0" spcFirstLastPara="1" vertOverflow="ellipsis" vert="horz" wrap="square" lIns="38100" tIns="19050" rIns="38100" bIns="19050" anchor="ctr" anchorCtr="1">
+                <a:spAutoFit/>
+              </a:bodyPr>
+              <a:lstStyle/>
+              <a:p>
+                <a:pPr>
+                  <a:defRPr sz="1197" b="0" i="0" u="none" strike="noStrike" kern="1200" baseline="0">
+                    <a:solidFill>
+                      <a:schemeClr val="tx1">
+                        <a:lumMod val="75000"/>
+                        <a:lumOff val="25000"/>
+                      </a:schemeClr>
+                    </a:solidFill>
+                    <a:latin typeface="+mn-lt"/>
+                    <a:ea typeface="+mn-ea"/>
+                    <a:cs typeface="+mn-cs"/>
+                  </a:defRPr>
+                </a:pPr>
+                <a:endParaRPr lang="de-DE"/>
+              </a:p>
+            </c:txPr>
+            <c:showLegendKey val="0"/>
+            <c:showVal val="1"/>
+            <c:showCatName val="0"/>
+            <c:showSerName val="0"/>
+            <c:showPercent val="0"/>
+            <c:showBubbleSize val="0"/>
+            <c:showLeaderLines val="0"/>
+            <c:extLst>
+              <c:ext xmlns:c15="http://schemas.microsoft.com/office/drawing/2012/chart" uri="{CE6537A1-D6FC-4f65-9D91-7224C49458BB}">
+                <c15:showLeaderLines val="1"/>
+                <c15:leaderLines>
+                  <c:spPr>
+                    <a:ln w="9525" cap="flat" cmpd="sng" algn="ctr">
+                      <a:solidFill>
+                        <a:schemeClr val="tx1">
+                          <a:lumMod val="35000"/>
+                          <a:lumOff val="65000"/>
+                        </a:schemeClr>
+                      </a:solidFill>
+                      <a:round/>
+                    </a:ln>
+                    <a:effectLst/>
+                  </c:spPr>
+                </c15:leaderLines>
+              </c:ext>
+            </c:extLst>
+          </c:dLbls>
+          <c:cat>
+            <c:numRef>
+              <c:f>Tabelle1!$A$2:$A$4</c:f>
+              <c:numCache>
+                <c:formatCode>General</c:formatCode>
+                <c:ptCount val="3"/>
+                <c:pt idx="0">
+                  <c:v>1</c:v>
+                </c:pt>
+                <c:pt idx="1">
+                  <c:v>10</c:v>
+                </c:pt>
+                <c:pt idx="2">
+                  <c:v>100</c:v>
+                </c:pt>
+              </c:numCache>
+            </c:numRef>
+          </c:cat>
+          <c:val>
+            <c:numRef>
+              <c:f>Tabelle1!$D$2:$D$4</c:f>
+              <c:numCache>
+                <c:formatCode>General</c:formatCode>
+                <c:ptCount val="3"/>
+                <c:pt idx="0">
+                  <c:v>3.5099999999999909</c:v>
+                </c:pt>
+                <c:pt idx="1">
+                  <c:v>14.540000000000006</c:v>
+                </c:pt>
+                <c:pt idx="2">
+                  <c:v>114.86999999999998</c:v>
+                </c:pt>
+              </c:numCache>
+            </c:numRef>
+          </c:val>
+          <c:extLst>
+            <c:ext xmlns:c16="http://schemas.microsoft.com/office/drawing/2014/chart" uri="{C3380CC4-5D6E-409C-BE32-E72D297353CC}">
+              <c16:uniqueId val="{00000002-5382-8947-8D0F-3C6635661ACE}"/>
+            </c:ext>
+          </c:extLst>
+        </c:ser>
+        <c:dLbls>
+          <c:showLegendKey val="0"/>
+          <c:showVal val="0"/>
+          <c:showCatName val="0"/>
+          <c:showSerName val="0"/>
+          <c:showPercent val="0"/>
+          <c:showBubbleSize val="0"/>
+        </c:dLbls>
+        <c:gapWidth val="150"/>
+        <c:overlap val="100"/>
+        <c:axId val="1937872000"/>
+        <c:axId val="211452512"/>
+      </c:barChart>
+      <c:catAx>
+        <c:axId val="1937872000"/>
+        <c:scaling>
+          <c:orientation val="minMax"/>
+        </c:scaling>
+        <c:delete val="0"/>
+        <c:axPos val="b"/>
+        <c:numFmt formatCode="General" sourceLinked="1"/>
+        <c:majorTickMark val="none"/>
+        <c:minorTickMark val="none"/>
+        <c:tickLblPos val="nextTo"/>
+        <c:spPr>
+          <a:noFill/>
+          <a:ln w="9525" cap="flat" cmpd="sng" algn="ctr">
+            <a:solidFill>
+              <a:schemeClr val="tx1">
+                <a:lumMod val="15000"/>
+                <a:lumOff val="85000"/>
+              </a:schemeClr>
+            </a:solidFill>
+            <a:round/>
+          </a:ln>
+          <a:effectLst/>
+        </c:spPr>
+        <c:txPr>
+          <a:bodyPr rot="-60000000" spcFirstLastPara="1" vertOverflow="ellipsis" vert="horz" wrap="square" anchor="ctr" anchorCtr="1"/>
+          <a:lstStyle/>
+          <a:p>
+            <a:pPr>
+              <a:defRPr sz="1197" b="0" i="0" u="none" strike="noStrike" kern="1200" baseline="0">
+                <a:solidFill>
+                  <a:schemeClr val="tx1">
+                    <a:lumMod val="65000"/>
+                    <a:lumOff val="35000"/>
+                  </a:schemeClr>
+                </a:solidFill>
+                <a:latin typeface="+mn-lt"/>
+                <a:ea typeface="+mn-ea"/>
+                <a:cs typeface="+mn-cs"/>
+              </a:defRPr>
+            </a:pPr>
+            <a:endParaRPr lang="de-DE"/>
+          </a:p>
+        </c:txPr>
+        <c:crossAx val="211452512"/>
+        <c:crosses val="autoZero"/>
+        <c:auto val="1"/>
+        <c:lblAlgn val="ctr"/>
+        <c:lblOffset val="100"/>
+        <c:noMultiLvlLbl val="0"/>
+      </c:catAx>
+      <c:valAx>
+        <c:axId val="211452512"/>
+        <c:scaling>
+          <c:orientation val="minMax"/>
+        </c:scaling>
+        <c:delete val="0"/>
+        <c:axPos val="l"/>
+        <c:majorGridlines>
+          <c:spPr>
+            <a:ln w="9525" cap="flat" cmpd="sng" algn="ctr">
+              <a:solidFill>
+                <a:schemeClr val="tx1">
+                  <a:lumMod val="15000"/>
+                  <a:lumOff val="85000"/>
+                </a:schemeClr>
+              </a:solidFill>
+              <a:round/>
+            </a:ln>
+            <a:effectLst/>
+          </c:spPr>
+        </c:majorGridlines>
+        <c:numFmt formatCode="0.00" sourceLinked="1"/>
+        <c:majorTickMark val="none"/>
+        <c:minorTickMark val="none"/>
+        <c:tickLblPos val="nextTo"/>
+        <c:spPr>
+          <a:noFill/>
+          <a:ln>
+            <a:noFill/>
+          </a:ln>
+          <a:effectLst/>
+        </c:spPr>
+        <c:txPr>
+          <a:bodyPr rot="-60000000" spcFirstLastPara="1" vertOverflow="ellipsis" vert="horz" wrap="square" anchor="ctr" anchorCtr="1"/>
+          <a:lstStyle/>
+          <a:p>
+            <a:pPr>
+              <a:defRPr sz="1197" b="0" i="0" u="none" strike="noStrike" kern="1200" baseline="0">
+                <a:solidFill>
+                  <a:schemeClr val="tx1">
+                    <a:lumMod val="65000"/>
+                    <a:lumOff val="35000"/>
+                  </a:schemeClr>
+                </a:solidFill>
+                <a:latin typeface="+mn-lt"/>
+                <a:ea typeface="+mn-ea"/>
+                <a:cs typeface="+mn-cs"/>
+              </a:defRPr>
+            </a:pPr>
+            <a:endParaRPr lang="de-DE"/>
+          </a:p>
+        </c:txPr>
+        <c:crossAx val="1937872000"/>
+        <c:crosses val="autoZero"/>
+        <c:crossBetween val="between"/>
+      </c:valAx>
+      <c:spPr>
+        <a:noFill/>
+        <a:ln>
+          <a:noFill/>
+        </a:ln>
+        <a:effectLst/>
+      </c:spPr>
+    </c:plotArea>
+    <c:legend>
+      <c:legendPos val="b"/>
+      <c:overlay val="0"/>
+      <c:spPr>
+        <a:noFill/>
+        <a:ln>
+          <a:noFill/>
+        </a:ln>
+        <a:effectLst/>
+      </c:spPr>
+      <c:txPr>
+        <a:bodyPr rot="0" spcFirstLastPara="1" vertOverflow="ellipsis" vert="horz" wrap="square" anchor="ctr" anchorCtr="1"/>
+        <a:lstStyle/>
+        <a:p>
+          <a:pPr>
+            <a:defRPr sz="1197" b="0" i="0" u="none" strike="noStrike" kern="1200" baseline="0">
+              <a:solidFill>
+                <a:schemeClr val="tx1">
+                  <a:lumMod val="65000"/>
+                  <a:lumOff val="35000"/>
+                </a:schemeClr>
+              </a:solidFill>
+              <a:latin typeface="+mn-lt"/>
+              <a:ea typeface="+mn-ea"/>
+              <a:cs typeface="+mn-cs"/>
+            </a:defRPr>
+          </a:pPr>
+          <a:endParaRPr lang="de-DE"/>
+        </a:p>
+      </c:txPr>
+    </c:legend>
+    <c:plotVisOnly val="1"/>
+    <c:dispBlanksAs val="gap"/>
+    <c:extLst>
+      <c:ext xmlns:c16r3="http://schemas.microsoft.com/office/drawing/2017/03/chart" uri="{56B9EC1D-385E-4148-901F-78D8002777C0}">
+        <c16r3:dataDisplayOptions16>
+          <c16r3:dispNaAsBlank val="1"/>
+        </c16r3:dataDisplayOptions16>
+      </c:ext>
+    </c:extLst>
+    <c:showDLblsOverMax val="0"/>
+  </c:chart>
+  <c:spPr>
+    <a:noFill/>
+    <a:ln>
+      <a:noFill/>
+    </a:ln>
+    <a:effectLst/>
+  </c:spPr>
+  <c:txPr>
+    <a:bodyPr/>
+    <a:lstStyle/>
+    <a:p>
+      <a:pPr>
+        <a:defRPr/>
+      </a:pPr>
+      <a:endParaRPr lang="de-DE"/>
+    </a:p>
+  </c:txPr>
+  <c:externalData r:id="rId3">
+    <c:autoUpdate val="0"/>
+  </c:externalData>
+</c:chartSpace>
+</file>
+
+<file path=ppt/charts/chart3.xml><?xml version="1.0" encoding="utf-8"?>
+<c:chartSpace xmlns:c="http://schemas.openxmlformats.org/drawingml/2006/chart" xmlns:a="http://schemas.openxmlformats.org/drawingml/2006/main" xmlns:r="http://schemas.openxmlformats.org/officeDocument/2006/relationships" xmlns:c16r2="http://schemas.microsoft.com/office/drawing/2015/06/chart">
+  <c:date1904 val="0"/>
+  <c:lang val="de-DE"/>
+  <c:roundedCorners val="0"/>
+  <mc:AlternateContent xmlns:mc="http://schemas.openxmlformats.org/markup-compatibility/2006">
+    <mc:Choice xmlns:c14="http://schemas.microsoft.com/office/drawing/2007/8/2/chart" Requires="c14">
+      <c14:style val="102"/>
+    </mc:Choice>
+    <mc:Fallback>
+      <c:style val="2"/>
+    </mc:Fallback>
+  </mc:AlternateContent>
+  <c:chart>
+    <c:title>
+      <c:tx>
+        <c:rich>
+          <a:bodyPr rot="0" spcFirstLastPara="1" vertOverflow="ellipsis" vert="horz" wrap="square" anchor="ctr" anchorCtr="1"/>
+          <a:lstStyle/>
+          <a:p>
+            <a:pPr>
+              <a:defRPr sz="1862" b="0" i="0" u="none" strike="noStrike" kern="1200" spc="0" baseline="0">
+                <a:solidFill>
+                  <a:schemeClr val="tx1">
+                    <a:lumMod val="65000"/>
+                    <a:lumOff val="35000"/>
+                  </a:schemeClr>
+                </a:solidFill>
+                <a:latin typeface="+mn-lt"/>
+                <a:ea typeface="+mn-ea"/>
+                <a:cs typeface="+mn-cs"/>
+              </a:defRPr>
+            </a:pPr>
+            <a:r>
+              <a:rPr lang="en-US" dirty="0"/>
+              <a:t>Unencrypted data</a:t>
+            </a:r>
+          </a:p>
+        </c:rich>
+      </c:tx>
+      <c:overlay val="0"/>
+      <c:spPr>
+        <a:noFill/>
+        <a:ln>
+          <a:noFill/>
+        </a:ln>
+        <a:effectLst/>
+      </c:spPr>
+      <c:txPr>
+        <a:bodyPr rot="0" spcFirstLastPara="1" vertOverflow="ellipsis" vert="horz" wrap="square" anchor="ctr" anchorCtr="1"/>
+        <a:lstStyle/>
+        <a:p>
+          <a:pPr>
+            <a:defRPr sz="1862" b="0" i="0" u="none" strike="noStrike" kern="1200" spc="0" baseline="0">
+              <a:solidFill>
+                <a:schemeClr val="tx1">
+                  <a:lumMod val="65000"/>
+                  <a:lumOff val="35000"/>
+                </a:schemeClr>
+              </a:solidFill>
+              <a:latin typeface="+mn-lt"/>
+              <a:ea typeface="+mn-ea"/>
+              <a:cs typeface="+mn-cs"/>
+            </a:defRPr>
+          </a:pPr>
+          <a:endParaRPr lang="de-DE"/>
+        </a:p>
+      </c:txPr>
+    </c:title>
+    <c:autoTitleDeleted val="0"/>
+    <c:plotArea>
+      <c:layout/>
+      <c:barChart>
+        <c:barDir val="col"/>
+        <c:grouping val="stacked"/>
+        <c:varyColors val="0"/>
+        <c:ser>
+          <c:idx val="0"/>
+          <c:order val="0"/>
+          <c:tx>
+            <c:strRef>
+              <c:f>Tabelle1!$B$1</c:f>
+              <c:strCache>
+                <c:ptCount val="1"/>
+                <c:pt idx="0">
+                  <c:v>DB access</c:v>
+                </c:pt>
+              </c:strCache>
+            </c:strRef>
+          </c:tx>
+          <c:spPr>
+            <a:solidFill>
+              <a:schemeClr val="accent1"/>
+            </a:solidFill>
+            <a:ln>
+              <a:noFill/>
+            </a:ln>
+            <a:effectLst/>
+          </c:spPr>
+          <c:invertIfNegative val="0"/>
+          <c:dLbls>
+            <c:spPr>
+              <a:noFill/>
+              <a:ln>
+                <a:noFill/>
+              </a:ln>
+              <a:effectLst/>
+            </c:spPr>
+            <c:txPr>
+              <a:bodyPr rot="0" spcFirstLastPara="1" vertOverflow="ellipsis" vert="horz" wrap="square" lIns="38100" tIns="19050" rIns="38100" bIns="19050" anchor="ctr" anchorCtr="1">
+                <a:spAutoFit/>
+              </a:bodyPr>
+              <a:lstStyle/>
+              <a:p>
+                <a:pPr>
+                  <a:defRPr sz="1197" b="0" i="0" u="none" strike="noStrike" kern="1200" baseline="0">
+                    <a:solidFill>
+                      <a:schemeClr val="tx1">
+                        <a:lumMod val="75000"/>
+                        <a:lumOff val="25000"/>
+                      </a:schemeClr>
+                    </a:solidFill>
+                    <a:latin typeface="+mn-lt"/>
+                    <a:ea typeface="+mn-ea"/>
+                    <a:cs typeface="+mn-cs"/>
+                  </a:defRPr>
+                </a:pPr>
+                <a:endParaRPr lang="de-DE"/>
+              </a:p>
+            </c:txPr>
+            <c:showLegendKey val="0"/>
+            <c:showVal val="1"/>
+            <c:showCatName val="0"/>
+            <c:showSerName val="0"/>
+            <c:showPercent val="0"/>
+            <c:showBubbleSize val="0"/>
+            <c:showLeaderLines val="0"/>
+            <c:extLst>
+              <c:ext xmlns:c15="http://schemas.microsoft.com/office/drawing/2012/chart" uri="{CE6537A1-D6FC-4f65-9D91-7224C49458BB}">
+                <c15:showLeaderLines val="1"/>
+                <c15:leaderLines>
+                  <c:spPr>
+                    <a:ln w="9525" cap="flat" cmpd="sng" algn="ctr">
+                      <a:solidFill>
+                        <a:schemeClr val="tx1">
+                          <a:lumMod val="35000"/>
+                          <a:lumOff val="65000"/>
+                        </a:schemeClr>
+                      </a:solidFill>
+                      <a:round/>
+                    </a:ln>
+                    <a:effectLst/>
+                  </c:spPr>
+                </c15:leaderLines>
+              </c:ext>
+            </c:extLst>
+          </c:dLbls>
+          <c:cat>
+            <c:numRef>
+              <c:f>Tabelle1!$A$2:$A$4</c:f>
+              <c:numCache>
+                <c:formatCode>General</c:formatCode>
+                <c:ptCount val="3"/>
+                <c:pt idx="0">
+                  <c:v>1</c:v>
+                </c:pt>
+                <c:pt idx="1">
+                  <c:v>10</c:v>
+                </c:pt>
+                <c:pt idx="2">
+                  <c:v>100</c:v>
+                </c:pt>
+              </c:numCache>
+            </c:numRef>
+          </c:cat>
+          <c:val>
+            <c:numRef>
+              <c:f>Tabelle1!$B$2:$B$4</c:f>
+              <c:numCache>
+                <c:formatCode>0.00</c:formatCode>
+                <c:ptCount val="3"/>
+                <c:pt idx="0">
+                  <c:v>93</c:v>
+                </c:pt>
+                <c:pt idx="1">
+                  <c:v>101</c:v>
+                </c:pt>
+                <c:pt idx="2">
+                  <c:v>115</c:v>
+                </c:pt>
+              </c:numCache>
+            </c:numRef>
+          </c:val>
+          <c:extLst>
+            <c:ext xmlns:c16="http://schemas.microsoft.com/office/drawing/2014/chart" uri="{C3380CC4-5D6E-409C-BE32-E72D297353CC}">
+              <c16:uniqueId val="{00000000-5382-8947-8D0F-3C6635661ACE}"/>
+            </c:ext>
+          </c:extLst>
+        </c:ser>
+        <c:ser>
+          <c:idx val="1"/>
+          <c:order val="1"/>
+          <c:tx>
+            <c:strRef>
+              <c:f>Tabelle1!$C$1</c:f>
+              <c:strCache>
+                <c:ptCount val="1"/>
+                <c:pt idx="0">
+                  <c:v>Server computation</c:v>
+                </c:pt>
+              </c:strCache>
+            </c:strRef>
+          </c:tx>
+          <c:spPr>
+            <a:solidFill>
+              <a:schemeClr val="accent2"/>
+            </a:solidFill>
+            <a:ln>
+              <a:noFill/>
+            </a:ln>
+            <a:effectLst/>
+          </c:spPr>
+          <c:invertIfNegative val="0"/>
+          <c:dLbls>
+            <c:spPr>
+              <a:noFill/>
+              <a:ln>
+                <a:noFill/>
+              </a:ln>
+              <a:effectLst/>
+            </c:spPr>
+            <c:txPr>
+              <a:bodyPr rot="0" spcFirstLastPara="1" vertOverflow="ellipsis" vert="horz" wrap="square" lIns="38100" tIns="19050" rIns="38100" bIns="19050" anchor="ctr" anchorCtr="1">
+                <a:spAutoFit/>
+              </a:bodyPr>
+              <a:lstStyle/>
+              <a:p>
+                <a:pPr>
+                  <a:defRPr sz="1197" b="0" i="0" u="none" strike="noStrike" kern="1200" baseline="0">
+                    <a:solidFill>
+                      <a:schemeClr val="tx1">
+                        <a:lumMod val="75000"/>
+                        <a:lumOff val="25000"/>
+                      </a:schemeClr>
+                    </a:solidFill>
+                    <a:latin typeface="+mn-lt"/>
+                    <a:ea typeface="+mn-ea"/>
+                    <a:cs typeface="+mn-cs"/>
+                  </a:defRPr>
+                </a:pPr>
+                <a:endParaRPr lang="de-DE"/>
+              </a:p>
+            </c:txPr>
+            <c:showLegendKey val="0"/>
+            <c:showVal val="1"/>
+            <c:showCatName val="0"/>
+            <c:showSerName val="0"/>
+            <c:showPercent val="0"/>
+            <c:showBubbleSize val="0"/>
+            <c:showLeaderLines val="0"/>
+            <c:extLst>
+              <c:ext xmlns:c15="http://schemas.microsoft.com/office/drawing/2012/chart" uri="{CE6537A1-D6FC-4f65-9D91-7224C49458BB}">
+                <c15:showLeaderLines val="1"/>
+                <c15:leaderLines>
+                  <c:spPr>
+                    <a:ln w="9525" cap="flat" cmpd="sng" algn="ctr">
+                      <a:solidFill>
+                        <a:schemeClr val="tx1">
+                          <a:lumMod val="35000"/>
+                          <a:lumOff val="65000"/>
+                        </a:schemeClr>
+                      </a:solidFill>
+                      <a:round/>
+                    </a:ln>
+                    <a:effectLst/>
+                  </c:spPr>
+                </c15:leaderLines>
+              </c:ext>
+            </c:extLst>
+          </c:dLbls>
+          <c:cat>
+            <c:numRef>
+              <c:f>Tabelle1!$A$2:$A$4</c:f>
+              <c:numCache>
+                <c:formatCode>General</c:formatCode>
+                <c:ptCount val="3"/>
+                <c:pt idx="0">
+                  <c:v>1</c:v>
+                </c:pt>
+                <c:pt idx="1">
+                  <c:v>10</c:v>
+                </c:pt>
+                <c:pt idx="2">
+                  <c:v>100</c:v>
+                </c:pt>
+              </c:numCache>
+            </c:numRef>
+          </c:cat>
+          <c:val>
+            <c:numRef>
+              <c:f>Tabelle1!$C$2:$C$4</c:f>
+              <c:numCache>
+                <c:formatCode>0.00</c:formatCode>
+                <c:ptCount val="3"/>
+                <c:pt idx="0">
+                  <c:v>49.650000000000006</c:v>
+                </c:pt>
+                <c:pt idx="1">
+                  <c:v>47.27000000000001</c:v>
+                </c:pt>
+                <c:pt idx="2">
+                  <c:v>126.50999999999999</c:v>
+                </c:pt>
+              </c:numCache>
+            </c:numRef>
+          </c:val>
+          <c:extLst>
+            <c:ext xmlns:c16="http://schemas.microsoft.com/office/drawing/2014/chart" uri="{C3380CC4-5D6E-409C-BE32-E72D297353CC}">
+              <c16:uniqueId val="{00000001-5382-8947-8D0F-3C6635661ACE}"/>
+            </c:ext>
+          </c:extLst>
+        </c:ser>
+        <c:ser>
+          <c:idx val="2"/>
+          <c:order val="2"/>
+          <c:tx>
+            <c:strRef>
+              <c:f>Tabelle1!$D$1</c:f>
+              <c:strCache>
+                <c:ptCount val="1"/>
+                <c:pt idx="0">
+                  <c:v>Client computation</c:v>
+                </c:pt>
+              </c:strCache>
+            </c:strRef>
+          </c:tx>
+          <c:spPr>
+            <a:solidFill>
+              <a:schemeClr val="accent3"/>
+            </a:solidFill>
+            <a:ln>
+              <a:noFill/>
+            </a:ln>
+            <a:effectLst/>
+          </c:spPr>
+          <c:invertIfNegative val="0"/>
+          <c:dLbls>
+            <c:dLbl>
+              <c:idx val="0"/>
+              <c:layout>
+                <c:manualLayout>
+                  <c:x val="0"/>
+                  <c:y val="-2.1093748702402271E-2"/>
+                </c:manualLayout>
+              </c:layout>
+              <c:showLegendKey val="0"/>
+              <c:showVal val="1"/>
+              <c:showCatName val="0"/>
+              <c:showSerName val="0"/>
+              <c:showPercent val="0"/>
+              <c:showBubbleSize val="0"/>
+              <c:extLst>
+                <c:ext xmlns:c15="http://schemas.microsoft.com/office/drawing/2012/chart" uri="{CE6537A1-D6FC-4f65-9D91-7224C49458BB}"/>
+                <c:ext xmlns:c16="http://schemas.microsoft.com/office/drawing/2014/chart" uri="{C3380CC4-5D6E-409C-BE32-E72D297353CC}">
+                  <c16:uniqueId val="{00000005-5382-8947-8D0F-3C6635661ACE}"/>
+                </c:ext>
+              </c:extLst>
+            </c:dLbl>
+            <c:dLbl>
+              <c:idx val="1"/>
+              <c:layout>
+                <c:manualLayout>
+                  <c:x val="-5.729100483608997E-17"/>
+                  <c:y val="-3.0468748125692169E-2"/>
+                </c:manualLayout>
+              </c:layout>
+              <c:showLegendKey val="0"/>
+              <c:showVal val="1"/>
+              <c:showCatName val="0"/>
+              <c:showSerName val="0"/>
+              <c:showPercent val="0"/>
+              <c:showBubbleSize val="0"/>
+              <c:extLst>
+                <c:ext xmlns:c15="http://schemas.microsoft.com/office/drawing/2012/chart" uri="{CE6537A1-D6FC-4f65-9D91-7224C49458BB}"/>
+                <c:ext xmlns:c16="http://schemas.microsoft.com/office/drawing/2014/chart" uri="{C3380CC4-5D6E-409C-BE32-E72D297353CC}">
+                  <c16:uniqueId val="{00000002-66D0-CA4C-A1CC-901F90A1A7FA}"/>
+                </c:ext>
+              </c:extLst>
+            </c:dLbl>
+            <c:dLbl>
+              <c:idx val="2"/>
+              <c:layout>
+                <c:manualLayout>
+                  <c:x val="-1.1458200967217994E-16"/>
+                  <c:y val="-2.3437498558224787E-2"/>
+                </c:manualLayout>
+              </c:layout>
+              <c:showLegendKey val="0"/>
+              <c:showVal val="1"/>
+              <c:showCatName val="0"/>
+              <c:showSerName val="0"/>
+              <c:showPercent val="0"/>
+              <c:showBubbleSize val="0"/>
+              <c:extLst>
+                <c:ext xmlns:c15="http://schemas.microsoft.com/office/drawing/2012/chart" uri="{CE6537A1-D6FC-4f65-9D91-7224C49458BB}"/>
+                <c:ext xmlns:c16="http://schemas.microsoft.com/office/drawing/2014/chart" uri="{C3380CC4-5D6E-409C-BE32-E72D297353CC}">
+                  <c16:uniqueId val="{00000003-66D0-CA4C-A1CC-901F90A1A7FA}"/>
+                </c:ext>
+              </c:extLst>
+            </c:dLbl>
+            <c:spPr>
+              <a:noFill/>
+              <a:ln>
+                <a:noFill/>
+              </a:ln>
+              <a:effectLst/>
+            </c:spPr>
+            <c:txPr>
+              <a:bodyPr rot="0" spcFirstLastPara="1" vertOverflow="ellipsis" vert="horz" wrap="square" lIns="38100" tIns="19050" rIns="38100" bIns="19050" anchor="ctr" anchorCtr="1">
+                <a:spAutoFit/>
+              </a:bodyPr>
+              <a:lstStyle/>
+              <a:p>
+                <a:pPr>
+                  <a:defRPr sz="1197" b="0" i="0" u="none" strike="noStrike" kern="1200" baseline="0">
+                    <a:solidFill>
+                      <a:schemeClr val="tx1">
+                        <a:lumMod val="75000"/>
+                        <a:lumOff val="25000"/>
+                      </a:schemeClr>
+                    </a:solidFill>
+                    <a:latin typeface="+mn-lt"/>
+                    <a:ea typeface="+mn-ea"/>
+                    <a:cs typeface="+mn-cs"/>
+                  </a:defRPr>
+                </a:pPr>
+                <a:endParaRPr lang="de-DE"/>
+              </a:p>
+            </c:txPr>
+            <c:showLegendKey val="0"/>
+            <c:showVal val="1"/>
+            <c:showCatName val="0"/>
+            <c:showSerName val="0"/>
+            <c:showPercent val="0"/>
+            <c:showBubbleSize val="0"/>
+            <c:showLeaderLines val="0"/>
+            <c:extLst>
+              <c:ext xmlns:c15="http://schemas.microsoft.com/office/drawing/2012/chart" uri="{CE6537A1-D6FC-4f65-9D91-7224C49458BB}">
+                <c15:showLeaderLines val="1"/>
+                <c15:leaderLines>
+                  <c:spPr>
+                    <a:ln w="9525" cap="flat" cmpd="sng" algn="ctr">
+                      <a:solidFill>
+                        <a:schemeClr val="tx1">
+                          <a:lumMod val="35000"/>
+                          <a:lumOff val="65000"/>
+                        </a:schemeClr>
+                      </a:solidFill>
+                      <a:round/>
+                    </a:ln>
+                    <a:effectLst/>
+                  </c:spPr>
+                </c15:leaderLines>
+              </c:ext>
+            </c:extLst>
+          </c:dLbls>
+          <c:cat>
+            <c:numRef>
+              <c:f>Tabelle1!$A$2:$A$4</c:f>
+              <c:numCache>
+                <c:formatCode>General</c:formatCode>
+                <c:ptCount val="3"/>
+                <c:pt idx="0">
+                  <c:v>1</c:v>
+                </c:pt>
+                <c:pt idx="1">
+                  <c:v>10</c:v>
+                </c:pt>
+                <c:pt idx="2">
+                  <c:v>100</c:v>
+                </c:pt>
+              </c:numCache>
+            </c:numRef>
+          </c:cat>
+          <c:val>
+            <c:numRef>
+              <c:f>Tabelle1!$D$2:$D$4</c:f>
+              <c:numCache>
+                <c:formatCode>General</c:formatCode>
+                <c:ptCount val="3"/>
+                <c:pt idx="0">
+                  <c:v>0.21999999999999886</c:v>
+                </c:pt>
+                <c:pt idx="1">
+                  <c:v>0.5</c:v>
+                </c:pt>
+                <c:pt idx="2">
+                  <c:v>1.7300000000000182</c:v>
+                </c:pt>
+              </c:numCache>
+            </c:numRef>
+          </c:val>
+          <c:extLst>
+            <c:ext xmlns:c16="http://schemas.microsoft.com/office/drawing/2014/chart" uri="{C3380CC4-5D6E-409C-BE32-E72D297353CC}">
+              <c16:uniqueId val="{00000002-5382-8947-8D0F-3C6635661ACE}"/>
+            </c:ext>
+          </c:extLst>
+        </c:ser>
+        <c:dLbls>
+          <c:showLegendKey val="0"/>
+          <c:showVal val="0"/>
+          <c:showCatName val="0"/>
+          <c:showSerName val="0"/>
+          <c:showPercent val="0"/>
+          <c:showBubbleSize val="0"/>
+        </c:dLbls>
+        <c:gapWidth val="150"/>
+        <c:overlap val="100"/>
+        <c:axId val="1937872000"/>
+        <c:axId val="211452512"/>
+      </c:barChart>
+      <c:catAx>
+        <c:axId val="1937872000"/>
+        <c:scaling>
+          <c:orientation val="minMax"/>
+        </c:scaling>
+        <c:delete val="0"/>
+        <c:axPos val="b"/>
+        <c:numFmt formatCode="General" sourceLinked="1"/>
+        <c:majorTickMark val="none"/>
+        <c:minorTickMark val="none"/>
+        <c:tickLblPos val="nextTo"/>
+        <c:spPr>
+          <a:noFill/>
+          <a:ln w="9525" cap="flat" cmpd="sng" algn="ctr">
+            <a:solidFill>
+              <a:schemeClr val="tx1">
+                <a:lumMod val="15000"/>
+                <a:lumOff val="85000"/>
+              </a:schemeClr>
+            </a:solidFill>
+            <a:round/>
+          </a:ln>
+          <a:effectLst/>
+        </c:spPr>
+        <c:txPr>
+          <a:bodyPr rot="-60000000" spcFirstLastPara="1" vertOverflow="ellipsis" vert="horz" wrap="square" anchor="ctr" anchorCtr="1"/>
+          <a:lstStyle/>
+          <a:p>
+            <a:pPr>
+              <a:defRPr sz="1197" b="0" i="0" u="none" strike="noStrike" kern="1200" baseline="0">
+                <a:solidFill>
+                  <a:schemeClr val="tx1">
+                    <a:lumMod val="65000"/>
+                    <a:lumOff val="35000"/>
+                  </a:schemeClr>
+                </a:solidFill>
+                <a:latin typeface="+mn-lt"/>
+                <a:ea typeface="+mn-ea"/>
+                <a:cs typeface="+mn-cs"/>
+              </a:defRPr>
+            </a:pPr>
+            <a:endParaRPr lang="de-DE"/>
+          </a:p>
+        </c:txPr>
+        <c:crossAx val="211452512"/>
+        <c:crosses val="autoZero"/>
+        <c:auto val="1"/>
+        <c:lblAlgn val="ctr"/>
+        <c:lblOffset val="100"/>
+        <c:noMultiLvlLbl val="0"/>
+      </c:catAx>
+      <c:valAx>
+        <c:axId val="211452512"/>
+        <c:scaling>
+          <c:orientation val="minMax"/>
+        </c:scaling>
+        <c:delete val="0"/>
+        <c:axPos val="l"/>
+        <c:majorGridlines>
+          <c:spPr>
+            <a:ln w="9525" cap="flat" cmpd="sng" algn="ctr">
+              <a:solidFill>
+                <a:schemeClr val="tx1">
+                  <a:lumMod val="15000"/>
+                  <a:lumOff val="85000"/>
+                </a:schemeClr>
+              </a:solidFill>
+              <a:round/>
+            </a:ln>
+            <a:effectLst/>
+          </c:spPr>
+        </c:majorGridlines>
+        <c:numFmt formatCode="0.00" sourceLinked="1"/>
+        <c:majorTickMark val="none"/>
+        <c:minorTickMark val="none"/>
+        <c:tickLblPos val="nextTo"/>
+        <c:spPr>
+          <a:noFill/>
+          <a:ln>
+            <a:noFill/>
+          </a:ln>
+          <a:effectLst/>
+        </c:spPr>
+        <c:txPr>
+          <a:bodyPr rot="-60000000" spcFirstLastPara="1" vertOverflow="ellipsis" vert="horz" wrap="square" anchor="ctr" anchorCtr="1"/>
+          <a:lstStyle/>
+          <a:p>
+            <a:pPr>
+              <a:defRPr sz="1197" b="0" i="0" u="none" strike="noStrike" kern="1200" baseline="0">
+                <a:solidFill>
+                  <a:schemeClr val="tx1">
+                    <a:lumMod val="65000"/>
+                    <a:lumOff val="35000"/>
+                  </a:schemeClr>
+                </a:solidFill>
+                <a:latin typeface="+mn-lt"/>
+                <a:ea typeface="+mn-ea"/>
+                <a:cs typeface="+mn-cs"/>
+              </a:defRPr>
+            </a:pPr>
+            <a:endParaRPr lang="de-DE"/>
+          </a:p>
+        </c:txPr>
+        <c:crossAx val="1937872000"/>
+        <c:crosses val="autoZero"/>
+        <c:crossBetween val="between"/>
+      </c:valAx>
+      <c:spPr>
+        <a:noFill/>
+        <a:ln>
+          <a:noFill/>
+        </a:ln>
+        <a:effectLst/>
+      </c:spPr>
+    </c:plotArea>
+    <c:legend>
+      <c:legendPos val="b"/>
+      <c:overlay val="0"/>
+      <c:spPr>
+        <a:noFill/>
+        <a:ln>
+          <a:noFill/>
+        </a:ln>
+        <a:effectLst/>
+      </c:spPr>
+      <c:txPr>
+        <a:bodyPr rot="0" spcFirstLastPara="1" vertOverflow="ellipsis" vert="horz" wrap="square" anchor="ctr" anchorCtr="1"/>
+        <a:lstStyle/>
+        <a:p>
+          <a:pPr>
+            <a:defRPr sz="1197" b="0" i="0" u="none" strike="noStrike" kern="1200" baseline="0">
+              <a:solidFill>
+                <a:schemeClr val="tx1">
+                  <a:lumMod val="65000"/>
+                  <a:lumOff val="35000"/>
+                </a:schemeClr>
+              </a:solidFill>
+              <a:latin typeface="+mn-lt"/>
+              <a:ea typeface="+mn-ea"/>
+              <a:cs typeface="+mn-cs"/>
+            </a:defRPr>
+          </a:pPr>
+          <a:endParaRPr lang="de-DE"/>
+        </a:p>
+      </c:txPr>
+    </c:legend>
+    <c:plotVisOnly val="1"/>
+    <c:dispBlanksAs val="gap"/>
+    <c:extLst>
+      <c:ext xmlns:c16r3="http://schemas.microsoft.com/office/drawing/2017/03/chart" uri="{56B9EC1D-385E-4148-901F-78D8002777C0}">
+        <c16r3:dataDisplayOptions16>
+          <c16r3:dispNaAsBlank val="1"/>
+        </c16r3:dataDisplayOptions16>
+      </c:ext>
+    </c:extLst>
+    <c:showDLblsOverMax val="0"/>
+  </c:chart>
+  <c:spPr>
+    <a:noFill/>
+    <a:ln>
+      <a:noFill/>
+    </a:ln>
+    <a:effectLst/>
+  </c:spPr>
+  <c:txPr>
+    <a:bodyPr/>
+    <a:lstStyle/>
+    <a:p>
+      <a:pPr>
+        <a:defRPr/>
+      </a:pPr>
+      <a:endParaRPr lang="de-DE"/>
+    </a:p>
+  </c:txPr>
+  <c:externalData r:id="rId3">
+    <c:autoUpdate val="0"/>
+  </c:externalData>
+</c:chartSpace>
+</file>
+
 <file path=ppt/charts/colors1.xml><?xml version="1.0" encoding="utf-8"?>
 <cs:colorStyle xmlns:cs="http://schemas.microsoft.com/office/drawing/2012/chartStyle" xmlns:a="http://schemas.openxmlformats.org/drawingml/2006/main" meth="cycle" id="11">
   <a:schemeClr val="accent1"/>
@@ -976,6 +2338,86 @@
 </cs:colorStyle>
 </file>
 
+<file path=ppt/charts/colors2.xml><?xml version="1.0" encoding="utf-8"?>
+<cs:colorStyle xmlns:cs="http://schemas.microsoft.com/office/drawing/2012/chartStyle" xmlns:a="http://schemas.openxmlformats.org/drawingml/2006/main" meth="cycle" id="10">
+  <a:schemeClr val="accent1"/>
+  <a:schemeClr val="accent2"/>
+  <a:schemeClr val="accent3"/>
+  <a:schemeClr val="accent4"/>
+  <a:schemeClr val="accent5"/>
+  <a:schemeClr val="accent6"/>
+  <cs:variation/>
+  <cs:variation>
+    <a:lumMod val="60000"/>
+  </cs:variation>
+  <cs:variation>
+    <a:lumMod val="80000"/>
+    <a:lumOff val="20000"/>
+  </cs:variation>
+  <cs:variation>
+    <a:lumMod val="80000"/>
+  </cs:variation>
+  <cs:variation>
+    <a:lumMod val="60000"/>
+    <a:lumOff val="40000"/>
+  </cs:variation>
+  <cs:variation>
+    <a:lumMod val="50000"/>
+  </cs:variation>
+  <cs:variation>
+    <a:lumMod val="70000"/>
+    <a:lumOff val="30000"/>
+  </cs:variation>
+  <cs:variation>
+    <a:lumMod val="70000"/>
+  </cs:variation>
+  <cs:variation>
+    <a:lumMod val="50000"/>
+    <a:lumOff val="50000"/>
+  </cs:variation>
+</cs:colorStyle>
+</file>
+
+<file path=ppt/charts/colors3.xml><?xml version="1.0" encoding="utf-8"?>
+<cs:colorStyle xmlns:cs="http://schemas.microsoft.com/office/drawing/2012/chartStyle" xmlns:a="http://schemas.openxmlformats.org/drawingml/2006/main" meth="cycle" id="10">
+  <a:schemeClr val="accent1"/>
+  <a:schemeClr val="accent2"/>
+  <a:schemeClr val="accent3"/>
+  <a:schemeClr val="accent4"/>
+  <a:schemeClr val="accent5"/>
+  <a:schemeClr val="accent6"/>
+  <cs:variation/>
+  <cs:variation>
+    <a:lumMod val="60000"/>
+  </cs:variation>
+  <cs:variation>
+    <a:lumMod val="80000"/>
+    <a:lumOff val="20000"/>
+  </cs:variation>
+  <cs:variation>
+    <a:lumMod val="80000"/>
+  </cs:variation>
+  <cs:variation>
+    <a:lumMod val="60000"/>
+    <a:lumOff val="40000"/>
+  </cs:variation>
+  <cs:variation>
+    <a:lumMod val="50000"/>
+  </cs:variation>
+  <cs:variation>
+    <a:lumMod val="70000"/>
+    <a:lumOff val="30000"/>
+  </cs:variation>
+  <cs:variation>
+    <a:lumMod val="70000"/>
+  </cs:variation>
+  <cs:variation>
+    <a:lumMod val="50000"/>
+    <a:lumOff val="50000"/>
+  </cs:variation>
+</cs:colorStyle>
+</file>
+
 <file path=ppt/charts/style1.xml><?xml version="1.0" encoding="utf-8"?>
 <cs:chartStyle xmlns:cs="http://schemas.microsoft.com/office/drawing/2012/chartStyle" xmlns:a="http://schemas.openxmlformats.org/drawingml/2006/main" id="201">
   <cs:axisTitle>
@@ -1447,6 +2889,1016 @@
             <a:lumOff val="85000"/>
           </a:schemeClr>
         </a:solidFill>
+      </a:ln>
+    </cs:spPr>
+  </cs:upBar>
+  <cs:valueAxis>
+    <cs:lnRef idx="0"/>
+    <cs:fillRef idx="0"/>
+    <cs:effectRef idx="0"/>
+    <cs:fontRef idx="minor">
+      <a:schemeClr val="tx1">
+        <a:lumMod val="65000"/>
+        <a:lumOff val="35000"/>
+      </a:schemeClr>
+    </cs:fontRef>
+    <cs:defRPr sz="1197" kern="1200"/>
+  </cs:valueAxis>
+  <cs:wall>
+    <cs:lnRef idx="0"/>
+    <cs:fillRef idx="0"/>
+    <cs:effectRef idx="0"/>
+    <cs:fontRef idx="minor">
+      <a:schemeClr val="tx1"/>
+    </cs:fontRef>
+    <cs:spPr>
+      <a:noFill/>
+      <a:ln>
+        <a:noFill/>
+      </a:ln>
+    </cs:spPr>
+  </cs:wall>
+</cs:chartStyle>
+</file>
+
+<file path=ppt/charts/style2.xml><?xml version="1.0" encoding="utf-8"?>
+<cs:chartStyle xmlns:cs="http://schemas.microsoft.com/office/drawing/2012/chartStyle" xmlns:a="http://schemas.openxmlformats.org/drawingml/2006/main" id="297">
+  <cs:axisTitle>
+    <cs:lnRef idx="0"/>
+    <cs:fillRef idx="0"/>
+    <cs:effectRef idx="0"/>
+    <cs:fontRef idx="minor">
+      <a:schemeClr val="tx1">
+        <a:lumMod val="65000"/>
+        <a:lumOff val="35000"/>
+      </a:schemeClr>
+    </cs:fontRef>
+    <cs:defRPr sz="1330" kern="1200"/>
+  </cs:axisTitle>
+  <cs:categoryAxis>
+    <cs:lnRef idx="0"/>
+    <cs:fillRef idx="0"/>
+    <cs:effectRef idx="0"/>
+    <cs:fontRef idx="minor">
+      <a:schemeClr val="tx1">
+        <a:lumMod val="65000"/>
+        <a:lumOff val="35000"/>
+      </a:schemeClr>
+    </cs:fontRef>
+    <cs:spPr>
+      <a:ln w="9525" cap="flat" cmpd="sng" algn="ctr">
+        <a:solidFill>
+          <a:schemeClr val="tx1">
+            <a:lumMod val="15000"/>
+            <a:lumOff val="85000"/>
+          </a:schemeClr>
+        </a:solidFill>
+        <a:round/>
+      </a:ln>
+    </cs:spPr>
+    <cs:defRPr sz="1197" kern="1200"/>
+  </cs:categoryAxis>
+  <cs:chartArea mods="allowNoFillOverride allowNoLineOverride">
+    <cs:lnRef idx="0"/>
+    <cs:fillRef idx="0"/>
+    <cs:effectRef idx="0"/>
+    <cs:fontRef idx="minor">
+      <a:schemeClr val="tx1"/>
+    </cs:fontRef>
+    <cs:spPr>
+      <a:solidFill>
+        <a:schemeClr val="bg1"/>
+      </a:solidFill>
+      <a:ln w="9525" cap="flat" cmpd="sng" algn="ctr">
+        <a:solidFill>
+          <a:schemeClr val="tx1">
+            <a:lumMod val="15000"/>
+            <a:lumOff val="85000"/>
+          </a:schemeClr>
+        </a:solidFill>
+        <a:round/>
+      </a:ln>
+    </cs:spPr>
+    <cs:defRPr sz="1330" kern="1200"/>
+  </cs:chartArea>
+  <cs:dataLabel>
+    <cs:lnRef idx="0"/>
+    <cs:fillRef idx="0"/>
+    <cs:effectRef idx="0"/>
+    <cs:fontRef idx="minor">
+      <a:schemeClr val="tx1">
+        <a:lumMod val="75000"/>
+        <a:lumOff val="25000"/>
+      </a:schemeClr>
+    </cs:fontRef>
+    <cs:defRPr sz="1197" kern="1200"/>
+  </cs:dataLabel>
+  <cs:dataLabelCallout>
+    <cs:lnRef idx="0"/>
+    <cs:fillRef idx="0"/>
+    <cs:effectRef idx="0"/>
+    <cs:fontRef idx="minor">
+      <a:schemeClr val="dk1">
+        <a:lumMod val="65000"/>
+        <a:lumOff val="35000"/>
+      </a:schemeClr>
+    </cs:fontRef>
+    <cs:spPr>
+      <a:solidFill>
+        <a:schemeClr val="lt1"/>
+      </a:solidFill>
+      <a:ln>
+        <a:solidFill>
+          <a:schemeClr val="dk1">
+            <a:lumMod val="25000"/>
+            <a:lumOff val="75000"/>
+          </a:schemeClr>
+        </a:solidFill>
+      </a:ln>
+    </cs:spPr>
+    <cs:defRPr sz="1197" kern="1200"/>
+    <cs:bodyPr rot="0" spcFirstLastPara="1" vertOverflow="clip" horzOverflow="clip" vert="horz" wrap="square" lIns="36576" tIns="18288" rIns="36576" bIns="18288" anchor="ctr" anchorCtr="1">
+      <a:spAutoFit/>
+    </cs:bodyPr>
+  </cs:dataLabelCallout>
+  <cs:dataPoint>
+    <cs:lnRef idx="0"/>
+    <cs:fillRef idx="1">
+      <cs:styleClr val="auto"/>
+    </cs:fillRef>
+    <cs:effectRef idx="0"/>
+    <cs:fontRef idx="minor">
+      <a:schemeClr val="tx1"/>
+    </cs:fontRef>
+  </cs:dataPoint>
+  <cs:dataPoint3D>
+    <cs:lnRef idx="0"/>
+    <cs:fillRef idx="1">
+      <cs:styleClr val="auto"/>
+    </cs:fillRef>
+    <cs:effectRef idx="0"/>
+    <cs:fontRef idx="minor">
+      <a:schemeClr val="tx1"/>
+    </cs:fontRef>
+  </cs:dataPoint3D>
+  <cs:dataPointLine>
+    <cs:lnRef idx="0">
+      <cs:styleClr val="auto"/>
+    </cs:lnRef>
+    <cs:fillRef idx="1"/>
+    <cs:effectRef idx="0"/>
+    <cs:fontRef idx="minor">
+      <a:schemeClr val="tx1"/>
+    </cs:fontRef>
+    <cs:spPr>
+      <a:ln w="28575" cap="rnd">
+        <a:solidFill>
+          <a:schemeClr val="phClr"/>
+        </a:solidFill>
+        <a:round/>
+      </a:ln>
+    </cs:spPr>
+  </cs:dataPointLine>
+  <cs:dataPointMarker>
+    <cs:lnRef idx="0">
+      <cs:styleClr val="auto"/>
+    </cs:lnRef>
+    <cs:fillRef idx="1">
+      <cs:styleClr val="auto"/>
+    </cs:fillRef>
+    <cs:effectRef idx="0"/>
+    <cs:fontRef idx="minor">
+      <a:schemeClr val="tx1"/>
+    </cs:fontRef>
+    <cs:spPr>
+      <a:ln w="9525">
+        <a:solidFill>
+          <a:schemeClr val="phClr"/>
+        </a:solidFill>
+      </a:ln>
+    </cs:spPr>
+  </cs:dataPointMarker>
+  <cs:dataPointMarkerLayout symbol="circle" size="5"/>
+  <cs:dataPointWireframe>
+    <cs:lnRef idx="0">
+      <cs:styleClr val="auto"/>
+    </cs:lnRef>
+    <cs:fillRef idx="1"/>
+    <cs:effectRef idx="0"/>
+    <cs:fontRef idx="minor">
+      <a:schemeClr val="tx1"/>
+    </cs:fontRef>
+    <cs:spPr>
+      <a:ln w="9525" cap="rnd">
+        <a:solidFill>
+          <a:schemeClr val="phClr"/>
+        </a:solidFill>
+        <a:round/>
+      </a:ln>
+    </cs:spPr>
+  </cs:dataPointWireframe>
+  <cs:dataTable>
+    <cs:lnRef idx="0"/>
+    <cs:fillRef idx="0"/>
+    <cs:effectRef idx="0"/>
+    <cs:fontRef idx="minor">
+      <a:schemeClr val="tx1">
+        <a:lumMod val="65000"/>
+        <a:lumOff val="35000"/>
+      </a:schemeClr>
+    </cs:fontRef>
+    <cs:spPr>
+      <a:noFill/>
+      <a:ln w="9525" cap="flat" cmpd="sng" algn="ctr">
+        <a:solidFill>
+          <a:schemeClr val="tx1">
+            <a:lumMod val="15000"/>
+            <a:lumOff val="85000"/>
+          </a:schemeClr>
+        </a:solidFill>
+        <a:round/>
+      </a:ln>
+    </cs:spPr>
+    <cs:defRPr sz="1197" kern="1200"/>
+  </cs:dataTable>
+  <cs:downBar>
+    <cs:lnRef idx="0"/>
+    <cs:fillRef idx="0"/>
+    <cs:effectRef idx="0"/>
+    <cs:fontRef idx="minor">
+      <a:schemeClr val="tx1"/>
+    </cs:fontRef>
+    <cs:spPr>
+      <a:solidFill>
+        <a:schemeClr val="dk1">
+          <a:lumMod val="75000"/>
+          <a:lumOff val="25000"/>
+        </a:schemeClr>
+      </a:solidFill>
+      <a:ln w="9525" cap="flat" cmpd="sng" algn="ctr">
+        <a:solidFill>
+          <a:schemeClr val="tx1">
+            <a:lumMod val="65000"/>
+            <a:lumOff val="35000"/>
+          </a:schemeClr>
+        </a:solidFill>
+        <a:round/>
+      </a:ln>
+    </cs:spPr>
+  </cs:downBar>
+  <cs:dropLine>
+    <cs:lnRef idx="0"/>
+    <cs:fillRef idx="0"/>
+    <cs:effectRef idx="0"/>
+    <cs:fontRef idx="minor">
+      <a:schemeClr val="tx1"/>
+    </cs:fontRef>
+    <cs:spPr>
+      <a:ln w="9525" cap="flat" cmpd="sng" algn="ctr">
+        <a:solidFill>
+          <a:schemeClr val="tx1">
+            <a:lumMod val="35000"/>
+            <a:lumOff val="65000"/>
+          </a:schemeClr>
+        </a:solidFill>
+        <a:round/>
+      </a:ln>
+    </cs:spPr>
+  </cs:dropLine>
+  <cs:errorBar>
+    <cs:lnRef idx="0"/>
+    <cs:fillRef idx="0"/>
+    <cs:effectRef idx="0"/>
+    <cs:fontRef idx="minor">
+      <a:schemeClr val="tx1"/>
+    </cs:fontRef>
+    <cs:spPr>
+      <a:ln w="9525" cap="flat" cmpd="sng" algn="ctr">
+        <a:solidFill>
+          <a:schemeClr val="tx1">
+            <a:lumMod val="65000"/>
+            <a:lumOff val="35000"/>
+          </a:schemeClr>
+        </a:solidFill>
+        <a:round/>
+      </a:ln>
+    </cs:spPr>
+  </cs:errorBar>
+  <cs:floor>
+    <cs:lnRef idx="0"/>
+    <cs:fillRef idx="0"/>
+    <cs:effectRef idx="0"/>
+    <cs:fontRef idx="minor">
+      <a:schemeClr val="tx1"/>
+    </cs:fontRef>
+    <cs:spPr>
+      <a:noFill/>
+      <a:ln>
+        <a:noFill/>
+      </a:ln>
+    </cs:spPr>
+  </cs:floor>
+  <cs:gridlineMajor>
+    <cs:lnRef idx="0"/>
+    <cs:fillRef idx="0"/>
+    <cs:effectRef idx="0"/>
+    <cs:fontRef idx="minor">
+      <a:schemeClr val="tx1"/>
+    </cs:fontRef>
+    <cs:spPr>
+      <a:ln w="9525" cap="flat" cmpd="sng" algn="ctr">
+        <a:solidFill>
+          <a:schemeClr val="tx1">
+            <a:lumMod val="15000"/>
+            <a:lumOff val="85000"/>
+          </a:schemeClr>
+        </a:solidFill>
+        <a:round/>
+      </a:ln>
+    </cs:spPr>
+  </cs:gridlineMajor>
+  <cs:gridlineMinor>
+    <cs:lnRef idx="0"/>
+    <cs:fillRef idx="0"/>
+    <cs:effectRef idx="0"/>
+    <cs:fontRef idx="minor">
+      <a:schemeClr val="tx1"/>
+    </cs:fontRef>
+    <cs:spPr>
+      <a:ln w="9525" cap="flat" cmpd="sng" algn="ctr">
+        <a:solidFill>
+          <a:schemeClr val="tx1">
+            <a:lumMod val="5000"/>
+            <a:lumOff val="95000"/>
+          </a:schemeClr>
+        </a:solidFill>
+        <a:round/>
+      </a:ln>
+    </cs:spPr>
+  </cs:gridlineMinor>
+  <cs:hiLoLine>
+    <cs:lnRef idx="0"/>
+    <cs:fillRef idx="0"/>
+    <cs:effectRef idx="0"/>
+    <cs:fontRef idx="minor">
+      <a:schemeClr val="tx1"/>
+    </cs:fontRef>
+    <cs:spPr>
+      <a:ln w="9525" cap="flat" cmpd="sng" algn="ctr">
+        <a:solidFill>
+          <a:schemeClr val="tx1">
+            <a:lumMod val="50000"/>
+            <a:lumOff val="50000"/>
+          </a:schemeClr>
+        </a:solidFill>
+        <a:round/>
+      </a:ln>
+    </cs:spPr>
+  </cs:hiLoLine>
+  <cs:leaderLine>
+    <cs:lnRef idx="0"/>
+    <cs:fillRef idx="0"/>
+    <cs:effectRef idx="0"/>
+    <cs:fontRef idx="minor">
+      <a:schemeClr val="tx1"/>
+    </cs:fontRef>
+    <cs:spPr>
+      <a:ln w="9525" cap="flat" cmpd="sng" algn="ctr">
+        <a:solidFill>
+          <a:schemeClr val="tx1">
+            <a:lumMod val="35000"/>
+            <a:lumOff val="65000"/>
+          </a:schemeClr>
+        </a:solidFill>
+        <a:round/>
+      </a:ln>
+    </cs:spPr>
+  </cs:leaderLine>
+  <cs:legend>
+    <cs:lnRef idx="0"/>
+    <cs:fillRef idx="0"/>
+    <cs:effectRef idx="0"/>
+    <cs:fontRef idx="minor">
+      <a:schemeClr val="tx1">
+        <a:lumMod val="65000"/>
+        <a:lumOff val="35000"/>
+      </a:schemeClr>
+    </cs:fontRef>
+    <cs:defRPr sz="1197" kern="1200"/>
+  </cs:legend>
+  <cs:plotArea mods="allowNoFillOverride allowNoLineOverride">
+    <cs:lnRef idx="0"/>
+    <cs:fillRef idx="0"/>
+    <cs:effectRef idx="0"/>
+    <cs:fontRef idx="minor">
+      <a:schemeClr val="tx1"/>
+    </cs:fontRef>
+  </cs:plotArea>
+  <cs:plotArea3D mods="allowNoFillOverride allowNoLineOverride">
+    <cs:lnRef idx="0"/>
+    <cs:fillRef idx="0"/>
+    <cs:effectRef idx="0"/>
+    <cs:fontRef idx="minor">
+      <a:schemeClr val="tx1"/>
+    </cs:fontRef>
+  </cs:plotArea3D>
+  <cs:seriesAxis>
+    <cs:lnRef idx="0"/>
+    <cs:fillRef idx="0"/>
+    <cs:effectRef idx="0"/>
+    <cs:fontRef idx="minor">
+      <a:schemeClr val="tx1">
+        <a:lumMod val="65000"/>
+        <a:lumOff val="35000"/>
+      </a:schemeClr>
+    </cs:fontRef>
+    <cs:defRPr sz="1197" kern="1200"/>
+  </cs:seriesAxis>
+  <cs:seriesLine>
+    <cs:lnRef idx="0"/>
+    <cs:fillRef idx="0"/>
+    <cs:effectRef idx="0"/>
+    <cs:fontRef idx="minor">
+      <a:schemeClr val="tx1"/>
+    </cs:fontRef>
+    <cs:spPr>
+      <a:ln w="9525" cap="flat" cmpd="sng" algn="ctr">
+        <a:solidFill>
+          <a:schemeClr val="tx1">
+            <a:lumMod val="35000"/>
+            <a:lumOff val="65000"/>
+          </a:schemeClr>
+        </a:solidFill>
+        <a:round/>
+      </a:ln>
+    </cs:spPr>
+  </cs:seriesLine>
+  <cs:title>
+    <cs:lnRef idx="0"/>
+    <cs:fillRef idx="0"/>
+    <cs:effectRef idx="0"/>
+    <cs:fontRef idx="minor">
+      <a:schemeClr val="tx1">
+        <a:lumMod val="65000"/>
+        <a:lumOff val="35000"/>
+      </a:schemeClr>
+    </cs:fontRef>
+    <cs:defRPr sz="1862" b="0" kern="1200" spc="0" baseline="0"/>
+  </cs:title>
+  <cs:trendline>
+    <cs:lnRef idx="0">
+      <cs:styleClr val="auto"/>
+    </cs:lnRef>
+    <cs:fillRef idx="0"/>
+    <cs:effectRef idx="0"/>
+    <cs:fontRef idx="minor">
+      <a:schemeClr val="tx1"/>
+    </cs:fontRef>
+    <cs:spPr>
+      <a:ln w="19050" cap="rnd">
+        <a:solidFill>
+          <a:schemeClr val="phClr"/>
+        </a:solidFill>
+        <a:prstDash val="sysDot"/>
+      </a:ln>
+    </cs:spPr>
+  </cs:trendline>
+  <cs:trendlineLabel>
+    <cs:lnRef idx="0"/>
+    <cs:fillRef idx="0"/>
+    <cs:effectRef idx="0"/>
+    <cs:fontRef idx="minor">
+      <a:schemeClr val="tx1">
+        <a:lumMod val="65000"/>
+        <a:lumOff val="35000"/>
+      </a:schemeClr>
+    </cs:fontRef>
+    <cs:defRPr sz="1197" kern="1200"/>
+  </cs:trendlineLabel>
+  <cs:upBar>
+    <cs:lnRef idx="0"/>
+    <cs:fillRef idx="0"/>
+    <cs:effectRef idx="0"/>
+    <cs:fontRef idx="minor">
+      <a:schemeClr val="tx1"/>
+    </cs:fontRef>
+    <cs:spPr>
+      <a:solidFill>
+        <a:schemeClr val="lt1"/>
+      </a:solidFill>
+      <a:ln w="9525" cap="flat" cmpd="sng" algn="ctr">
+        <a:solidFill>
+          <a:schemeClr val="tx1">
+            <a:lumMod val="65000"/>
+            <a:lumOff val="35000"/>
+          </a:schemeClr>
+        </a:solidFill>
+        <a:round/>
+      </a:ln>
+    </cs:spPr>
+  </cs:upBar>
+  <cs:valueAxis>
+    <cs:lnRef idx="0"/>
+    <cs:fillRef idx="0"/>
+    <cs:effectRef idx="0"/>
+    <cs:fontRef idx="minor">
+      <a:schemeClr val="tx1">
+        <a:lumMod val="65000"/>
+        <a:lumOff val="35000"/>
+      </a:schemeClr>
+    </cs:fontRef>
+    <cs:defRPr sz="1197" kern="1200"/>
+  </cs:valueAxis>
+  <cs:wall>
+    <cs:lnRef idx="0"/>
+    <cs:fillRef idx="0"/>
+    <cs:effectRef idx="0"/>
+    <cs:fontRef idx="minor">
+      <a:schemeClr val="tx1"/>
+    </cs:fontRef>
+    <cs:spPr>
+      <a:noFill/>
+      <a:ln>
+        <a:noFill/>
+      </a:ln>
+    </cs:spPr>
+  </cs:wall>
+</cs:chartStyle>
+</file>
+
+<file path=ppt/charts/style3.xml><?xml version="1.0" encoding="utf-8"?>
+<cs:chartStyle xmlns:cs="http://schemas.microsoft.com/office/drawing/2012/chartStyle" xmlns:a="http://schemas.openxmlformats.org/drawingml/2006/main" id="297">
+  <cs:axisTitle>
+    <cs:lnRef idx="0"/>
+    <cs:fillRef idx="0"/>
+    <cs:effectRef idx="0"/>
+    <cs:fontRef idx="minor">
+      <a:schemeClr val="tx1">
+        <a:lumMod val="65000"/>
+        <a:lumOff val="35000"/>
+      </a:schemeClr>
+    </cs:fontRef>
+    <cs:defRPr sz="1330" kern="1200"/>
+  </cs:axisTitle>
+  <cs:categoryAxis>
+    <cs:lnRef idx="0"/>
+    <cs:fillRef idx="0"/>
+    <cs:effectRef idx="0"/>
+    <cs:fontRef idx="minor">
+      <a:schemeClr val="tx1">
+        <a:lumMod val="65000"/>
+        <a:lumOff val="35000"/>
+      </a:schemeClr>
+    </cs:fontRef>
+    <cs:spPr>
+      <a:ln w="9525" cap="flat" cmpd="sng" algn="ctr">
+        <a:solidFill>
+          <a:schemeClr val="tx1">
+            <a:lumMod val="15000"/>
+            <a:lumOff val="85000"/>
+          </a:schemeClr>
+        </a:solidFill>
+        <a:round/>
+      </a:ln>
+    </cs:spPr>
+    <cs:defRPr sz="1197" kern="1200"/>
+  </cs:categoryAxis>
+  <cs:chartArea mods="allowNoFillOverride allowNoLineOverride">
+    <cs:lnRef idx="0"/>
+    <cs:fillRef idx="0"/>
+    <cs:effectRef idx="0"/>
+    <cs:fontRef idx="minor">
+      <a:schemeClr val="tx1"/>
+    </cs:fontRef>
+    <cs:spPr>
+      <a:solidFill>
+        <a:schemeClr val="bg1"/>
+      </a:solidFill>
+      <a:ln w="9525" cap="flat" cmpd="sng" algn="ctr">
+        <a:solidFill>
+          <a:schemeClr val="tx1">
+            <a:lumMod val="15000"/>
+            <a:lumOff val="85000"/>
+          </a:schemeClr>
+        </a:solidFill>
+        <a:round/>
+      </a:ln>
+    </cs:spPr>
+    <cs:defRPr sz="1330" kern="1200"/>
+  </cs:chartArea>
+  <cs:dataLabel>
+    <cs:lnRef idx="0"/>
+    <cs:fillRef idx="0"/>
+    <cs:effectRef idx="0"/>
+    <cs:fontRef idx="minor">
+      <a:schemeClr val="tx1">
+        <a:lumMod val="75000"/>
+        <a:lumOff val="25000"/>
+      </a:schemeClr>
+    </cs:fontRef>
+    <cs:defRPr sz="1197" kern="1200"/>
+  </cs:dataLabel>
+  <cs:dataLabelCallout>
+    <cs:lnRef idx="0"/>
+    <cs:fillRef idx="0"/>
+    <cs:effectRef idx="0"/>
+    <cs:fontRef idx="minor">
+      <a:schemeClr val="dk1">
+        <a:lumMod val="65000"/>
+        <a:lumOff val="35000"/>
+      </a:schemeClr>
+    </cs:fontRef>
+    <cs:spPr>
+      <a:solidFill>
+        <a:schemeClr val="lt1"/>
+      </a:solidFill>
+      <a:ln>
+        <a:solidFill>
+          <a:schemeClr val="dk1">
+            <a:lumMod val="25000"/>
+            <a:lumOff val="75000"/>
+          </a:schemeClr>
+        </a:solidFill>
+      </a:ln>
+    </cs:spPr>
+    <cs:defRPr sz="1197" kern="1200"/>
+    <cs:bodyPr rot="0" spcFirstLastPara="1" vertOverflow="clip" horzOverflow="clip" vert="horz" wrap="square" lIns="36576" tIns="18288" rIns="36576" bIns="18288" anchor="ctr" anchorCtr="1">
+      <a:spAutoFit/>
+    </cs:bodyPr>
+  </cs:dataLabelCallout>
+  <cs:dataPoint>
+    <cs:lnRef idx="0"/>
+    <cs:fillRef idx="1">
+      <cs:styleClr val="auto"/>
+    </cs:fillRef>
+    <cs:effectRef idx="0"/>
+    <cs:fontRef idx="minor">
+      <a:schemeClr val="tx1"/>
+    </cs:fontRef>
+  </cs:dataPoint>
+  <cs:dataPoint3D>
+    <cs:lnRef idx="0"/>
+    <cs:fillRef idx="1">
+      <cs:styleClr val="auto"/>
+    </cs:fillRef>
+    <cs:effectRef idx="0"/>
+    <cs:fontRef idx="minor">
+      <a:schemeClr val="tx1"/>
+    </cs:fontRef>
+  </cs:dataPoint3D>
+  <cs:dataPointLine>
+    <cs:lnRef idx="0">
+      <cs:styleClr val="auto"/>
+    </cs:lnRef>
+    <cs:fillRef idx="1"/>
+    <cs:effectRef idx="0"/>
+    <cs:fontRef idx="minor">
+      <a:schemeClr val="tx1"/>
+    </cs:fontRef>
+    <cs:spPr>
+      <a:ln w="28575" cap="rnd">
+        <a:solidFill>
+          <a:schemeClr val="phClr"/>
+        </a:solidFill>
+        <a:round/>
+      </a:ln>
+    </cs:spPr>
+  </cs:dataPointLine>
+  <cs:dataPointMarker>
+    <cs:lnRef idx="0">
+      <cs:styleClr val="auto"/>
+    </cs:lnRef>
+    <cs:fillRef idx="1">
+      <cs:styleClr val="auto"/>
+    </cs:fillRef>
+    <cs:effectRef idx="0"/>
+    <cs:fontRef idx="minor">
+      <a:schemeClr val="tx1"/>
+    </cs:fontRef>
+    <cs:spPr>
+      <a:ln w="9525">
+        <a:solidFill>
+          <a:schemeClr val="phClr"/>
+        </a:solidFill>
+      </a:ln>
+    </cs:spPr>
+  </cs:dataPointMarker>
+  <cs:dataPointMarkerLayout symbol="circle" size="5"/>
+  <cs:dataPointWireframe>
+    <cs:lnRef idx="0">
+      <cs:styleClr val="auto"/>
+    </cs:lnRef>
+    <cs:fillRef idx="1"/>
+    <cs:effectRef idx="0"/>
+    <cs:fontRef idx="minor">
+      <a:schemeClr val="tx1"/>
+    </cs:fontRef>
+    <cs:spPr>
+      <a:ln w="9525" cap="rnd">
+        <a:solidFill>
+          <a:schemeClr val="phClr"/>
+        </a:solidFill>
+        <a:round/>
+      </a:ln>
+    </cs:spPr>
+  </cs:dataPointWireframe>
+  <cs:dataTable>
+    <cs:lnRef idx="0"/>
+    <cs:fillRef idx="0"/>
+    <cs:effectRef idx="0"/>
+    <cs:fontRef idx="minor">
+      <a:schemeClr val="tx1">
+        <a:lumMod val="65000"/>
+        <a:lumOff val="35000"/>
+      </a:schemeClr>
+    </cs:fontRef>
+    <cs:spPr>
+      <a:noFill/>
+      <a:ln w="9525" cap="flat" cmpd="sng" algn="ctr">
+        <a:solidFill>
+          <a:schemeClr val="tx1">
+            <a:lumMod val="15000"/>
+            <a:lumOff val="85000"/>
+          </a:schemeClr>
+        </a:solidFill>
+        <a:round/>
+      </a:ln>
+    </cs:spPr>
+    <cs:defRPr sz="1197" kern="1200"/>
+  </cs:dataTable>
+  <cs:downBar>
+    <cs:lnRef idx="0"/>
+    <cs:fillRef idx="0"/>
+    <cs:effectRef idx="0"/>
+    <cs:fontRef idx="minor">
+      <a:schemeClr val="tx1"/>
+    </cs:fontRef>
+    <cs:spPr>
+      <a:solidFill>
+        <a:schemeClr val="dk1">
+          <a:lumMod val="75000"/>
+          <a:lumOff val="25000"/>
+        </a:schemeClr>
+      </a:solidFill>
+      <a:ln w="9525" cap="flat" cmpd="sng" algn="ctr">
+        <a:solidFill>
+          <a:schemeClr val="tx1">
+            <a:lumMod val="65000"/>
+            <a:lumOff val="35000"/>
+          </a:schemeClr>
+        </a:solidFill>
+        <a:round/>
+      </a:ln>
+    </cs:spPr>
+  </cs:downBar>
+  <cs:dropLine>
+    <cs:lnRef idx="0"/>
+    <cs:fillRef idx="0"/>
+    <cs:effectRef idx="0"/>
+    <cs:fontRef idx="minor">
+      <a:schemeClr val="tx1"/>
+    </cs:fontRef>
+    <cs:spPr>
+      <a:ln w="9525" cap="flat" cmpd="sng" algn="ctr">
+        <a:solidFill>
+          <a:schemeClr val="tx1">
+            <a:lumMod val="35000"/>
+            <a:lumOff val="65000"/>
+          </a:schemeClr>
+        </a:solidFill>
+        <a:round/>
+      </a:ln>
+    </cs:spPr>
+  </cs:dropLine>
+  <cs:errorBar>
+    <cs:lnRef idx="0"/>
+    <cs:fillRef idx="0"/>
+    <cs:effectRef idx="0"/>
+    <cs:fontRef idx="minor">
+      <a:schemeClr val="tx1"/>
+    </cs:fontRef>
+    <cs:spPr>
+      <a:ln w="9525" cap="flat" cmpd="sng" algn="ctr">
+        <a:solidFill>
+          <a:schemeClr val="tx1">
+            <a:lumMod val="65000"/>
+            <a:lumOff val="35000"/>
+          </a:schemeClr>
+        </a:solidFill>
+        <a:round/>
+      </a:ln>
+    </cs:spPr>
+  </cs:errorBar>
+  <cs:floor>
+    <cs:lnRef idx="0"/>
+    <cs:fillRef idx="0"/>
+    <cs:effectRef idx="0"/>
+    <cs:fontRef idx="minor">
+      <a:schemeClr val="tx1"/>
+    </cs:fontRef>
+    <cs:spPr>
+      <a:noFill/>
+      <a:ln>
+        <a:noFill/>
+      </a:ln>
+    </cs:spPr>
+  </cs:floor>
+  <cs:gridlineMajor>
+    <cs:lnRef idx="0"/>
+    <cs:fillRef idx="0"/>
+    <cs:effectRef idx="0"/>
+    <cs:fontRef idx="minor">
+      <a:schemeClr val="tx1"/>
+    </cs:fontRef>
+    <cs:spPr>
+      <a:ln w="9525" cap="flat" cmpd="sng" algn="ctr">
+        <a:solidFill>
+          <a:schemeClr val="tx1">
+            <a:lumMod val="15000"/>
+            <a:lumOff val="85000"/>
+          </a:schemeClr>
+        </a:solidFill>
+        <a:round/>
+      </a:ln>
+    </cs:spPr>
+  </cs:gridlineMajor>
+  <cs:gridlineMinor>
+    <cs:lnRef idx="0"/>
+    <cs:fillRef idx="0"/>
+    <cs:effectRef idx="0"/>
+    <cs:fontRef idx="minor">
+      <a:schemeClr val="tx1"/>
+    </cs:fontRef>
+    <cs:spPr>
+      <a:ln w="9525" cap="flat" cmpd="sng" algn="ctr">
+        <a:solidFill>
+          <a:schemeClr val="tx1">
+            <a:lumMod val="5000"/>
+            <a:lumOff val="95000"/>
+          </a:schemeClr>
+        </a:solidFill>
+        <a:round/>
+      </a:ln>
+    </cs:spPr>
+  </cs:gridlineMinor>
+  <cs:hiLoLine>
+    <cs:lnRef idx="0"/>
+    <cs:fillRef idx="0"/>
+    <cs:effectRef idx="0"/>
+    <cs:fontRef idx="minor">
+      <a:schemeClr val="tx1"/>
+    </cs:fontRef>
+    <cs:spPr>
+      <a:ln w="9525" cap="flat" cmpd="sng" algn="ctr">
+        <a:solidFill>
+          <a:schemeClr val="tx1">
+            <a:lumMod val="50000"/>
+            <a:lumOff val="50000"/>
+          </a:schemeClr>
+        </a:solidFill>
+        <a:round/>
+      </a:ln>
+    </cs:spPr>
+  </cs:hiLoLine>
+  <cs:leaderLine>
+    <cs:lnRef idx="0"/>
+    <cs:fillRef idx="0"/>
+    <cs:effectRef idx="0"/>
+    <cs:fontRef idx="minor">
+      <a:schemeClr val="tx1"/>
+    </cs:fontRef>
+    <cs:spPr>
+      <a:ln w="9525" cap="flat" cmpd="sng" algn="ctr">
+        <a:solidFill>
+          <a:schemeClr val="tx1">
+            <a:lumMod val="35000"/>
+            <a:lumOff val="65000"/>
+          </a:schemeClr>
+        </a:solidFill>
+        <a:round/>
+      </a:ln>
+    </cs:spPr>
+  </cs:leaderLine>
+  <cs:legend>
+    <cs:lnRef idx="0"/>
+    <cs:fillRef idx="0"/>
+    <cs:effectRef idx="0"/>
+    <cs:fontRef idx="minor">
+      <a:schemeClr val="tx1">
+        <a:lumMod val="65000"/>
+        <a:lumOff val="35000"/>
+      </a:schemeClr>
+    </cs:fontRef>
+    <cs:defRPr sz="1197" kern="1200"/>
+  </cs:legend>
+  <cs:plotArea mods="allowNoFillOverride allowNoLineOverride">
+    <cs:lnRef idx="0"/>
+    <cs:fillRef idx="0"/>
+    <cs:effectRef idx="0"/>
+    <cs:fontRef idx="minor">
+      <a:schemeClr val="tx1"/>
+    </cs:fontRef>
+  </cs:plotArea>
+  <cs:plotArea3D mods="allowNoFillOverride allowNoLineOverride">
+    <cs:lnRef idx="0"/>
+    <cs:fillRef idx="0"/>
+    <cs:effectRef idx="0"/>
+    <cs:fontRef idx="minor">
+      <a:schemeClr val="tx1"/>
+    </cs:fontRef>
+  </cs:plotArea3D>
+  <cs:seriesAxis>
+    <cs:lnRef idx="0"/>
+    <cs:fillRef idx="0"/>
+    <cs:effectRef idx="0"/>
+    <cs:fontRef idx="minor">
+      <a:schemeClr val="tx1">
+        <a:lumMod val="65000"/>
+        <a:lumOff val="35000"/>
+      </a:schemeClr>
+    </cs:fontRef>
+    <cs:defRPr sz="1197" kern="1200"/>
+  </cs:seriesAxis>
+  <cs:seriesLine>
+    <cs:lnRef idx="0"/>
+    <cs:fillRef idx="0"/>
+    <cs:effectRef idx="0"/>
+    <cs:fontRef idx="minor">
+      <a:schemeClr val="tx1"/>
+    </cs:fontRef>
+    <cs:spPr>
+      <a:ln w="9525" cap="flat" cmpd="sng" algn="ctr">
+        <a:solidFill>
+          <a:schemeClr val="tx1">
+            <a:lumMod val="35000"/>
+            <a:lumOff val="65000"/>
+          </a:schemeClr>
+        </a:solidFill>
+        <a:round/>
+      </a:ln>
+    </cs:spPr>
+  </cs:seriesLine>
+  <cs:title>
+    <cs:lnRef idx="0"/>
+    <cs:fillRef idx="0"/>
+    <cs:effectRef idx="0"/>
+    <cs:fontRef idx="minor">
+      <a:schemeClr val="tx1">
+        <a:lumMod val="65000"/>
+        <a:lumOff val="35000"/>
+      </a:schemeClr>
+    </cs:fontRef>
+    <cs:defRPr sz="1862" b="0" kern="1200" spc="0" baseline="0"/>
+  </cs:title>
+  <cs:trendline>
+    <cs:lnRef idx="0">
+      <cs:styleClr val="auto"/>
+    </cs:lnRef>
+    <cs:fillRef idx="0"/>
+    <cs:effectRef idx="0"/>
+    <cs:fontRef idx="minor">
+      <a:schemeClr val="tx1"/>
+    </cs:fontRef>
+    <cs:spPr>
+      <a:ln w="19050" cap="rnd">
+        <a:solidFill>
+          <a:schemeClr val="phClr"/>
+        </a:solidFill>
+        <a:prstDash val="sysDot"/>
+      </a:ln>
+    </cs:spPr>
+  </cs:trendline>
+  <cs:trendlineLabel>
+    <cs:lnRef idx="0"/>
+    <cs:fillRef idx="0"/>
+    <cs:effectRef idx="0"/>
+    <cs:fontRef idx="minor">
+      <a:schemeClr val="tx1">
+        <a:lumMod val="65000"/>
+        <a:lumOff val="35000"/>
+      </a:schemeClr>
+    </cs:fontRef>
+    <cs:defRPr sz="1197" kern="1200"/>
+  </cs:trendlineLabel>
+  <cs:upBar>
+    <cs:lnRef idx="0"/>
+    <cs:fillRef idx="0"/>
+    <cs:effectRef idx="0"/>
+    <cs:fontRef idx="minor">
+      <a:schemeClr val="tx1"/>
+    </cs:fontRef>
+    <cs:spPr>
+      <a:solidFill>
+        <a:schemeClr val="lt1"/>
+      </a:solidFill>
+      <a:ln w="9525" cap="flat" cmpd="sng" algn="ctr">
+        <a:solidFill>
+          <a:schemeClr val="tx1">
+            <a:lumMod val="65000"/>
+            <a:lumOff val="35000"/>
+          </a:schemeClr>
+        </a:solidFill>
+        <a:round/>
       </a:ln>
     </cs:spPr>
   </cs:upBar>
@@ -1628,7 +4080,7 @@
           <a:p>
             <a:fld id="{381FDD9A-0B15-A54A-8A8B-36EF8620149C}" type="datetimeFigureOut">
               <a:rPr lang="en-US" smtClean="0"/>
-              <a:t>11/25/22</a:t>
+              <a:t>12/9/22</a:t>
             </a:fld>
             <a:endParaRPr lang="en-US"/>
           </a:p>
@@ -1828,7 +4280,7 @@
           <a:p>
             <a:fld id="{381FDD9A-0B15-A54A-8A8B-36EF8620149C}" type="datetimeFigureOut">
               <a:rPr lang="en-US" smtClean="0"/>
-              <a:t>11/25/22</a:t>
+              <a:t>12/9/22</a:t>
             </a:fld>
             <a:endParaRPr lang="en-US"/>
           </a:p>
@@ -2038,7 +4490,7 @@
           <a:p>
             <a:fld id="{381FDD9A-0B15-A54A-8A8B-36EF8620149C}" type="datetimeFigureOut">
               <a:rPr lang="en-US" smtClean="0"/>
-              <a:t>11/25/22</a:t>
+              <a:t>12/9/22</a:t>
             </a:fld>
             <a:endParaRPr lang="en-US"/>
           </a:p>
@@ -2238,7 +4690,7 @@
           <a:p>
             <a:fld id="{381FDD9A-0B15-A54A-8A8B-36EF8620149C}" type="datetimeFigureOut">
               <a:rPr lang="en-US" smtClean="0"/>
-              <a:t>11/25/22</a:t>
+              <a:t>12/9/22</a:t>
             </a:fld>
             <a:endParaRPr lang="en-US"/>
           </a:p>
@@ -2514,7 +4966,7 @@
           <a:p>
             <a:fld id="{381FDD9A-0B15-A54A-8A8B-36EF8620149C}" type="datetimeFigureOut">
               <a:rPr lang="en-US" smtClean="0"/>
-              <a:t>11/25/22</a:t>
+              <a:t>12/9/22</a:t>
             </a:fld>
             <a:endParaRPr lang="en-US"/>
           </a:p>
@@ -2782,7 +5234,7 @@
           <a:p>
             <a:fld id="{381FDD9A-0B15-A54A-8A8B-36EF8620149C}" type="datetimeFigureOut">
               <a:rPr lang="en-US" smtClean="0"/>
-              <a:t>11/25/22</a:t>
+              <a:t>12/9/22</a:t>
             </a:fld>
             <a:endParaRPr lang="en-US"/>
           </a:p>
@@ -3197,7 +5649,7 @@
           <a:p>
             <a:fld id="{381FDD9A-0B15-A54A-8A8B-36EF8620149C}" type="datetimeFigureOut">
               <a:rPr lang="en-US" smtClean="0"/>
-              <a:t>11/25/22</a:t>
+              <a:t>12/9/22</a:t>
             </a:fld>
             <a:endParaRPr lang="en-US"/>
           </a:p>
@@ -3339,7 +5791,7 @@
           <a:p>
             <a:fld id="{381FDD9A-0B15-A54A-8A8B-36EF8620149C}" type="datetimeFigureOut">
               <a:rPr lang="en-US" smtClean="0"/>
-              <a:t>11/25/22</a:t>
+              <a:t>12/9/22</a:t>
             </a:fld>
             <a:endParaRPr lang="en-US"/>
           </a:p>
@@ -3452,7 +5904,7 @@
           <a:p>
             <a:fld id="{381FDD9A-0B15-A54A-8A8B-36EF8620149C}" type="datetimeFigureOut">
               <a:rPr lang="en-US" smtClean="0"/>
-              <a:t>11/25/22</a:t>
+              <a:t>12/9/22</a:t>
             </a:fld>
             <a:endParaRPr lang="en-US"/>
           </a:p>
@@ -3765,7 +6217,7 @@
           <a:p>
             <a:fld id="{381FDD9A-0B15-A54A-8A8B-36EF8620149C}" type="datetimeFigureOut">
               <a:rPr lang="en-US" smtClean="0"/>
-              <a:t>11/25/22</a:t>
+              <a:t>12/9/22</a:t>
             </a:fld>
             <a:endParaRPr lang="en-US"/>
           </a:p>
@@ -4054,7 +6506,7 @@
           <a:p>
             <a:fld id="{381FDD9A-0B15-A54A-8A8B-36EF8620149C}" type="datetimeFigureOut">
               <a:rPr lang="en-US" smtClean="0"/>
-              <a:t>11/25/22</a:t>
+              <a:t>12/9/22</a:t>
             </a:fld>
             <a:endParaRPr lang="en-US"/>
           </a:p>
@@ -4297,7 +6749,7 @@
           <a:p>
             <a:fld id="{381FDD9A-0B15-A54A-8A8B-36EF8620149C}" type="datetimeFigureOut">
               <a:rPr lang="en-US" smtClean="0"/>
-              <a:t>11/25/22</a:t>
+              <a:t>12/9/22</a:t>
             </a:fld>
             <a:endParaRPr lang="en-US"/>
           </a:p>
@@ -4727,7 +7179,7 @@
           <p:nvPr>
             <p:extLst>
               <p:ext uri="{D42A27DB-BD31-4B8C-83A1-F6EECF244321}">
-                <p14:modId xmlns:p14="http://schemas.microsoft.com/office/powerpoint/2010/main" val="3566362195"/>
+                <p14:modId xmlns:p14="http://schemas.microsoft.com/office/powerpoint/2010/main" val="2811820892"/>
               </p:ext>
             </p:extLst>
           </p:nvPr>
@@ -4772,6 +7224,122 @@
           <a:chExt cx="0" cy="0"/>
         </a:xfrm>
       </p:grpSpPr>
+      <p:graphicFrame>
+        <p:nvGraphicFramePr>
+          <p:cNvPr id="3" name="Diagramm 2">
+            <a:extLst>
+              <a:ext uri="{FF2B5EF4-FFF2-40B4-BE49-F238E27FC236}">
+                <a16:creationId xmlns:a16="http://schemas.microsoft.com/office/drawing/2014/main" id="{C84ABD3E-BCFD-FEDA-430E-FA5C27DFDFCE}"/>
+              </a:ext>
+            </a:extLst>
+          </p:cNvPr>
+          <p:cNvGraphicFramePr/>
+          <p:nvPr>
+            <p:extLst>
+              <p:ext uri="{D42A27DB-BD31-4B8C-83A1-F6EECF244321}">
+                <p14:modId xmlns:p14="http://schemas.microsoft.com/office/powerpoint/2010/main" val="222298765"/>
+              </p:ext>
+            </p:extLst>
+          </p:nvPr>
+        </p:nvGraphicFramePr>
+        <p:xfrm>
+          <a:off x="2032000" y="719666"/>
+          <a:ext cx="8128000" cy="5418667"/>
+        </p:xfrm>
+        <a:graphic>
+          <a:graphicData uri="http://schemas.openxmlformats.org/drawingml/2006/chart">
+            <c:chart xmlns:c="http://schemas.openxmlformats.org/drawingml/2006/chart" xmlns:r="http://schemas.openxmlformats.org/officeDocument/2006/relationships" r:id="rId2"/>
+          </a:graphicData>
+        </a:graphic>
+      </p:graphicFrame>
+    </p:spTree>
+    <p:extLst>
+      <p:ext uri="{BB962C8B-B14F-4D97-AF65-F5344CB8AC3E}">
+        <p14:creationId xmlns:p14="http://schemas.microsoft.com/office/powerpoint/2010/main" val="1772412689"/>
+      </p:ext>
+    </p:extLst>
+  </p:cSld>
+  <p:clrMapOvr>
+    <a:masterClrMapping/>
+  </p:clrMapOvr>
+</p:sld>
+</file>
+
+<file path=ppt/slides/slide3.xml><?xml version="1.0" encoding="utf-8"?>
+<p:sld xmlns:a="http://schemas.openxmlformats.org/drawingml/2006/main" xmlns:r="http://schemas.openxmlformats.org/officeDocument/2006/relationships" xmlns:p="http://schemas.openxmlformats.org/presentationml/2006/main">
+  <p:cSld>
+    <p:spTree>
+      <p:nvGrpSpPr>
+        <p:cNvPr id="1" name=""/>
+        <p:cNvGrpSpPr/>
+        <p:nvPr/>
+      </p:nvGrpSpPr>
+      <p:grpSpPr>
+        <a:xfrm>
+          <a:off x="0" y="0"/>
+          <a:ext cx="0" cy="0"/>
+          <a:chOff x="0" y="0"/>
+          <a:chExt cx="0" cy="0"/>
+        </a:xfrm>
+      </p:grpSpPr>
+      <p:graphicFrame>
+        <p:nvGraphicFramePr>
+          <p:cNvPr id="3" name="Diagramm 2">
+            <a:extLst>
+              <a:ext uri="{FF2B5EF4-FFF2-40B4-BE49-F238E27FC236}">
+                <a16:creationId xmlns:a16="http://schemas.microsoft.com/office/drawing/2014/main" id="{C84ABD3E-BCFD-FEDA-430E-FA5C27DFDFCE}"/>
+              </a:ext>
+            </a:extLst>
+          </p:cNvPr>
+          <p:cNvGraphicFramePr/>
+          <p:nvPr>
+            <p:extLst>
+              <p:ext uri="{D42A27DB-BD31-4B8C-83A1-F6EECF244321}">
+                <p14:modId xmlns:p14="http://schemas.microsoft.com/office/powerpoint/2010/main" val="954334994"/>
+              </p:ext>
+            </p:extLst>
+          </p:nvPr>
+        </p:nvGraphicFramePr>
+        <p:xfrm>
+          <a:off x="2032000" y="719666"/>
+          <a:ext cx="8128000" cy="5418667"/>
+        </p:xfrm>
+        <a:graphic>
+          <a:graphicData uri="http://schemas.openxmlformats.org/drawingml/2006/chart">
+            <c:chart xmlns:c="http://schemas.openxmlformats.org/drawingml/2006/chart" xmlns:r="http://schemas.openxmlformats.org/officeDocument/2006/relationships" r:id="rId2"/>
+          </a:graphicData>
+        </a:graphic>
+      </p:graphicFrame>
+    </p:spTree>
+    <p:extLst>
+      <p:ext uri="{BB962C8B-B14F-4D97-AF65-F5344CB8AC3E}">
+        <p14:creationId xmlns:p14="http://schemas.microsoft.com/office/powerpoint/2010/main" val="1579511115"/>
+      </p:ext>
+    </p:extLst>
+  </p:cSld>
+  <p:clrMapOvr>
+    <a:masterClrMapping/>
+  </p:clrMapOvr>
+</p:sld>
+</file>
+
+<file path=ppt/slides/slide4.xml><?xml version="1.0" encoding="utf-8"?>
+<p:sld xmlns:a="http://schemas.openxmlformats.org/drawingml/2006/main" xmlns:r="http://schemas.openxmlformats.org/officeDocument/2006/relationships" xmlns:p="http://schemas.openxmlformats.org/presentationml/2006/main">
+  <p:cSld>
+    <p:spTree>
+      <p:nvGrpSpPr>
+        <p:cNvPr id="1" name=""/>
+        <p:cNvGrpSpPr/>
+        <p:nvPr/>
+      </p:nvGrpSpPr>
+      <p:grpSpPr>
+        <a:xfrm>
+          <a:off x="0" y="0"/>
+          <a:ext cx="0" cy="0"/>
+          <a:chOff x="0" y="0"/>
+          <a:chExt cx="0" cy="0"/>
+        </a:xfrm>
+      </p:grpSpPr>
       <p:pic>
         <p:nvPicPr>
           <p:cNvPr id="4" name="Grafik 3">
@@ -4794,8 +7362,38 @@
         </p:blipFill>
         <p:spPr>
           <a:xfrm>
-            <a:off x="3549650" y="1873250"/>
+            <a:off x="6854044" y="2106117"/>
             <a:ext cx="5092700" cy="3111500"/>
+          </a:xfrm>
+          <a:prstGeom prst="rect">
+            <a:avLst/>
+          </a:prstGeom>
+        </p:spPr>
+      </p:pic>
+      <p:pic>
+        <p:nvPicPr>
+          <p:cNvPr id="2" name="Grafik 1">
+            <a:extLst>
+              <a:ext uri="{FF2B5EF4-FFF2-40B4-BE49-F238E27FC236}">
+                <a16:creationId xmlns:a16="http://schemas.microsoft.com/office/drawing/2014/main" id="{92C157F2-3529-A6BD-BBF2-7A5EB4905B34}"/>
+              </a:ext>
+            </a:extLst>
+          </p:cNvPr>
+          <p:cNvPicPr>
+            <a:picLocks noChangeAspect="1"/>
+          </p:cNvPicPr>
+          <p:nvPr/>
+        </p:nvPicPr>
+        <p:blipFill>
+          <a:blip r:embed="rId3"/>
+          <a:stretch>
+            <a:fillRect/>
+          </a:stretch>
+        </p:blipFill>
+        <p:spPr>
+          <a:xfrm>
+            <a:off x="389744" y="2106117"/>
+            <a:ext cx="6464300" cy="3429000"/>
           </a:xfrm>
           <a:prstGeom prst="rect">
             <a:avLst/>

--- a/draft/07-data.pptx
+++ b/draft/07-data.pptx
@@ -6,9 +6,10 @@
   </p:sldMasterIdLst>
   <p:sldIdLst>
     <p:sldId id="256" r:id="rId2"/>
-    <p:sldId id="260" r:id="rId3"/>
-    <p:sldId id="261" r:id="rId4"/>
+    <p:sldId id="261" r:id="rId3"/>
+    <p:sldId id="262" r:id="rId4"/>
     <p:sldId id="257" r:id="rId5"/>
+    <p:sldId id="263" r:id="rId6"/>
   </p:sldIdLst>
   <p:sldSz cx="12192000" cy="6858000"/>
   <p:notesSz cx="6858000" cy="9144000"/>
@@ -131,7 +132,17 @@
   <c:chart>
     <c:autoTitleDeleted val="1"/>
     <c:plotArea>
-      <c:layout/>
+      <c:layout>
+        <c:manualLayout>
+          <c:layoutTarget val="inner"/>
+          <c:xMode val="edge"/>
+          <c:yMode val="edge"/>
+          <c:x val="8.4911870093406921E-2"/>
+          <c:y val="2.578124841404722E-2"/>
+          <c:w val="0.88080717610007131"/>
+          <c:h val="0.83257801226759276"/>
+        </c:manualLayout>
+      </c:layout>
       <c:barChart>
         <c:barDir val="bar"/>
         <c:grouping val="clustered"/>
@@ -151,11 +162,21 @@
             </c:strRef>
           </c:tx>
           <c:spPr>
-            <a:solidFill>
-              <a:schemeClr val="accent1"/>
-            </a:solidFill>
+            <a:pattFill prst="ltUpDiag">
+              <a:fgClr>
+                <a:schemeClr val="tx1"/>
+              </a:fgClr>
+              <a:bgClr>
+                <a:schemeClr val="bg1"/>
+              </a:bgClr>
+            </a:pattFill>
             <a:ln>
-              <a:noFill/>
+              <a:solidFill>
+                <a:schemeClr val="dk1">
+                  <a:shade val="95000"/>
+                  <a:satMod val="105000"/>
+                </a:schemeClr>
+              </a:solidFill>
             </a:ln>
             <a:effectLst/>
           </c:spPr>
@@ -287,10 +308,15 @@
           </c:tx>
           <c:spPr>
             <a:solidFill>
-              <a:schemeClr val="accent3"/>
+              <a:schemeClr val="bg1"/>
             </a:solidFill>
             <a:ln>
-              <a:noFill/>
+              <a:solidFill>
+                <a:schemeClr val="dk1">
+                  <a:shade val="95000"/>
+                  <a:satMod val="105000"/>
+                </a:schemeClr>
+              </a:solidFill>
             </a:ln>
             <a:effectLst/>
           </c:spPr>
@@ -422,15 +448,21 @@
           </c:tx>
           <c:spPr>
             <a:solidFill>
-              <a:schemeClr val="accent5">
-                <a:lumMod val="60000"/>
-                <a:lumOff val="40000"/>
+              <a:schemeClr val="bg1">
+                <a:lumMod val="75000"/>
               </a:schemeClr>
             </a:solidFill>
             <a:ln>
-              <a:noFill/>
+              <a:solidFill>
+                <a:schemeClr val="tx1">
+                  <a:lumMod val="50000"/>
+                  <a:lumOff val="50000"/>
+                </a:schemeClr>
+              </a:solidFill>
             </a:ln>
-            <a:effectLst/>
+            <a:effectLst>
+              <a:softEdge rad="0"/>
+            </a:effectLst>
           </c:spPr>
           <c:invertIfNegative val="0"/>
           <c:dLbls>
@@ -787,7 +819,7 @@
                   </a:defRPr>
                 </a:pPr>
                 <a:r>
-                  <a:rPr lang="en-US"/>
+                  <a:rPr lang="en-US" dirty="0"/>
                   <a:t>Duration in milliseconds</a:t>
                 </a:r>
               </a:p>
@@ -875,11 +907,25 @@
     </c:plotArea>
     <c:legend>
       <c:legendPos val="r"/>
+      <c:layout>
+        <c:manualLayout>
+          <c:xMode val="edge"/>
+          <c:yMode val="edge"/>
+          <c:x val="0.83382712105140544"/>
+          <c:y val="0.62349983861344493"/>
+          <c:w val="0.12401013994457016"/>
+          <c:h val="0.21003136011125978"/>
+        </c:manualLayout>
+      </c:layout>
       <c:overlay val="0"/>
       <c:spPr>
-        <a:noFill/>
+        <a:solidFill>
+          <a:schemeClr val="bg1"/>
+        </a:solidFill>
         <a:ln>
-          <a:noFill/>
+          <a:solidFill>
+            <a:schemeClr val="tx1"/>
+          </a:solidFill>
         </a:ln>
         <a:effectLst/>
       </c:spPr>
@@ -962,21 +1008,21 @@
           <a:lstStyle/>
           <a:p>
             <a:pPr>
-              <a:defRPr sz="1862" b="0" i="0" u="none" strike="noStrike" kern="1200" spc="0" baseline="0">
+              <a:defRPr sz="2000" b="0" i="0" u="none" strike="noStrike" kern="1200" spc="0" baseline="0">
                 <a:solidFill>
                   <a:schemeClr val="tx1">
                     <a:lumMod val="65000"/>
                     <a:lumOff val="35000"/>
                   </a:schemeClr>
                 </a:solidFill>
-                <a:latin typeface="+mn-lt"/>
+                <a:latin typeface="Times New Roman" panose="02020603050405020304" pitchFamily="18" charset="0"/>
                 <a:ea typeface="+mn-ea"/>
-                <a:cs typeface="+mn-cs"/>
+                <a:cs typeface="Times New Roman" panose="02020603050405020304" pitchFamily="18" charset="0"/>
               </a:defRPr>
             </a:pPr>
             <a:r>
-              <a:rPr lang="en-US" dirty="0"/>
-              <a:t>Encrypted data</a:t>
+              <a:rPr lang="en-US" sz="2000" dirty="0"/>
+              <a:t>Unencrypted logs</a:t>
             </a:r>
           </a:p>
         </c:rich>
@@ -994,16 +1040,16 @@
         <a:lstStyle/>
         <a:p>
           <a:pPr>
-            <a:defRPr sz="1862" b="0" i="0" u="none" strike="noStrike" kern="1200" spc="0" baseline="0">
+            <a:defRPr sz="2000" b="0" i="0" u="none" strike="noStrike" kern="1200" spc="0" baseline="0">
               <a:solidFill>
                 <a:schemeClr val="tx1">
                   <a:lumMod val="65000"/>
                   <a:lumOff val="35000"/>
                 </a:schemeClr>
               </a:solidFill>
-              <a:latin typeface="+mn-lt"/>
+              <a:latin typeface="Times New Roman" panose="02020603050405020304" pitchFamily="18" charset="0"/>
               <a:ea typeface="+mn-ea"/>
-              <a:cs typeface="+mn-cs"/>
+              <a:cs typeface="Times New Roman" panose="02020603050405020304" pitchFamily="18" charset="0"/>
             </a:defRPr>
           </a:pPr>
           <a:endParaRPr lang="de-DE"/>
@@ -1032,16 +1078,86 @@
             </c:strRef>
           </c:tx>
           <c:spPr>
-            <a:solidFill>
-              <a:schemeClr val="accent1"/>
-            </a:solidFill>
+            <a:pattFill prst="ltUpDiag">
+              <a:fgClr>
+                <a:schemeClr val="tx1"/>
+              </a:fgClr>
+              <a:bgClr>
+                <a:schemeClr val="bg1"/>
+              </a:bgClr>
+            </a:pattFill>
             <a:ln>
-              <a:noFill/>
+              <a:solidFill>
+                <a:schemeClr val="tx1"/>
+              </a:solidFill>
             </a:ln>
             <a:effectLst/>
           </c:spPr>
           <c:invertIfNegative val="0"/>
           <c:dLbls>
+            <c:dLbl>
+              <c:idx val="0"/>
+              <c:layout>
+                <c:manualLayout>
+                  <c:x val="8.7499999999999994E-2"/>
+                  <c:y val="2.3437498558225604E-3"/>
+                </c:manualLayout>
+              </c:layout>
+              <c:showLegendKey val="0"/>
+              <c:showVal val="1"/>
+              <c:showCatName val="0"/>
+              <c:showSerName val="0"/>
+              <c:showPercent val="0"/>
+              <c:showBubbleSize val="0"/>
+              <c:extLst>
+                <c:ext xmlns:c15="http://schemas.microsoft.com/office/drawing/2012/chart" uri="{CE6537A1-D6FC-4f65-9D91-7224C49458BB}"/>
+                <c:ext xmlns:c16="http://schemas.microsoft.com/office/drawing/2014/chart" uri="{C3380CC4-5D6E-409C-BE32-E72D297353CC}">
+                  <c16:uniqueId val="{00000008-66D0-CA4C-A1CC-901F90A1A7FA}"/>
+                </c:ext>
+              </c:extLst>
+            </c:dLbl>
+            <c:dLbl>
+              <c:idx val="1"/>
+              <c:layout>
+                <c:manualLayout>
+                  <c:x val="9.8437499999999886E-2"/>
+                  <c:y val="-4.6874997116450349E-3"/>
+                </c:manualLayout>
+              </c:layout>
+              <c:showLegendKey val="0"/>
+              <c:showVal val="1"/>
+              <c:showCatName val="0"/>
+              <c:showSerName val="0"/>
+              <c:showPercent val="0"/>
+              <c:showBubbleSize val="0"/>
+              <c:extLst>
+                <c:ext xmlns:c15="http://schemas.microsoft.com/office/drawing/2012/chart" uri="{CE6537A1-D6FC-4f65-9D91-7224C49458BB}"/>
+                <c:ext xmlns:c16="http://schemas.microsoft.com/office/drawing/2014/chart" uri="{C3380CC4-5D6E-409C-BE32-E72D297353CC}">
+                  <c16:uniqueId val="{00000005-66D0-CA4C-A1CC-901F90A1A7FA}"/>
+                </c:ext>
+              </c:extLst>
+            </c:dLbl>
+            <c:dLbl>
+              <c:idx val="2"/>
+              <c:layout>
+                <c:manualLayout>
+                  <c:x val="9.375E-2"/>
+                  <c:y val="-2.3437498558224745E-3"/>
+                </c:manualLayout>
+              </c:layout>
+              <c:showLegendKey val="0"/>
+              <c:showVal val="1"/>
+              <c:showCatName val="0"/>
+              <c:showSerName val="0"/>
+              <c:showPercent val="0"/>
+              <c:showBubbleSize val="0"/>
+              <c:extLst>
+                <c:ext xmlns:c15="http://schemas.microsoft.com/office/drawing/2012/chart" uri="{CE6537A1-D6FC-4f65-9D91-7224C49458BB}"/>
+                <c:ext xmlns:c16="http://schemas.microsoft.com/office/drawing/2014/chart" uri="{C3380CC4-5D6E-409C-BE32-E72D297353CC}">
+                  <c16:uniqueId val="{00000007-66D0-CA4C-A1CC-901F90A1A7FA}"/>
+                </c:ext>
+              </c:extLst>
+            </c:dLbl>
             <c:spPr>
               <a:noFill/>
               <a:ln>
@@ -1050,22 +1166,962 @@
               <a:effectLst/>
             </c:spPr>
             <c:txPr>
-              <a:bodyPr rot="0" spcFirstLastPara="1" vertOverflow="ellipsis" vert="horz" wrap="square" lIns="38100" tIns="19050" rIns="38100" bIns="19050" anchor="ctr" anchorCtr="1">
-                <a:spAutoFit/>
-              </a:bodyPr>
+              <a:bodyPr rot="0" spcFirstLastPara="1" vertOverflow="ellipsis" vert="horz" wrap="square" anchor="ctr" anchorCtr="1"/>
               <a:lstStyle/>
               <a:p>
                 <a:pPr>
-                  <a:defRPr sz="1197" b="0" i="0" u="none" strike="noStrike" kern="1200" baseline="0">
+                  <a:defRPr sz="1600" b="0" i="0" u="none" strike="noStrike" kern="1200" baseline="0">
                     <a:solidFill>
                       <a:schemeClr val="tx1">
                         <a:lumMod val="75000"/>
                         <a:lumOff val="25000"/>
                       </a:schemeClr>
                     </a:solidFill>
-                    <a:latin typeface="+mn-lt"/>
+                    <a:latin typeface="Times New Roman" panose="02020603050405020304" pitchFamily="18" charset="0"/>
                     <a:ea typeface="+mn-ea"/>
-                    <a:cs typeface="+mn-cs"/>
+                    <a:cs typeface="Times New Roman" panose="02020603050405020304" pitchFamily="18" charset="0"/>
+                  </a:defRPr>
+                </a:pPr>
+                <a:endParaRPr lang="de-DE"/>
+              </a:p>
+            </c:txPr>
+            <c:showLegendKey val="0"/>
+            <c:showVal val="1"/>
+            <c:showCatName val="0"/>
+            <c:showSerName val="0"/>
+            <c:showPercent val="0"/>
+            <c:showBubbleSize val="0"/>
+            <c:showLeaderLines val="0"/>
+            <c:extLst>
+              <c:ext xmlns:c15="http://schemas.microsoft.com/office/drawing/2012/chart" uri="{CE6537A1-D6FC-4f65-9D91-7224C49458BB}">
+                <c15:showLeaderLines val="1"/>
+                <c15:leaderLines>
+                  <c:spPr>
+                    <a:ln w="9525" cap="flat" cmpd="sng" algn="ctr">
+                      <a:solidFill>
+                        <a:schemeClr val="tx1">
+                          <a:lumMod val="35000"/>
+                          <a:lumOff val="65000"/>
+                        </a:schemeClr>
+                      </a:solidFill>
+                      <a:round/>
+                    </a:ln>
+                    <a:effectLst/>
+                  </c:spPr>
+                </c15:leaderLines>
+              </c:ext>
+            </c:extLst>
+          </c:dLbls>
+          <c:cat>
+            <c:numRef>
+              <c:f>Tabelle1!$A$2:$A$4</c:f>
+              <c:numCache>
+                <c:formatCode>General</c:formatCode>
+                <c:ptCount val="3"/>
+                <c:pt idx="0">
+                  <c:v>1</c:v>
+                </c:pt>
+                <c:pt idx="1">
+                  <c:v>10</c:v>
+                </c:pt>
+                <c:pt idx="2">
+                  <c:v>100</c:v>
+                </c:pt>
+              </c:numCache>
+            </c:numRef>
+          </c:cat>
+          <c:val>
+            <c:numRef>
+              <c:f>Tabelle1!$B$2:$B$4</c:f>
+              <c:numCache>
+                <c:formatCode>0.00</c:formatCode>
+                <c:ptCount val="3"/>
+                <c:pt idx="0">
+                  <c:v>93</c:v>
+                </c:pt>
+                <c:pt idx="1">
+                  <c:v>101</c:v>
+                </c:pt>
+                <c:pt idx="2">
+                  <c:v>115</c:v>
+                </c:pt>
+              </c:numCache>
+            </c:numRef>
+          </c:val>
+          <c:extLst>
+            <c:ext xmlns:c16="http://schemas.microsoft.com/office/drawing/2014/chart" uri="{C3380CC4-5D6E-409C-BE32-E72D297353CC}">
+              <c16:uniqueId val="{00000000-5382-8947-8D0F-3C6635661ACE}"/>
+            </c:ext>
+          </c:extLst>
+        </c:ser>
+        <c:ser>
+          <c:idx val="1"/>
+          <c:order val="1"/>
+          <c:tx>
+            <c:strRef>
+              <c:f>Tabelle1!$C$1</c:f>
+              <c:strCache>
+                <c:ptCount val="1"/>
+                <c:pt idx="0">
+                  <c:v>Server computation</c:v>
+                </c:pt>
+              </c:strCache>
+            </c:strRef>
+          </c:tx>
+          <c:spPr>
+            <a:solidFill>
+              <a:schemeClr val="bg1"/>
+            </a:solidFill>
+            <a:ln>
+              <a:solidFill>
+                <a:schemeClr val="tx1"/>
+              </a:solidFill>
+            </a:ln>
+            <a:effectLst/>
+          </c:spPr>
+          <c:invertIfNegative val="0"/>
+          <c:dLbls>
+            <c:dLbl>
+              <c:idx val="0"/>
+              <c:layout>
+                <c:manualLayout>
+                  <c:x val="8.9062499999999947E-2"/>
+                  <c:y val="2.3437498558224745E-3"/>
+                </c:manualLayout>
+              </c:layout>
+              <c:showLegendKey val="0"/>
+              <c:showVal val="1"/>
+              <c:showCatName val="0"/>
+              <c:showSerName val="0"/>
+              <c:showPercent val="0"/>
+              <c:showBubbleSize val="0"/>
+              <c:extLst>
+                <c:ext xmlns:c15="http://schemas.microsoft.com/office/drawing/2012/chart" uri="{CE6537A1-D6FC-4f65-9D91-7224C49458BB}"/>
+                <c:ext xmlns:c16="http://schemas.microsoft.com/office/drawing/2014/chart" uri="{C3380CC4-5D6E-409C-BE32-E72D297353CC}">
+                  <c16:uniqueId val="{00000009-66D0-CA4C-A1CC-901F90A1A7FA}"/>
+                </c:ext>
+              </c:extLst>
+            </c:dLbl>
+            <c:dLbl>
+              <c:idx val="1"/>
+              <c:layout>
+                <c:manualLayout>
+                  <c:x val="9.2187500000000006E-2"/>
+                  <c:y val="2.3437498558223887E-3"/>
+                </c:manualLayout>
+              </c:layout>
+              <c:showLegendKey val="0"/>
+              <c:showVal val="1"/>
+              <c:showCatName val="0"/>
+              <c:showSerName val="0"/>
+              <c:showPercent val="0"/>
+              <c:showBubbleSize val="0"/>
+              <c:extLst>
+                <c:ext xmlns:c15="http://schemas.microsoft.com/office/drawing/2012/chart" uri="{CE6537A1-D6FC-4f65-9D91-7224C49458BB}"/>
+                <c:ext xmlns:c16="http://schemas.microsoft.com/office/drawing/2014/chart" uri="{C3380CC4-5D6E-409C-BE32-E72D297353CC}">
+                  <c16:uniqueId val="{00000004-66D0-CA4C-A1CC-901F90A1A7FA}"/>
+                </c:ext>
+              </c:extLst>
+            </c:dLbl>
+            <c:dLbl>
+              <c:idx val="2"/>
+              <c:layout>
+                <c:manualLayout>
+                  <c:x val="9.6875000000000003E-2"/>
+                  <c:y val="-8.5936501967686754E-17"/>
+                </c:manualLayout>
+              </c:layout>
+              <c:showLegendKey val="0"/>
+              <c:showVal val="1"/>
+              <c:showCatName val="0"/>
+              <c:showSerName val="0"/>
+              <c:showPercent val="0"/>
+              <c:showBubbleSize val="0"/>
+              <c:extLst>
+                <c:ext xmlns:c15="http://schemas.microsoft.com/office/drawing/2012/chart" uri="{CE6537A1-D6FC-4f65-9D91-7224C49458BB}"/>
+                <c:ext xmlns:c16="http://schemas.microsoft.com/office/drawing/2014/chart" uri="{C3380CC4-5D6E-409C-BE32-E72D297353CC}">
+                  <c16:uniqueId val="{00000006-66D0-CA4C-A1CC-901F90A1A7FA}"/>
+                </c:ext>
+              </c:extLst>
+            </c:dLbl>
+            <c:spPr>
+              <a:noFill/>
+              <a:ln>
+                <a:noFill/>
+              </a:ln>
+              <a:effectLst/>
+            </c:spPr>
+            <c:txPr>
+              <a:bodyPr rot="0" spcFirstLastPara="1" vertOverflow="ellipsis" vert="horz" wrap="square" anchor="ctr" anchorCtr="1"/>
+              <a:lstStyle/>
+              <a:p>
+                <a:pPr>
+                  <a:defRPr sz="1600" b="0" i="0" u="none" strike="noStrike" kern="1200" baseline="0">
+                    <a:solidFill>
+                      <a:schemeClr val="tx1">
+                        <a:lumMod val="75000"/>
+                        <a:lumOff val="25000"/>
+                      </a:schemeClr>
+                    </a:solidFill>
+                    <a:latin typeface="Times New Roman" panose="02020603050405020304" pitchFamily="18" charset="0"/>
+                    <a:ea typeface="+mn-ea"/>
+                    <a:cs typeface="Times New Roman" panose="02020603050405020304" pitchFamily="18" charset="0"/>
+                  </a:defRPr>
+                </a:pPr>
+                <a:endParaRPr lang="de-DE"/>
+              </a:p>
+            </c:txPr>
+            <c:showLegendKey val="0"/>
+            <c:showVal val="1"/>
+            <c:showCatName val="0"/>
+            <c:showSerName val="0"/>
+            <c:showPercent val="0"/>
+            <c:showBubbleSize val="0"/>
+            <c:showLeaderLines val="0"/>
+            <c:extLst>
+              <c:ext xmlns:c15="http://schemas.microsoft.com/office/drawing/2012/chart" uri="{CE6537A1-D6FC-4f65-9D91-7224C49458BB}">
+                <c15:showLeaderLines val="1"/>
+                <c15:leaderLines>
+                  <c:spPr>
+                    <a:ln w="9525" cap="flat" cmpd="sng" algn="ctr">
+                      <a:solidFill>
+                        <a:schemeClr val="tx1">
+                          <a:lumMod val="35000"/>
+                          <a:lumOff val="65000"/>
+                        </a:schemeClr>
+                      </a:solidFill>
+                      <a:round/>
+                    </a:ln>
+                    <a:effectLst/>
+                  </c:spPr>
+                </c15:leaderLines>
+              </c:ext>
+            </c:extLst>
+          </c:dLbls>
+          <c:cat>
+            <c:numRef>
+              <c:f>Tabelle1!$A$2:$A$4</c:f>
+              <c:numCache>
+                <c:formatCode>General</c:formatCode>
+                <c:ptCount val="3"/>
+                <c:pt idx="0">
+                  <c:v>1</c:v>
+                </c:pt>
+                <c:pt idx="1">
+                  <c:v>10</c:v>
+                </c:pt>
+                <c:pt idx="2">
+                  <c:v>100</c:v>
+                </c:pt>
+              </c:numCache>
+            </c:numRef>
+          </c:cat>
+          <c:val>
+            <c:numRef>
+              <c:f>Tabelle1!$C$2:$C$4</c:f>
+              <c:numCache>
+                <c:formatCode>0.00</c:formatCode>
+                <c:ptCount val="3"/>
+                <c:pt idx="0">
+                  <c:v>49.650000000000006</c:v>
+                </c:pt>
+                <c:pt idx="1">
+                  <c:v>47.27000000000001</c:v>
+                </c:pt>
+                <c:pt idx="2">
+                  <c:v>126.50999999999999</c:v>
+                </c:pt>
+              </c:numCache>
+            </c:numRef>
+          </c:val>
+          <c:extLst>
+            <c:ext xmlns:c16="http://schemas.microsoft.com/office/drawing/2014/chart" uri="{C3380CC4-5D6E-409C-BE32-E72D297353CC}">
+              <c16:uniqueId val="{00000001-5382-8947-8D0F-3C6635661ACE}"/>
+            </c:ext>
+          </c:extLst>
+        </c:ser>
+        <c:ser>
+          <c:idx val="2"/>
+          <c:order val="2"/>
+          <c:tx>
+            <c:strRef>
+              <c:f>Tabelle1!$D$1</c:f>
+              <c:strCache>
+                <c:ptCount val="1"/>
+                <c:pt idx="0">
+                  <c:v>Client computation</c:v>
+                </c:pt>
+              </c:strCache>
+            </c:strRef>
+          </c:tx>
+          <c:spPr>
+            <a:solidFill>
+              <a:schemeClr val="bg1">
+                <a:lumMod val="75000"/>
+              </a:schemeClr>
+            </a:solidFill>
+            <a:ln>
+              <a:solidFill>
+                <a:schemeClr val="tx1"/>
+              </a:solidFill>
+            </a:ln>
+            <a:effectLst/>
+          </c:spPr>
+          <c:invertIfNegative val="0"/>
+          <c:dLbls>
+            <c:dLbl>
+              <c:idx val="0"/>
+              <c:layout>
+                <c:manualLayout>
+                  <c:x val="8.2812499999999997E-2"/>
+                  <c:y val="-7.0312495674674236E-3"/>
+                </c:manualLayout>
+              </c:layout>
+              <c:showLegendKey val="0"/>
+              <c:showVal val="1"/>
+              <c:showCatName val="0"/>
+              <c:showSerName val="0"/>
+              <c:showPercent val="0"/>
+              <c:showBubbleSize val="0"/>
+              <c:extLst>
+                <c:ext xmlns:c15="http://schemas.microsoft.com/office/drawing/2012/chart" uri="{CE6537A1-D6FC-4f65-9D91-7224C49458BB}"/>
+                <c:ext xmlns:c16="http://schemas.microsoft.com/office/drawing/2014/chart" uri="{C3380CC4-5D6E-409C-BE32-E72D297353CC}">
+                  <c16:uniqueId val="{00000005-5382-8947-8D0F-3C6635661ACE}"/>
+                </c:ext>
+              </c:extLst>
+            </c:dLbl>
+            <c:dLbl>
+              <c:idx val="1"/>
+              <c:layout>
+                <c:manualLayout>
+                  <c:x val="9.2187500000000006E-2"/>
+                  <c:y val="-1.1718749279112373E-2"/>
+                </c:manualLayout>
+              </c:layout>
+              <c:showLegendKey val="0"/>
+              <c:showVal val="1"/>
+              <c:showCatName val="0"/>
+              <c:showSerName val="0"/>
+              <c:showPercent val="0"/>
+              <c:showBubbleSize val="0"/>
+              <c:extLst>
+                <c:ext xmlns:c15="http://schemas.microsoft.com/office/drawing/2012/chart" uri="{CE6537A1-D6FC-4f65-9D91-7224C49458BB}"/>
+                <c:ext xmlns:c16="http://schemas.microsoft.com/office/drawing/2014/chart" uri="{C3380CC4-5D6E-409C-BE32-E72D297353CC}">
+                  <c16:uniqueId val="{00000002-66D0-CA4C-A1CC-901F90A1A7FA}"/>
+                </c:ext>
+              </c:extLst>
+            </c:dLbl>
+            <c:dLbl>
+              <c:idx val="2"/>
+              <c:layout>
+                <c:manualLayout>
+                  <c:x val="8.9062499999999892E-2"/>
+                  <c:y val="0"/>
+                </c:manualLayout>
+              </c:layout>
+              <c:showLegendKey val="0"/>
+              <c:showVal val="1"/>
+              <c:showCatName val="0"/>
+              <c:showSerName val="0"/>
+              <c:showPercent val="0"/>
+              <c:showBubbleSize val="0"/>
+              <c:extLst>
+                <c:ext xmlns:c15="http://schemas.microsoft.com/office/drawing/2012/chart" uri="{CE6537A1-D6FC-4f65-9D91-7224C49458BB}"/>
+                <c:ext xmlns:c16="http://schemas.microsoft.com/office/drawing/2014/chart" uri="{C3380CC4-5D6E-409C-BE32-E72D297353CC}">
+                  <c16:uniqueId val="{00000003-66D0-CA4C-A1CC-901F90A1A7FA}"/>
+                </c:ext>
+              </c:extLst>
+            </c:dLbl>
+            <c:spPr>
+              <a:noFill/>
+              <a:ln>
+                <a:noFill/>
+              </a:ln>
+              <a:effectLst/>
+            </c:spPr>
+            <c:txPr>
+              <a:bodyPr rot="0" spcFirstLastPara="1" vertOverflow="ellipsis" vert="horz" wrap="square" anchor="ctr" anchorCtr="1"/>
+              <a:lstStyle/>
+              <a:p>
+                <a:pPr>
+                  <a:defRPr sz="1600" b="0" i="0" u="none" strike="noStrike" kern="1200" baseline="0">
+                    <a:solidFill>
+                      <a:schemeClr val="tx1">
+                        <a:lumMod val="75000"/>
+                        <a:lumOff val="25000"/>
+                      </a:schemeClr>
+                    </a:solidFill>
+                    <a:latin typeface="Times New Roman" panose="02020603050405020304" pitchFamily="18" charset="0"/>
+                    <a:ea typeface="+mn-ea"/>
+                    <a:cs typeface="Times New Roman" panose="02020603050405020304" pitchFamily="18" charset="0"/>
+                  </a:defRPr>
+                </a:pPr>
+                <a:endParaRPr lang="de-DE"/>
+              </a:p>
+            </c:txPr>
+            <c:showLegendKey val="0"/>
+            <c:showVal val="1"/>
+            <c:showCatName val="0"/>
+            <c:showSerName val="0"/>
+            <c:showPercent val="0"/>
+            <c:showBubbleSize val="0"/>
+            <c:showLeaderLines val="0"/>
+            <c:extLst>
+              <c:ext xmlns:c15="http://schemas.microsoft.com/office/drawing/2012/chart" uri="{CE6537A1-D6FC-4f65-9D91-7224C49458BB}">
+                <c15:showLeaderLines val="0"/>
+              </c:ext>
+            </c:extLst>
+          </c:dLbls>
+          <c:cat>
+            <c:numRef>
+              <c:f>Tabelle1!$A$2:$A$4</c:f>
+              <c:numCache>
+                <c:formatCode>General</c:formatCode>
+                <c:ptCount val="3"/>
+                <c:pt idx="0">
+                  <c:v>1</c:v>
+                </c:pt>
+                <c:pt idx="1">
+                  <c:v>10</c:v>
+                </c:pt>
+                <c:pt idx="2">
+                  <c:v>100</c:v>
+                </c:pt>
+              </c:numCache>
+            </c:numRef>
+          </c:cat>
+          <c:val>
+            <c:numRef>
+              <c:f>Tabelle1!$D$2:$D$4</c:f>
+              <c:numCache>
+                <c:formatCode>General</c:formatCode>
+                <c:ptCount val="3"/>
+                <c:pt idx="0">
+                  <c:v>0.21999999999999886</c:v>
+                </c:pt>
+                <c:pt idx="1">
+                  <c:v>0.5</c:v>
+                </c:pt>
+                <c:pt idx="2">
+                  <c:v>1.7300000000000182</c:v>
+                </c:pt>
+              </c:numCache>
+            </c:numRef>
+          </c:val>
+          <c:extLst>
+            <c:ext xmlns:c16="http://schemas.microsoft.com/office/drawing/2014/chart" uri="{C3380CC4-5D6E-409C-BE32-E72D297353CC}">
+              <c16:uniqueId val="{00000002-5382-8947-8D0F-3C6635661ACE}"/>
+            </c:ext>
+          </c:extLst>
+        </c:ser>
+        <c:dLbls>
+          <c:showLegendKey val="0"/>
+          <c:showVal val="0"/>
+          <c:showCatName val="0"/>
+          <c:showSerName val="0"/>
+          <c:showPercent val="0"/>
+          <c:showBubbleSize val="0"/>
+        </c:dLbls>
+        <c:gapWidth val="150"/>
+        <c:overlap val="100"/>
+        <c:axId val="1937872000"/>
+        <c:axId val="211452512"/>
+      </c:barChart>
+      <c:catAx>
+        <c:axId val="1937872000"/>
+        <c:scaling>
+          <c:orientation val="minMax"/>
+        </c:scaling>
+        <c:delete val="0"/>
+        <c:axPos val="b"/>
+        <c:title>
+          <c:tx>
+            <c:rich>
+              <a:bodyPr rot="0" spcFirstLastPara="1" vertOverflow="ellipsis" vert="horz" wrap="square" anchor="ctr" anchorCtr="1"/>
+              <a:lstStyle/>
+              <a:p>
+                <a:pPr>
+                  <a:defRPr sz="1600" b="0" i="0" u="none" strike="noStrike" kern="1200" baseline="0">
+                    <a:solidFill>
+                      <a:schemeClr val="tx1">
+                        <a:lumMod val="65000"/>
+                        <a:lumOff val="35000"/>
+                      </a:schemeClr>
+                    </a:solidFill>
+                    <a:latin typeface="Times New Roman" panose="02020603050405020304" pitchFamily="18" charset="0"/>
+                    <a:ea typeface="+mn-ea"/>
+                    <a:cs typeface="Times New Roman" panose="02020603050405020304" pitchFamily="18" charset="0"/>
+                  </a:defRPr>
+                </a:pPr>
+                <a:r>
+                  <a:rPr lang="en-US"/>
+                  <a:t>Number of loaded logs</a:t>
+                </a:r>
+              </a:p>
+            </c:rich>
+          </c:tx>
+          <c:overlay val="0"/>
+          <c:spPr>
+            <a:noFill/>
+            <a:ln>
+              <a:noFill/>
+            </a:ln>
+            <a:effectLst/>
+          </c:spPr>
+          <c:txPr>
+            <a:bodyPr rot="0" spcFirstLastPara="1" vertOverflow="ellipsis" vert="horz" wrap="square" anchor="ctr" anchorCtr="1"/>
+            <a:lstStyle/>
+            <a:p>
+              <a:pPr>
+                <a:defRPr sz="1600" b="0" i="0" u="none" strike="noStrike" kern="1200" baseline="0">
+                  <a:solidFill>
+                    <a:schemeClr val="tx1">
+                      <a:lumMod val="65000"/>
+                      <a:lumOff val="35000"/>
+                    </a:schemeClr>
+                  </a:solidFill>
+                  <a:latin typeface="Times New Roman" panose="02020603050405020304" pitchFamily="18" charset="0"/>
+                  <a:ea typeface="+mn-ea"/>
+                  <a:cs typeface="Times New Roman" panose="02020603050405020304" pitchFamily="18" charset="0"/>
+                </a:defRPr>
+              </a:pPr>
+              <a:endParaRPr lang="de-DE"/>
+            </a:p>
+          </c:txPr>
+        </c:title>
+        <c:numFmt formatCode="General" sourceLinked="0"/>
+        <c:majorTickMark val="none"/>
+        <c:minorTickMark val="none"/>
+        <c:tickLblPos val="nextTo"/>
+        <c:spPr>
+          <a:noFill/>
+          <a:ln w="9525" cap="flat" cmpd="sng" algn="ctr">
+            <a:solidFill>
+              <a:schemeClr val="tx1">
+                <a:lumMod val="15000"/>
+                <a:lumOff val="85000"/>
+              </a:schemeClr>
+            </a:solidFill>
+            <a:round/>
+          </a:ln>
+          <a:effectLst/>
+        </c:spPr>
+        <c:txPr>
+          <a:bodyPr rot="-60000000" spcFirstLastPara="1" vertOverflow="ellipsis" vert="horz" wrap="square" anchor="ctr" anchorCtr="1"/>
+          <a:lstStyle/>
+          <a:p>
+            <a:pPr>
+              <a:defRPr sz="1600" b="0" i="0" u="none" strike="noStrike" kern="1200" baseline="0">
+                <a:solidFill>
+                  <a:schemeClr val="tx1">
+                    <a:lumMod val="65000"/>
+                    <a:lumOff val="35000"/>
+                  </a:schemeClr>
+                </a:solidFill>
+                <a:latin typeface="Times New Roman" panose="02020603050405020304" pitchFamily="18" charset="0"/>
+                <a:ea typeface="+mn-ea"/>
+                <a:cs typeface="Times New Roman" panose="02020603050405020304" pitchFamily="18" charset="0"/>
+              </a:defRPr>
+            </a:pPr>
+            <a:endParaRPr lang="de-DE"/>
+          </a:p>
+        </c:txPr>
+        <c:crossAx val="211452512"/>
+        <c:crosses val="autoZero"/>
+        <c:auto val="1"/>
+        <c:lblAlgn val="ctr"/>
+        <c:lblOffset val="100"/>
+        <c:noMultiLvlLbl val="0"/>
+      </c:catAx>
+      <c:valAx>
+        <c:axId val="211452512"/>
+        <c:scaling>
+          <c:orientation val="minMax"/>
+          <c:max val="350"/>
+        </c:scaling>
+        <c:delete val="0"/>
+        <c:axPos val="l"/>
+        <c:majorGridlines>
+          <c:spPr>
+            <a:ln w="9525" cap="flat" cmpd="sng" algn="ctr">
+              <a:solidFill>
+                <a:schemeClr val="tx1">
+                  <a:lumMod val="15000"/>
+                  <a:lumOff val="85000"/>
+                </a:schemeClr>
+              </a:solidFill>
+              <a:round/>
+            </a:ln>
+            <a:effectLst/>
+          </c:spPr>
+        </c:majorGridlines>
+        <c:title>
+          <c:tx>
+            <c:rich>
+              <a:bodyPr rot="-5400000" spcFirstLastPara="1" vertOverflow="ellipsis" vert="horz" wrap="square" anchor="ctr" anchorCtr="1"/>
+              <a:lstStyle/>
+              <a:p>
+                <a:pPr>
+                  <a:defRPr sz="1600" b="0" i="0" u="none" strike="noStrike" kern="1200" baseline="0">
+                    <a:solidFill>
+                      <a:schemeClr val="tx1">
+                        <a:lumMod val="65000"/>
+                        <a:lumOff val="35000"/>
+                      </a:schemeClr>
+                    </a:solidFill>
+                    <a:latin typeface="Times New Roman" panose="02020603050405020304" pitchFamily="18" charset="0"/>
+                    <a:ea typeface="+mn-ea"/>
+                    <a:cs typeface="Times New Roman" panose="02020603050405020304" pitchFamily="18" charset="0"/>
+                  </a:defRPr>
+                </a:pPr>
+                <a:r>
+                  <a:rPr lang="en-US"/>
+                  <a:t>Duration in milliseconds</a:t>
+                </a:r>
+              </a:p>
+            </c:rich>
+          </c:tx>
+          <c:layout>
+            <c:manualLayout>
+              <c:xMode val="edge"/>
+              <c:yMode val="edge"/>
+              <c:x val="1.648550724637681E-3"/>
+              <c:y val="0.31294670138888886"/>
+            </c:manualLayout>
+          </c:layout>
+          <c:overlay val="0"/>
+          <c:spPr>
+            <a:noFill/>
+            <a:ln>
+              <a:noFill/>
+            </a:ln>
+            <a:effectLst/>
+          </c:spPr>
+          <c:txPr>
+            <a:bodyPr rot="-5400000" spcFirstLastPara="1" vertOverflow="ellipsis" vert="horz" wrap="square" anchor="ctr" anchorCtr="1"/>
+            <a:lstStyle/>
+            <a:p>
+              <a:pPr>
+                <a:defRPr sz="1600" b="0" i="0" u="none" strike="noStrike" kern="1200" baseline="0">
+                  <a:solidFill>
+                    <a:schemeClr val="tx1">
+                      <a:lumMod val="65000"/>
+                      <a:lumOff val="35000"/>
+                    </a:schemeClr>
+                  </a:solidFill>
+                  <a:latin typeface="Times New Roman" panose="02020603050405020304" pitchFamily="18" charset="0"/>
+                  <a:ea typeface="+mn-ea"/>
+                  <a:cs typeface="Times New Roman" panose="02020603050405020304" pitchFamily="18" charset="0"/>
+                </a:defRPr>
+              </a:pPr>
+              <a:endParaRPr lang="de-DE"/>
+            </a:p>
+          </c:txPr>
+        </c:title>
+        <c:numFmt formatCode="0.00" sourceLinked="1"/>
+        <c:majorTickMark val="none"/>
+        <c:minorTickMark val="none"/>
+        <c:tickLblPos val="nextTo"/>
+        <c:spPr>
+          <a:noFill/>
+          <a:ln>
+            <a:noFill/>
+          </a:ln>
+          <a:effectLst/>
+        </c:spPr>
+        <c:txPr>
+          <a:bodyPr rot="-60000000" spcFirstLastPara="1" vertOverflow="ellipsis" vert="horz" wrap="square" anchor="ctr" anchorCtr="1"/>
+          <a:lstStyle/>
+          <a:p>
+            <a:pPr>
+              <a:defRPr sz="1600" b="0" i="0" u="none" strike="noStrike" kern="1200" baseline="0">
+                <a:solidFill>
+                  <a:schemeClr val="tx1">
+                    <a:lumMod val="65000"/>
+                    <a:lumOff val="35000"/>
+                  </a:schemeClr>
+                </a:solidFill>
+                <a:latin typeface="Times New Roman" panose="02020603050405020304" pitchFamily="18" charset="0"/>
+                <a:ea typeface="+mn-ea"/>
+                <a:cs typeface="Times New Roman" panose="02020603050405020304" pitchFamily="18" charset="0"/>
+              </a:defRPr>
+            </a:pPr>
+            <a:endParaRPr lang="de-DE"/>
+          </a:p>
+        </c:txPr>
+        <c:crossAx val="1937872000"/>
+        <c:crosses val="autoZero"/>
+        <c:crossBetween val="between"/>
+      </c:valAx>
+      <c:spPr>
+        <a:noFill/>
+        <a:ln>
+          <a:noFill/>
+        </a:ln>
+        <a:effectLst/>
+      </c:spPr>
+    </c:plotArea>
+    <c:legend>
+      <c:legendPos val="b"/>
+      <c:overlay val="0"/>
+      <c:spPr>
+        <a:noFill/>
+        <a:ln>
+          <a:noFill/>
+        </a:ln>
+        <a:effectLst/>
+      </c:spPr>
+      <c:txPr>
+        <a:bodyPr rot="0" spcFirstLastPara="1" vertOverflow="ellipsis" vert="horz" wrap="square" anchor="ctr" anchorCtr="1"/>
+        <a:lstStyle/>
+        <a:p>
+          <a:pPr>
+            <a:defRPr sz="1600" b="0" i="0" u="none" strike="noStrike" kern="1200" baseline="0">
+              <a:solidFill>
+                <a:schemeClr val="tx1">
+                  <a:lumMod val="65000"/>
+                  <a:lumOff val="35000"/>
+                </a:schemeClr>
+              </a:solidFill>
+              <a:latin typeface="Times New Roman" panose="02020603050405020304" pitchFamily="18" charset="0"/>
+              <a:ea typeface="+mn-ea"/>
+              <a:cs typeface="Times New Roman" panose="02020603050405020304" pitchFamily="18" charset="0"/>
+            </a:defRPr>
+          </a:pPr>
+          <a:endParaRPr lang="de-DE"/>
+        </a:p>
+      </c:txPr>
+    </c:legend>
+    <c:plotVisOnly val="1"/>
+    <c:dispBlanksAs val="gap"/>
+    <c:extLst>
+      <c:ext xmlns:c16r3="http://schemas.microsoft.com/office/drawing/2017/03/chart" uri="{56B9EC1D-385E-4148-901F-78D8002777C0}">
+        <c16r3:dataDisplayOptions16>
+          <c16r3:dispNaAsBlank val="1"/>
+        </c16r3:dataDisplayOptions16>
+      </c:ext>
+    </c:extLst>
+    <c:showDLblsOverMax val="0"/>
+  </c:chart>
+  <c:spPr>
+    <a:noFill/>
+    <a:ln>
+      <a:noFill/>
+    </a:ln>
+    <a:effectLst/>
+  </c:spPr>
+  <c:txPr>
+    <a:bodyPr/>
+    <a:lstStyle/>
+    <a:p>
+      <a:pPr>
+        <a:defRPr sz="1600">
+          <a:latin typeface="Times New Roman" panose="02020603050405020304" pitchFamily="18" charset="0"/>
+          <a:cs typeface="Times New Roman" panose="02020603050405020304" pitchFamily="18" charset="0"/>
+        </a:defRPr>
+      </a:pPr>
+      <a:endParaRPr lang="de-DE"/>
+    </a:p>
+  </c:txPr>
+  <c:externalData r:id="rId3">
+    <c:autoUpdate val="0"/>
+  </c:externalData>
+</c:chartSpace>
+</file>
+
+<file path=ppt/charts/chart3.xml><?xml version="1.0" encoding="utf-8"?>
+<c:chartSpace xmlns:c="http://schemas.openxmlformats.org/drawingml/2006/chart" xmlns:a="http://schemas.openxmlformats.org/drawingml/2006/main" xmlns:r="http://schemas.openxmlformats.org/officeDocument/2006/relationships" xmlns:c16r2="http://schemas.microsoft.com/office/drawing/2015/06/chart">
+  <c:date1904 val="0"/>
+  <c:lang val="de-DE"/>
+  <c:roundedCorners val="0"/>
+  <mc:AlternateContent xmlns:mc="http://schemas.openxmlformats.org/markup-compatibility/2006">
+    <mc:Choice xmlns:c14="http://schemas.microsoft.com/office/drawing/2007/8/2/chart" Requires="c14">
+      <c14:style val="102"/>
+    </mc:Choice>
+    <mc:Fallback>
+      <c:style val="2"/>
+    </mc:Fallback>
+  </mc:AlternateContent>
+  <c:chart>
+    <c:title>
+      <c:tx>
+        <c:rich>
+          <a:bodyPr rot="0" spcFirstLastPara="1" vertOverflow="ellipsis" vert="horz" wrap="square" anchor="ctr" anchorCtr="1"/>
+          <a:lstStyle/>
+          <a:p>
+            <a:pPr>
+              <a:defRPr sz="2000" b="0" i="0" u="none" strike="noStrike" kern="1200" spc="0" baseline="0">
+                <a:solidFill>
+                  <a:schemeClr val="tx1">
+                    <a:lumMod val="65000"/>
+                    <a:lumOff val="35000"/>
+                  </a:schemeClr>
+                </a:solidFill>
+                <a:latin typeface="Times New Roman" panose="02020603050405020304" pitchFamily="18" charset="0"/>
+                <a:ea typeface="+mn-ea"/>
+                <a:cs typeface="Times New Roman" panose="02020603050405020304" pitchFamily="18" charset="0"/>
+              </a:defRPr>
+            </a:pPr>
+            <a:r>
+              <a:rPr lang="en-US" sz="2000" dirty="0"/>
+              <a:t>Encrypted logs</a:t>
+            </a:r>
+          </a:p>
+        </c:rich>
+      </c:tx>
+      <c:overlay val="0"/>
+      <c:spPr>
+        <a:noFill/>
+        <a:ln>
+          <a:noFill/>
+        </a:ln>
+        <a:effectLst/>
+      </c:spPr>
+      <c:txPr>
+        <a:bodyPr rot="0" spcFirstLastPara="1" vertOverflow="ellipsis" vert="horz" wrap="square" anchor="ctr" anchorCtr="1"/>
+        <a:lstStyle/>
+        <a:p>
+          <a:pPr>
+            <a:defRPr sz="2000" b="0" i="0" u="none" strike="noStrike" kern="1200" spc="0" baseline="0">
+              <a:solidFill>
+                <a:schemeClr val="tx1">
+                  <a:lumMod val="65000"/>
+                  <a:lumOff val="35000"/>
+                </a:schemeClr>
+              </a:solidFill>
+              <a:latin typeface="Times New Roman" panose="02020603050405020304" pitchFamily="18" charset="0"/>
+              <a:ea typeface="+mn-ea"/>
+              <a:cs typeface="Times New Roman" panose="02020603050405020304" pitchFamily="18" charset="0"/>
+            </a:defRPr>
+          </a:pPr>
+          <a:endParaRPr lang="de-DE"/>
+        </a:p>
+      </c:txPr>
+    </c:title>
+    <c:autoTitleDeleted val="0"/>
+    <c:plotArea>
+      <c:layout/>
+      <c:barChart>
+        <c:barDir val="col"/>
+        <c:grouping val="stacked"/>
+        <c:varyColors val="0"/>
+        <c:ser>
+          <c:idx val="0"/>
+          <c:order val="0"/>
+          <c:tx>
+            <c:strRef>
+              <c:f>Tabelle1!$B$1</c:f>
+              <c:strCache>
+                <c:ptCount val="1"/>
+                <c:pt idx="0">
+                  <c:v>Database queries</c:v>
+                </c:pt>
+              </c:strCache>
+            </c:strRef>
+          </c:tx>
+          <c:spPr>
+            <a:pattFill prst="ltUpDiag">
+              <a:fgClr>
+                <a:schemeClr val="tx1"/>
+              </a:fgClr>
+              <a:bgClr>
+                <a:schemeClr val="bg1"/>
+              </a:bgClr>
+            </a:pattFill>
+            <a:ln>
+              <a:solidFill>
+                <a:schemeClr val="tx1"/>
+              </a:solidFill>
+            </a:ln>
+            <a:effectLst/>
+          </c:spPr>
+          <c:invertIfNegative val="0"/>
+          <c:dLbls>
+            <c:dLbl>
+              <c:idx val="0"/>
+              <c:layout>
+                <c:manualLayout>
+                  <c:x val="8.7499999999999994E-2"/>
+                  <c:y val="2.3437498558225604E-3"/>
+                </c:manualLayout>
+              </c:layout>
+              <c:showLegendKey val="0"/>
+              <c:showVal val="1"/>
+              <c:showCatName val="0"/>
+              <c:showSerName val="0"/>
+              <c:showPercent val="0"/>
+              <c:showBubbleSize val="0"/>
+              <c:extLst>
+                <c:ext xmlns:c15="http://schemas.microsoft.com/office/drawing/2012/chart" uri="{CE6537A1-D6FC-4f65-9D91-7224C49458BB}"/>
+                <c:ext xmlns:c16="http://schemas.microsoft.com/office/drawing/2014/chart" uri="{C3380CC4-5D6E-409C-BE32-E72D297353CC}">
+                  <c16:uniqueId val="{00000008-66D0-CA4C-A1CC-901F90A1A7FA}"/>
+                </c:ext>
+              </c:extLst>
+            </c:dLbl>
+            <c:dLbl>
+              <c:idx val="1"/>
+              <c:layout>
+                <c:manualLayout>
+                  <c:x val="9.8437499999999886E-2"/>
+                  <c:y val="-4.6874997116450349E-3"/>
+                </c:manualLayout>
+              </c:layout>
+              <c:showLegendKey val="0"/>
+              <c:showVal val="1"/>
+              <c:showCatName val="0"/>
+              <c:showSerName val="0"/>
+              <c:showPercent val="0"/>
+              <c:showBubbleSize val="0"/>
+              <c:extLst>
+                <c:ext xmlns:c15="http://schemas.microsoft.com/office/drawing/2012/chart" uri="{CE6537A1-D6FC-4f65-9D91-7224C49458BB}"/>
+                <c:ext xmlns:c16="http://schemas.microsoft.com/office/drawing/2014/chart" uri="{C3380CC4-5D6E-409C-BE32-E72D297353CC}">
+                  <c16:uniqueId val="{00000005-66D0-CA4C-A1CC-901F90A1A7FA}"/>
+                </c:ext>
+              </c:extLst>
+            </c:dLbl>
+            <c:dLbl>
+              <c:idx val="2"/>
+              <c:layout>
+                <c:manualLayout>
+                  <c:x val="9.375E-2"/>
+                  <c:y val="-2.3437498558224745E-3"/>
+                </c:manualLayout>
+              </c:layout>
+              <c:showLegendKey val="0"/>
+              <c:showVal val="1"/>
+              <c:showCatName val="0"/>
+              <c:showSerName val="0"/>
+              <c:showPercent val="0"/>
+              <c:showBubbleSize val="0"/>
+              <c:extLst>
+                <c:ext xmlns:c15="http://schemas.microsoft.com/office/drawing/2012/chart" uri="{CE6537A1-D6FC-4f65-9D91-7224C49458BB}"/>
+                <c:ext xmlns:c16="http://schemas.microsoft.com/office/drawing/2014/chart" uri="{C3380CC4-5D6E-409C-BE32-E72D297353CC}">
+                  <c16:uniqueId val="{00000007-66D0-CA4C-A1CC-901F90A1A7FA}"/>
+                </c:ext>
+              </c:extLst>
+            </c:dLbl>
+            <c:spPr>
+              <a:noFill/>
+              <a:ln>
+                <a:noFill/>
+              </a:ln>
+              <a:effectLst/>
+            </c:spPr>
+            <c:txPr>
+              <a:bodyPr rot="0" spcFirstLastPara="1" vertOverflow="ellipsis" vert="horz" wrap="square" anchor="ctr" anchorCtr="1"/>
+              <a:lstStyle/>
+              <a:p>
+                <a:pPr>
+                  <a:defRPr sz="1600" b="0" i="0" u="none" strike="noStrike" kern="1200" baseline="0">
+                    <a:solidFill>
+                      <a:schemeClr val="tx1">
+                        <a:lumMod val="75000"/>
+                        <a:lumOff val="25000"/>
+                      </a:schemeClr>
+                    </a:solidFill>
+                    <a:latin typeface="Times New Roman" panose="02020603050405020304" pitchFamily="18" charset="0"/>
+                    <a:ea typeface="+mn-ea"/>
+                    <a:cs typeface="Times New Roman" panose="02020603050405020304" pitchFamily="18" charset="0"/>
                   </a:defRPr>
                 </a:pPr>
                 <a:endParaRPr lang="de-DE"/>
@@ -1156,15 +2212,80 @@
           </c:tx>
           <c:spPr>
             <a:solidFill>
-              <a:schemeClr val="accent2"/>
+              <a:schemeClr val="bg1"/>
             </a:solidFill>
             <a:ln>
-              <a:noFill/>
+              <a:solidFill>
+                <a:schemeClr val="tx1"/>
+              </a:solidFill>
             </a:ln>
             <a:effectLst/>
           </c:spPr>
           <c:invertIfNegative val="0"/>
           <c:dLbls>
+            <c:dLbl>
+              <c:idx val="0"/>
+              <c:layout>
+                <c:manualLayout>
+                  <c:x val="8.9062499999999947E-2"/>
+                  <c:y val="2.3437498558224745E-3"/>
+                </c:manualLayout>
+              </c:layout>
+              <c:showLegendKey val="0"/>
+              <c:showVal val="1"/>
+              <c:showCatName val="0"/>
+              <c:showSerName val="0"/>
+              <c:showPercent val="0"/>
+              <c:showBubbleSize val="0"/>
+              <c:extLst>
+                <c:ext xmlns:c15="http://schemas.microsoft.com/office/drawing/2012/chart" uri="{CE6537A1-D6FC-4f65-9D91-7224C49458BB}"/>
+                <c:ext xmlns:c16="http://schemas.microsoft.com/office/drawing/2014/chart" uri="{C3380CC4-5D6E-409C-BE32-E72D297353CC}">
+                  <c16:uniqueId val="{00000009-66D0-CA4C-A1CC-901F90A1A7FA}"/>
+                </c:ext>
+              </c:extLst>
+            </c:dLbl>
+            <c:dLbl>
+              <c:idx val="1"/>
+              <c:layout>
+                <c:manualLayout>
+                  <c:x val="9.2187500000000006E-2"/>
+                  <c:y val="2.3437498558223887E-3"/>
+                </c:manualLayout>
+              </c:layout>
+              <c:showLegendKey val="0"/>
+              <c:showVal val="1"/>
+              <c:showCatName val="0"/>
+              <c:showSerName val="0"/>
+              <c:showPercent val="0"/>
+              <c:showBubbleSize val="0"/>
+              <c:extLst>
+                <c:ext xmlns:c15="http://schemas.microsoft.com/office/drawing/2012/chart" uri="{CE6537A1-D6FC-4f65-9D91-7224C49458BB}"/>
+                <c:ext xmlns:c16="http://schemas.microsoft.com/office/drawing/2014/chart" uri="{C3380CC4-5D6E-409C-BE32-E72D297353CC}">
+                  <c16:uniqueId val="{00000004-66D0-CA4C-A1CC-901F90A1A7FA}"/>
+                </c:ext>
+              </c:extLst>
+            </c:dLbl>
+            <c:dLbl>
+              <c:idx val="2"/>
+              <c:layout>
+                <c:manualLayout>
+                  <c:x val="9.6875000000000003E-2"/>
+                  <c:y val="-8.5936501967686754E-17"/>
+                </c:manualLayout>
+              </c:layout>
+              <c:showLegendKey val="0"/>
+              <c:showVal val="1"/>
+              <c:showCatName val="0"/>
+              <c:showSerName val="0"/>
+              <c:showPercent val="0"/>
+              <c:showBubbleSize val="0"/>
+              <c:extLst>
+                <c:ext xmlns:c15="http://schemas.microsoft.com/office/drawing/2012/chart" uri="{CE6537A1-D6FC-4f65-9D91-7224C49458BB}"/>
+                <c:ext xmlns:c16="http://schemas.microsoft.com/office/drawing/2014/chart" uri="{C3380CC4-5D6E-409C-BE32-E72D297353CC}">
+                  <c16:uniqueId val="{00000006-66D0-CA4C-A1CC-901F90A1A7FA}"/>
+                </c:ext>
+              </c:extLst>
+            </c:dLbl>
             <c:spPr>
               <a:noFill/>
               <a:ln>
@@ -1173,22 +2294,20 @@
               <a:effectLst/>
             </c:spPr>
             <c:txPr>
-              <a:bodyPr rot="0" spcFirstLastPara="1" vertOverflow="ellipsis" vert="horz" wrap="square" lIns="38100" tIns="19050" rIns="38100" bIns="19050" anchor="ctr" anchorCtr="1">
-                <a:spAutoFit/>
-              </a:bodyPr>
+              <a:bodyPr rot="0" spcFirstLastPara="1" vertOverflow="ellipsis" vert="horz" wrap="square" anchor="ctr" anchorCtr="1"/>
               <a:lstStyle/>
               <a:p>
                 <a:pPr>
-                  <a:defRPr sz="1197" b="0" i="0" u="none" strike="noStrike" kern="1200" baseline="0">
+                  <a:defRPr sz="1600" b="0" i="0" u="none" strike="noStrike" kern="1200" baseline="0">
                     <a:solidFill>
                       <a:schemeClr val="tx1">
                         <a:lumMod val="75000"/>
                         <a:lumOff val="25000"/>
                       </a:schemeClr>
                     </a:solidFill>
-                    <a:latin typeface="+mn-lt"/>
+                    <a:latin typeface="Times New Roman" panose="02020603050405020304" pitchFamily="18" charset="0"/>
                     <a:ea typeface="+mn-ea"/>
-                    <a:cs typeface="+mn-cs"/>
+                    <a:cs typeface="Times New Roman" panose="02020603050405020304" pitchFamily="18" charset="0"/>
                   </a:defRPr>
                 </a:pPr>
                 <a:endParaRPr lang="de-DE"/>
@@ -1279,10 +2398,14 @@
           </c:tx>
           <c:spPr>
             <a:solidFill>
-              <a:schemeClr val="accent3"/>
+              <a:schemeClr val="bg1">
+                <a:lumMod val="75000"/>
+              </a:schemeClr>
             </a:solidFill>
             <a:ln>
-              <a:noFill/>
+              <a:solidFill>
+                <a:schemeClr val="tx1"/>
+              </a:solidFill>
             </a:ln>
             <a:effectLst/>
           </c:spPr>
@@ -1292,8 +2415,8 @@
               <c:idx val="0"/>
               <c:layout>
                 <c:manualLayout>
-                  <c:x val="0"/>
-                  <c:y val="-2.1093748702402271E-2"/>
+                  <c:x val="8.2812499999999997E-2"/>
+                  <c:y val="-7.0312495674674236E-3"/>
                 </c:manualLayout>
               </c:layout>
               <c:showLegendKey val="0"/>
@@ -1309,6 +2432,48 @@
                 </c:ext>
               </c:extLst>
             </c:dLbl>
+            <c:dLbl>
+              <c:idx val="1"/>
+              <c:layout>
+                <c:manualLayout>
+                  <c:x val="9.2187500000000006E-2"/>
+                  <c:y val="-1.1718749279112373E-2"/>
+                </c:manualLayout>
+              </c:layout>
+              <c:showLegendKey val="0"/>
+              <c:showVal val="1"/>
+              <c:showCatName val="0"/>
+              <c:showSerName val="0"/>
+              <c:showPercent val="0"/>
+              <c:showBubbleSize val="0"/>
+              <c:extLst>
+                <c:ext xmlns:c15="http://schemas.microsoft.com/office/drawing/2012/chart" uri="{CE6537A1-D6FC-4f65-9D91-7224C49458BB}"/>
+                <c:ext xmlns:c16="http://schemas.microsoft.com/office/drawing/2014/chart" uri="{C3380CC4-5D6E-409C-BE32-E72D297353CC}">
+                  <c16:uniqueId val="{00000002-66D0-CA4C-A1CC-901F90A1A7FA}"/>
+                </c:ext>
+              </c:extLst>
+            </c:dLbl>
+            <c:dLbl>
+              <c:idx val="2"/>
+              <c:layout>
+                <c:manualLayout>
+                  <c:x val="8.9062499999999892E-2"/>
+                  <c:y val="0"/>
+                </c:manualLayout>
+              </c:layout>
+              <c:showLegendKey val="0"/>
+              <c:showVal val="1"/>
+              <c:showCatName val="0"/>
+              <c:showSerName val="0"/>
+              <c:showPercent val="0"/>
+              <c:showBubbleSize val="0"/>
+              <c:extLst>
+                <c:ext xmlns:c15="http://schemas.microsoft.com/office/drawing/2012/chart" uri="{CE6537A1-D6FC-4f65-9D91-7224C49458BB}"/>
+                <c:ext xmlns:c16="http://schemas.microsoft.com/office/drawing/2014/chart" uri="{C3380CC4-5D6E-409C-BE32-E72D297353CC}">
+                  <c16:uniqueId val="{00000003-66D0-CA4C-A1CC-901F90A1A7FA}"/>
+                </c:ext>
+              </c:extLst>
+            </c:dLbl>
             <c:spPr>
               <a:noFill/>
               <a:ln>
@@ -1317,22 +2482,20 @@
               <a:effectLst/>
             </c:spPr>
             <c:txPr>
-              <a:bodyPr rot="0" spcFirstLastPara="1" vertOverflow="ellipsis" vert="horz" wrap="square" lIns="38100" tIns="19050" rIns="38100" bIns="19050" anchor="ctr" anchorCtr="1">
-                <a:spAutoFit/>
-              </a:bodyPr>
+              <a:bodyPr rot="0" spcFirstLastPara="1" vertOverflow="ellipsis" vert="horz" wrap="square" anchor="ctr" anchorCtr="1"/>
               <a:lstStyle/>
               <a:p>
                 <a:pPr>
-                  <a:defRPr sz="1197" b="0" i="0" u="none" strike="noStrike" kern="1200" baseline="0">
+                  <a:defRPr sz="1600" b="0" i="0" u="none" strike="noStrike" kern="1200" baseline="0">
                     <a:solidFill>
                       <a:schemeClr val="tx1">
                         <a:lumMod val="75000"/>
                         <a:lumOff val="25000"/>
                       </a:schemeClr>
                     </a:solidFill>
-                    <a:latin typeface="+mn-lt"/>
+                    <a:latin typeface="Times New Roman" panose="02020603050405020304" pitchFamily="18" charset="0"/>
                     <a:ea typeface="+mn-ea"/>
-                    <a:cs typeface="+mn-cs"/>
+                    <a:cs typeface="Times New Roman" panose="02020603050405020304" pitchFamily="18" charset="0"/>
                   </a:defRPr>
                 </a:pPr>
                 <a:endParaRPr lang="de-DE"/>
@@ -1347,21 +2510,7 @@
             <c:showLeaderLines val="0"/>
             <c:extLst>
               <c:ext xmlns:c15="http://schemas.microsoft.com/office/drawing/2012/chart" uri="{CE6537A1-D6FC-4f65-9D91-7224C49458BB}">
-                <c15:showLeaderLines val="1"/>
-                <c15:leaderLines>
-                  <c:spPr>
-                    <a:ln w="9525" cap="flat" cmpd="sng" algn="ctr">
-                      <a:solidFill>
-                        <a:schemeClr val="tx1">
-                          <a:lumMod val="35000"/>
-                          <a:lumOff val="65000"/>
-                        </a:schemeClr>
-                      </a:solidFill>
-                      <a:round/>
-                    </a:ln>
-                    <a:effectLst/>
-                  </c:spPr>
-                </c15:leaderLines>
+                <c15:showLeaderLines val="0"/>
               </c:ext>
             </c:extLst>
           </c:dLbls>
@@ -1427,7 +2576,62 @@
         </c:scaling>
         <c:delete val="0"/>
         <c:axPos val="b"/>
-        <c:numFmt formatCode="General" sourceLinked="1"/>
+        <c:title>
+          <c:tx>
+            <c:rich>
+              <a:bodyPr rot="0" spcFirstLastPara="1" vertOverflow="ellipsis" vert="horz" wrap="square" anchor="ctr" anchorCtr="1"/>
+              <a:lstStyle/>
+              <a:p>
+                <a:pPr>
+                  <a:defRPr sz="1600" b="0" i="0" u="none" strike="noStrike" kern="1200" baseline="0">
+                    <a:solidFill>
+                      <a:schemeClr val="tx1">
+                        <a:lumMod val="65000"/>
+                        <a:lumOff val="35000"/>
+                      </a:schemeClr>
+                    </a:solidFill>
+                    <a:latin typeface="Times New Roman" panose="02020603050405020304" pitchFamily="18" charset="0"/>
+                    <a:ea typeface="+mn-ea"/>
+                    <a:cs typeface="Times New Roman" panose="02020603050405020304" pitchFamily="18" charset="0"/>
+                  </a:defRPr>
+                </a:pPr>
+                <a:r>
+                  <a:rPr lang="en-US"/>
+                  <a:t>Number of loaded logs</a:t>
+                </a:r>
+              </a:p>
+            </c:rich>
+          </c:tx>
+          <c:overlay val="0"/>
+          <c:spPr>
+            <a:noFill/>
+            <a:ln>
+              <a:noFill/>
+            </a:ln>
+            <a:effectLst/>
+          </c:spPr>
+          <c:txPr>
+            <a:bodyPr rot="0" spcFirstLastPara="1" vertOverflow="ellipsis" vert="horz" wrap="square" anchor="ctr" anchorCtr="1"/>
+            <a:lstStyle/>
+            <a:p>
+              <a:pPr>
+                <a:defRPr sz="1600" b="0" i="0" u="none" strike="noStrike" kern="1200" baseline="0">
+                  <a:solidFill>
+                    <a:schemeClr val="tx1">
+                      <a:lumMod val="65000"/>
+                      <a:lumOff val="35000"/>
+                    </a:schemeClr>
+                  </a:solidFill>
+                  <a:latin typeface="Times New Roman" panose="02020603050405020304" pitchFamily="18" charset="0"/>
+                  <a:ea typeface="+mn-ea"/>
+                  <a:cs typeface="Times New Roman" panose="02020603050405020304" pitchFamily="18" charset="0"/>
+                </a:defRPr>
+              </a:pPr>
+              <a:endParaRPr lang="de-DE"/>
+            </a:p>
+          </c:txPr>
+        </c:title>
+        <c:numFmt formatCode="General" sourceLinked="0"/>
         <c:majorTickMark val="none"/>
         <c:minorTickMark val="none"/>
         <c:tickLblPos val="nextTo"/>
@@ -1449,16 +2653,16 @@
           <a:lstStyle/>
           <a:p>
             <a:pPr>
-              <a:defRPr sz="1197" b="0" i="0" u="none" strike="noStrike" kern="1200" baseline="0">
+              <a:defRPr sz="1600" b="0" i="0" u="none" strike="noStrike" kern="1200" baseline="0">
                 <a:solidFill>
                   <a:schemeClr val="tx1">
                     <a:lumMod val="65000"/>
                     <a:lumOff val="35000"/>
                   </a:schemeClr>
                 </a:solidFill>
-                <a:latin typeface="+mn-lt"/>
+                <a:latin typeface="Times New Roman" panose="02020603050405020304" pitchFamily="18" charset="0"/>
                 <a:ea typeface="+mn-ea"/>
-                <a:cs typeface="+mn-cs"/>
+                <a:cs typeface="Times New Roman" panose="02020603050405020304" pitchFamily="18" charset="0"/>
               </a:defRPr>
             </a:pPr>
             <a:endParaRPr lang="de-DE"/>
@@ -1475,6 +2679,7 @@
         <c:axId val="211452512"/>
         <c:scaling>
           <c:orientation val="minMax"/>
+          <c:max val="350"/>
         </c:scaling>
         <c:delete val="0"/>
         <c:axPos val="l"/>
@@ -1492,6 +2697,69 @@
             <a:effectLst/>
           </c:spPr>
         </c:majorGridlines>
+        <c:title>
+          <c:tx>
+            <c:rich>
+              <a:bodyPr rot="-5400000" spcFirstLastPara="1" vertOverflow="ellipsis" vert="horz" wrap="square" anchor="ctr" anchorCtr="1"/>
+              <a:lstStyle/>
+              <a:p>
+                <a:pPr>
+                  <a:defRPr sz="1600" b="0" i="0" u="none" strike="noStrike" kern="1200" baseline="0">
+                    <a:solidFill>
+                      <a:schemeClr val="tx1">
+                        <a:lumMod val="65000"/>
+                        <a:lumOff val="35000"/>
+                      </a:schemeClr>
+                    </a:solidFill>
+                    <a:latin typeface="Times New Roman" panose="02020603050405020304" pitchFamily="18" charset="0"/>
+                    <a:ea typeface="+mn-ea"/>
+                    <a:cs typeface="Times New Roman" panose="02020603050405020304" pitchFamily="18" charset="0"/>
+                  </a:defRPr>
+                </a:pPr>
+                <a:r>
+                  <a:rPr lang="en-US"/>
+                  <a:t>Duration in milliseconds</a:t>
+                </a:r>
+              </a:p>
+            </c:rich>
+          </c:tx>
+          <c:layout>
+            <c:manualLayout>
+              <c:xMode val="edge"/>
+              <c:yMode val="edge"/>
+              <c:x val="1.648550724637681E-3"/>
+              <c:y val="0.31294670138888886"/>
+            </c:manualLayout>
+          </c:layout>
+          <c:overlay val="0"/>
+          <c:spPr>
+            <a:noFill/>
+            <a:ln>
+              <a:noFill/>
+            </a:ln>
+            <a:effectLst/>
+          </c:spPr>
+          <c:txPr>
+            <a:bodyPr rot="-5400000" spcFirstLastPara="1" vertOverflow="ellipsis" vert="horz" wrap="square" anchor="ctr" anchorCtr="1"/>
+            <a:lstStyle/>
+            <a:p>
+              <a:pPr>
+                <a:defRPr sz="1600" b="0" i="0" u="none" strike="noStrike" kern="1200" baseline="0">
+                  <a:solidFill>
+                    <a:schemeClr val="tx1">
+                      <a:lumMod val="65000"/>
+                      <a:lumOff val="35000"/>
+                    </a:schemeClr>
+                  </a:solidFill>
+                  <a:latin typeface="Times New Roman" panose="02020603050405020304" pitchFamily="18" charset="0"/>
+                  <a:ea typeface="+mn-ea"/>
+                  <a:cs typeface="Times New Roman" panose="02020603050405020304" pitchFamily="18" charset="0"/>
+                </a:defRPr>
+              </a:pPr>
+              <a:endParaRPr lang="de-DE"/>
+            </a:p>
+          </c:txPr>
+        </c:title>
         <c:numFmt formatCode="0.00" sourceLinked="1"/>
         <c:majorTickMark val="none"/>
         <c:minorTickMark val="none"/>
@@ -1508,16 +2776,16 @@
           <a:lstStyle/>
           <a:p>
             <a:pPr>
-              <a:defRPr sz="1197" b="0" i="0" u="none" strike="noStrike" kern="1200" baseline="0">
+              <a:defRPr sz="1600" b="0" i="0" u="none" strike="noStrike" kern="1200" baseline="0">
                 <a:solidFill>
                   <a:schemeClr val="tx1">
                     <a:lumMod val="65000"/>
                     <a:lumOff val="35000"/>
                   </a:schemeClr>
                 </a:solidFill>
-                <a:latin typeface="+mn-lt"/>
+                <a:latin typeface="Times New Roman" panose="02020603050405020304" pitchFamily="18" charset="0"/>
                 <a:ea typeface="+mn-ea"/>
-                <a:cs typeface="+mn-cs"/>
+                <a:cs typeface="Times New Roman" panose="02020603050405020304" pitchFamily="18" charset="0"/>
               </a:defRPr>
             </a:pPr>
             <a:endParaRPr lang="de-DE"/>
@@ -1550,16 +2818,16 @@
         <a:lstStyle/>
         <a:p>
           <a:pPr>
-            <a:defRPr sz="1197" b="0" i="0" u="none" strike="noStrike" kern="1200" baseline="0">
+            <a:defRPr sz="1600" b="0" i="0" u="none" strike="noStrike" kern="1200" baseline="0">
               <a:solidFill>
                 <a:schemeClr val="tx1">
                   <a:lumMod val="65000"/>
                   <a:lumOff val="35000"/>
                 </a:schemeClr>
               </a:solidFill>
-              <a:latin typeface="+mn-lt"/>
+              <a:latin typeface="Times New Roman" panose="02020603050405020304" pitchFamily="18" charset="0"/>
               <a:ea typeface="+mn-ea"/>
-              <a:cs typeface="+mn-cs"/>
+              <a:cs typeface="Times New Roman" panose="02020603050405020304" pitchFamily="18" charset="0"/>
             </a:defRPr>
           </a:pPr>
           <a:endParaRPr lang="de-DE"/>
@@ -1589,708 +2857,10 @@
     <a:lstStyle/>
     <a:p>
       <a:pPr>
-        <a:defRPr/>
-      </a:pPr>
-      <a:endParaRPr lang="de-DE"/>
-    </a:p>
-  </c:txPr>
-  <c:externalData r:id="rId3">
-    <c:autoUpdate val="0"/>
-  </c:externalData>
-</c:chartSpace>
-</file>
-
-<file path=ppt/charts/chart3.xml><?xml version="1.0" encoding="utf-8"?>
-<c:chartSpace xmlns:c="http://schemas.openxmlformats.org/drawingml/2006/chart" xmlns:a="http://schemas.openxmlformats.org/drawingml/2006/main" xmlns:r="http://schemas.openxmlformats.org/officeDocument/2006/relationships" xmlns:c16r2="http://schemas.microsoft.com/office/drawing/2015/06/chart">
-  <c:date1904 val="0"/>
-  <c:lang val="de-DE"/>
-  <c:roundedCorners val="0"/>
-  <mc:AlternateContent xmlns:mc="http://schemas.openxmlformats.org/markup-compatibility/2006">
-    <mc:Choice xmlns:c14="http://schemas.microsoft.com/office/drawing/2007/8/2/chart" Requires="c14">
-      <c14:style val="102"/>
-    </mc:Choice>
-    <mc:Fallback>
-      <c:style val="2"/>
-    </mc:Fallback>
-  </mc:AlternateContent>
-  <c:chart>
-    <c:title>
-      <c:tx>
-        <c:rich>
-          <a:bodyPr rot="0" spcFirstLastPara="1" vertOverflow="ellipsis" vert="horz" wrap="square" anchor="ctr" anchorCtr="1"/>
-          <a:lstStyle/>
-          <a:p>
-            <a:pPr>
-              <a:defRPr sz="1862" b="0" i="0" u="none" strike="noStrike" kern="1200" spc="0" baseline="0">
-                <a:solidFill>
-                  <a:schemeClr val="tx1">
-                    <a:lumMod val="65000"/>
-                    <a:lumOff val="35000"/>
-                  </a:schemeClr>
-                </a:solidFill>
-                <a:latin typeface="+mn-lt"/>
-                <a:ea typeface="+mn-ea"/>
-                <a:cs typeface="+mn-cs"/>
-              </a:defRPr>
-            </a:pPr>
-            <a:r>
-              <a:rPr lang="en-US" dirty="0"/>
-              <a:t>Unencrypted data</a:t>
-            </a:r>
-          </a:p>
-        </c:rich>
-      </c:tx>
-      <c:overlay val="0"/>
-      <c:spPr>
-        <a:noFill/>
-        <a:ln>
-          <a:noFill/>
-        </a:ln>
-        <a:effectLst/>
-      </c:spPr>
-      <c:txPr>
-        <a:bodyPr rot="0" spcFirstLastPara="1" vertOverflow="ellipsis" vert="horz" wrap="square" anchor="ctr" anchorCtr="1"/>
-        <a:lstStyle/>
-        <a:p>
-          <a:pPr>
-            <a:defRPr sz="1862" b="0" i="0" u="none" strike="noStrike" kern="1200" spc="0" baseline="0">
-              <a:solidFill>
-                <a:schemeClr val="tx1">
-                  <a:lumMod val="65000"/>
-                  <a:lumOff val="35000"/>
-                </a:schemeClr>
-              </a:solidFill>
-              <a:latin typeface="+mn-lt"/>
-              <a:ea typeface="+mn-ea"/>
-              <a:cs typeface="+mn-cs"/>
-            </a:defRPr>
-          </a:pPr>
-          <a:endParaRPr lang="de-DE"/>
-        </a:p>
-      </c:txPr>
-    </c:title>
-    <c:autoTitleDeleted val="0"/>
-    <c:plotArea>
-      <c:layout/>
-      <c:barChart>
-        <c:barDir val="col"/>
-        <c:grouping val="stacked"/>
-        <c:varyColors val="0"/>
-        <c:ser>
-          <c:idx val="0"/>
-          <c:order val="0"/>
-          <c:tx>
-            <c:strRef>
-              <c:f>Tabelle1!$B$1</c:f>
-              <c:strCache>
-                <c:ptCount val="1"/>
-                <c:pt idx="0">
-                  <c:v>DB access</c:v>
-                </c:pt>
-              </c:strCache>
-            </c:strRef>
-          </c:tx>
-          <c:spPr>
-            <a:solidFill>
-              <a:schemeClr val="accent1"/>
-            </a:solidFill>
-            <a:ln>
-              <a:noFill/>
-            </a:ln>
-            <a:effectLst/>
-          </c:spPr>
-          <c:invertIfNegative val="0"/>
-          <c:dLbls>
-            <c:spPr>
-              <a:noFill/>
-              <a:ln>
-                <a:noFill/>
-              </a:ln>
-              <a:effectLst/>
-            </c:spPr>
-            <c:txPr>
-              <a:bodyPr rot="0" spcFirstLastPara="1" vertOverflow="ellipsis" vert="horz" wrap="square" lIns="38100" tIns="19050" rIns="38100" bIns="19050" anchor="ctr" anchorCtr="1">
-                <a:spAutoFit/>
-              </a:bodyPr>
-              <a:lstStyle/>
-              <a:p>
-                <a:pPr>
-                  <a:defRPr sz="1197" b="0" i="0" u="none" strike="noStrike" kern="1200" baseline="0">
-                    <a:solidFill>
-                      <a:schemeClr val="tx1">
-                        <a:lumMod val="75000"/>
-                        <a:lumOff val="25000"/>
-                      </a:schemeClr>
-                    </a:solidFill>
-                    <a:latin typeface="+mn-lt"/>
-                    <a:ea typeface="+mn-ea"/>
-                    <a:cs typeface="+mn-cs"/>
-                  </a:defRPr>
-                </a:pPr>
-                <a:endParaRPr lang="de-DE"/>
-              </a:p>
-            </c:txPr>
-            <c:showLegendKey val="0"/>
-            <c:showVal val="1"/>
-            <c:showCatName val="0"/>
-            <c:showSerName val="0"/>
-            <c:showPercent val="0"/>
-            <c:showBubbleSize val="0"/>
-            <c:showLeaderLines val="0"/>
-            <c:extLst>
-              <c:ext xmlns:c15="http://schemas.microsoft.com/office/drawing/2012/chart" uri="{CE6537A1-D6FC-4f65-9D91-7224C49458BB}">
-                <c15:showLeaderLines val="1"/>
-                <c15:leaderLines>
-                  <c:spPr>
-                    <a:ln w="9525" cap="flat" cmpd="sng" algn="ctr">
-                      <a:solidFill>
-                        <a:schemeClr val="tx1">
-                          <a:lumMod val="35000"/>
-                          <a:lumOff val="65000"/>
-                        </a:schemeClr>
-                      </a:solidFill>
-                      <a:round/>
-                    </a:ln>
-                    <a:effectLst/>
-                  </c:spPr>
-                </c15:leaderLines>
-              </c:ext>
-            </c:extLst>
-          </c:dLbls>
-          <c:cat>
-            <c:numRef>
-              <c:f>Tabelle1!$A$2:$A$4</c:f>
-              <c:numCache>
-                <c:formatCode>General</c:formatCode>
-                <c:ptCount val="3"/>
-                <c:pt idx="0">
-                  <c:v>1</c:v>
-                </c:pt>
-                <c:pt idx="1">
-                  <c:v>10</c:v>
-                </c:pt>
-                <c:pt idx="2">
-                  <c:v>100</c:v>
-                </c:pt>
-              </c:numCache>
-            </c:numRef>
-          </c:cat>
-          <c:val>
-            <c:numRef>
-              <c:f>Tabelle1!$B$2:$B$4</c:f>
-              <c:numCache>
-                <c:formatCode>0.00</c:formatCode>
-                <c:ptCount val="3"/>
-                <c:pt idx="0">
-                  <c:v>93</c:v>
-                </c:pt>
-                <c:pt idx="1">
-                  <c:v>101</c:v>
-                </c:pt>
-                <c:pt idx="2">
-                  <c:v>115</c:v>
-                </c:pt>
-              </c:numCache>
-            </c:numRef>
-          </c:val>
-          <c:extLst>
-            <c:ext xmlns:c16="http://schemas.microsoft.com/office/drawing/2014/chart" uri="{C3380CC4-5D6E-409C-BE32-E72D297353CC}">
-              <c16:uniqueId val="{00000000-5382-8947-8D0F-3C6635661ACE}"/>
-            </c:ext>
-          </c:extLst>
-        </c:ser>
-        <c:ser>
-          <c:idx val="1"/>
-          <c:order val="1"/>
-          <c:tx>
-            <c:strRef>
-              <c:f>Tabelle1!$C$1</c:f>
-              <c:strCache>
-                <c:ptCount val="1"/>
-                <c:pt idx="0">
-                  <c:v>Server computation</c:v>
-                </c:pt>
-              </c:strCache>
-            </c:strRef>
-          </c:tx>
-          <c:spPr>
-            <a:solidFill>
-              <a:schemeClr val="accent2"/>
-            </a:solidFill>
-            <a:ln>
-              <a:noFill/>
-            </a:ln>
-            <a:effectLst/>
-          </c:spPr>
-          <c:invertIfNegative val="0"/>
-          <c:dLbls>
-            <c:spPr>
-              <a:noFill/>
-              <a:ln>
-                <a:noFill/>
-              </a:ln>
-              <a:effectLst/>
-            </c:spPr>
-            <c:txPr>
-              <a:bodyPr rot="0" spcFirstLastPara="1" vertOverflow="ellipsis" vert="horz" wrap="square" lIns="38100" tIns="19050" rIns="38100" bIns="19050" anchor="ctr" anchorCtr="1">
-                <a:spAutoFit/>
-              </a:bodyPr>
-              <a:lstStyle/>
-              <a:p>
-                <a:pPr>
-                  <a:defRPr sz="1197" b="0" i="0" u="none" strike="noStrike" kern="1200" baseline="0">
-                    <a:solidFill>
-                      <a:schemeClr val="tx1">
-                        <a:lumMod val="75000"/>
-                        <a:lumOff val="25000"/>
-                      </a:schemeClr>
-                    </a:solidFill>
-                    <a:latin typeface="+mn-lt"/>
-                    <a:ea typeface="+mn-ea"/>
-                    <a:cs typeface="+mn-cs"/>
-                  </a:defRPr>
-                </a:pPr>
-                <a:endParaRPr lang="de-DE"/>
-              </a:p>
-            </c:txPr>
-            <c:showLegendKey val="0"/>
-            <c:showVal val="1"/>
-            <c:showCatName val="0"/>
-            <c:showSerName val="0"/>
-            <c:showPercent val="0"/>
-            <c:showBubbleSize val="0"/>
-            <c:showLeaderLines val="0"/>
-            <c:extLst>
-              <c:ext xmlns:c15="http://schemas.microsoft.com/office/drawing/2012/chart" uri="{CE6537A1-D6FC-4f65-9D91-7224C49458BB}">
-                <c15:showLeaderLines val="1"/>
-                <c15:leaderLines>
-                  <c:spPr>
-                    <a:ln w="9525" cap="flat" cmpd="sng" algn="ctr">
-                      <a:solidFill>
-                        <a:schemeClr val="tx1">
-                          <a:lumMod val="35000"/>
-                          <a:lumOff val="65000"/>
-                        </a:schemeClr>
-                      </a:solidFill>
-                      <a:round/>
-                    </a:ln>
-                    <a:effectLst/>
-                  </c:spPr>
-                </c15:leaderLines>
-              </c:ext>
-            </c:extLst>
-          </c:dLbls>
-          <c:cat>
-            <c:numRef>
-              <c:f>Tabelle1!$A$2:$A$4</c:f>
-              <c:numCache>
-                <c:formatCode>General</c:formatCode>
-                <c:ptCount val="3"/>
-                <c:pt idx="0">
-                  <c:v>1</c:v>
-                </c:pt>
-                <c:pt idx="1">
-                  <c:v>10</c:v>
-                </c:pt>
-                <c:pt idx="2">
-                  <c:v>100</c:v>
-                </c:pt>
-              </c:numCache>
-            </c:numRef>
-          </c:cat>
-          <c:val>
-            <c:numRef>
-              <c:f>Tabelle1!$C$2:$C$4</c:f>
-              <c:numCache>
-                <c:formatCode>0.00</c:formatCode>
-                <c:ptCount val="3"/>
-                <c:pt idx="0">
-                  <c:v>49.650000000000006</c:v>
-                </c:pt>
-                <c:pt idx="1">
-                  <c:v>47.27000000000001</c:v>
-                </c:pt>
-                <c:pt idx="2">
-                  <c:v>126.50999999999999</c:v>
-                </c:pt>
-              </c:numCache>
-            </c:numRef>
-          </c:val>
-          <c:extLst>
-            <c:ext xmlns:c16="http://schemas.microsoft.com/office/drawing/2014/chart" uri="{C3380CC4-5D6E-409C-BE32-E72D297353CC}">
-              <c16:uniqueId val="{00000001-5382-8947-8D0F-3C6635661ACE}"/>
-            </c:ext>
-          </c:extLst>
-        </c:ser>
-        <c:ser>
-          <c:idx val="2"/>
-          <c:order val="2"/>
-          <c:tx>
-            <c:strRef>
-              <c:f>Tabelle1!$D$1</c:f>
-              <c:strCache>
-                <c:ptCount val="1"/>
-                <c:pt idx="0">
-                  <c:v>Client computation</c:v>
-                </c:pt>
-              </c:strCache>
-            </c:strRef>
-          </c:tx>
-          <c:spPr>
-            <a:solidFill>
-              <a:schemeClr val="accent3"/>
-            </a:solidFill>
-            <a:ln>
-              <a:noFill/>
-            </a:ln>
-            <a:effectLst/>
-          </c:spPr>
-          <c:invertIfNegative val="0"/>
-          <c:dLbls>
-            <c:dLbl>
-              <c:idx val="0"/>
-              <c:layout>
-                <c:manualLayout>
-                  <c:x val="0"/>
-                  <c:y val="-2.1093748702402271E-2"/>
-                </c:manualLayout>
-              </c:layout>
-              <c:showLegendKey val="0"/>
-              <c:showVal val="1"/>
-              <c:showCatName val="0"/>
-              <c:showSerName val="0"/>
-              <c:showPercent val="0"/>
-              <c:showBubbleSize val="0"/>
-              <c:extLst>
-                <c:ext xmlns:c15="http://schemas.microsoft.com/office/drawing/2012/chart" uri="{CE6537A1-D6FC-4f65-9D91-7224C49458BB}"/>
-                <c:ext xmlns:c16="http://schemas.microsoft.com/office/drawing/2014/chart" uri="{C3380CC4-5D6E-409C-BE32-E72D297353CC}">
-                  <c16:uniqueId val="{00000005-5382-8947-8D0F-3C6635661ACE}"/>
-                </c:ext>
-              </c:extLst>
-            </c:dLbl>
-            <c:dLbl>
-              <c:idx val="1"/>
-              <c:layout>
-                <c:manualLayout>
-                  <c:x val="-5.729100483608997E-17"/>
-                  <c:y val="-3.0468748125692169E-2"/>
-                </c:manualLayout>
-              </c:layout>
-              <c:showLegendKey val="0"/>
-              <c:showVal val="1"/>
-              <c:showCatName val="0"/>
-              <c:showSerName val="0"/>
-              <c:showPercent val="0"/>
-              <c:showBubbleSize val="0"/>
-              <c:extLst>
-                <c:ext xmlns:c15="http://schemas.microsoft.com/office/drawing/2012/chart" uri="{CE6537A1-D6FC-4f65-9D91-7224C49458BB}"/>
-                <c:ext xmlns:c16="http://schemas.microsoft.com/office/drawing/2014/chart" uri="{C3380CC4-5D6E-409C-BE32-E72D297353CC}">
-                  <c16:uniqueId val="{00000002-66D0-CA4C-A1CC-901F90A1A7FA}"/>
-                </c:ext>
-              </c:extLst>
-            </c:dLbl>
-            <c:dLbl>
-              <c:idx val="2"/>
-              <c:layout>
-                <c:manualLayout>
-                  <c:x val="-1.1458200967217994E-16"/>
-                  <c:y val="-2.3437498558224787E-2"/>
-                </c:manualLayout>
-              </c:layout>
-              <c:showLegendKey val="0"/>
-              <c:showVal val="1"/>
-              <c:showCatName val="0"/>
-              <c:showSerName val="0"/>
-              <c:showPercent val="0"/>
-              <c:showBubbleSize val="0"/>
-              <c:extLst>
-                <c:ext xmlns:c15="http://schemas.microsoft.com/office/drawing/2012/chart" uri="{CE6537A1-D6FC-4f65-9D91-7224C49458BB}"/>
-                <c:ext xmlns:c16="http://schemas.microsoft.com/office/drawing/2014/chart" uri="{C3380CC4-5D6E-409C-BE32-E72D297353CC}">
-                  <c16:uniqueId val="{00000003-66D0-CA4C-A1CC-901F90A1A7FA}"/>
-                </c:ext>
-              </c:extLst>
-            </c:dLbl>
-            <c:spPr>
-              <a:noFill/>
-              <a:ln>
-                <a:noFill/>
-              </a:ln>
-              <a:effectLst/>
-            </c:spPr>
-            <c:txPr>
-              <a:bodyPr rot="0" spcFirstLastPara="1" vertOverflow="ellipsis" vert="horz" wrap="square" lIns="38100" tIns="19050" rIns="38100" bIns="19050" anchor="ctr" anchorCtr="1">
-                <a:spAutoFit/>
-              </a:bodyPr>
-              <a:lstStyle/>
-              <a:p>
-                <a:pPr>
-                  <a:defRPr sz="1197" b="0" i="0" u="none" strike="noStrike" kern="1200" baseline="0">
-                    <a:solidFill>
-                      <a:schemeClr val="tx1">
-                        <a:lumMod val="75000"/>
-                        <a:lumOff val="25000"/>
-                      </a:schemeClr>
-                    </a:solidFill>
-                    <a:latin typeface="+mn-lt"/>
-                    <a:ea typeface="+mn-ea"/>
-                    <a:cs typeface="+mn-cs"/>
-                  </a:defRPr>
-                </a:pPr>
-                <a:endParaRPr lang="de-DE"/>
-              </a:p>
-            </c:txPr>
-            <c:showLegendKey val="0"/>
-            <c:showVal val="1"/>
-            <c:showCatName val="0"/>
-            <c:showSerName val="0"/>
-            <c:showPercent val="0"/>
-            <c:showBubbleSize val="0"/>
-            <c:showLeaderLines val="0"/>
-            <c:extLst>
-              <c:ext xmlns:c15="http://schemas.microsoft.com/office/drawing/2012/chart" uri="{CE6537A1-D6FC-4f65-9D91-7224C49458BB}">
-                <c15:showLeaderLines val="1"/>
-                <c15:leaderLines>
-                  <c:spPr>
-                    <a:ln w="9525" cap="flat" cmpd="sng" algn="ctr">
-                      <a:solidFill>
-                        <a:schemeClr val="tx1">
-                          <a:lumMod val="35000"/>
-                          <a:lumOff val="65000"/>
-                        </a:schemeClr>
-                      </a:solidFill>
-                      <a:round/>
-                    </a:ln>
-                    <a:effectLst/>
-                  </c:spPr>
-                </c15:leaderLines>
-              </c:ext>
-            </c:extLst>
-          </c:dLbls>
-          <c:cat>
-            <c:numRef>
-              <c:f>Tabelle1!$A$2:$A$4</c:f>
-              <c:numCache>
-                <c:formatCode>General</c:formatCode>
-                <c:ptCount val="3"/>
-                <c:pt idx="0">
-                  <c:v>1</c:v>
-                </c:pt>
-                <c:pt idx="1">
-                  <c:v>10</c:v>
-                </c:pt>
-                <c:pt idx="2">
-                  <c:v>100</c:v>
-                </c:pt>
-              </c:numCache>
-            </c:numRef>
-          </c:cat>
-          <c:val>
-            <c:numRef>
-              <c:f>Tabelle1!$D$2:$D$4</c:f>
-              <c:numCache>
-                <c:formatCode>General</c:formatCode>
-                <c:ptCount val="3"/>
-                <c:pt idx="0">
-                  <c:v>0.21999999999999886</c:v>
-                </c:pt>
-                <c:pt idx="1">
-                  <c:v>0.5</c:v>
-                </c:pt>
-                <c:pt idx="2">
-                  <c:v>1.7300000000000182</c:v>
-                </c:pt>
-              </c:numCache>
-            </c:numRef>
-          </c:val>
-          <c:extLst>
-            <c:ext xmlns:c16="http://schemas.microsoft.com/office/drawing/2014/chart" uri="{C3380CC4-5D6E-409C-BE32-E72D297353CC}">
-              <c16:uniqueId val="{00000002-5382-8947-8D0F-3C6635661ACE}"/>
-            </c:ext>
-          </c:extLst>
-        </c:ser>
-        <c:dLbls>
-          <c:showLegendKey val="0"/>
-          <c:showVal val="0"/>
-          <c:showCatName val="0"/>
-          <c:showSerName val="0"/>
-          <c:showPercent val="0"/>
-          <c:showBubbleSize val="0"/>
-        </c:dLbls>
-        <c:gapWidth val="150"/>
-        <c:overlap val="100"/>
-        <c:axId val="1937872000"/>
-        <c:axId val="211452512"/>
-      </c:barChart>
-      <c:catAx>
-        <c:axId val="1937872000"/>
-        <c:scaling>
-          <c:orientation val="minMax"/>
-        </c:scaling>
-        <c:delete val="0"/>
-        <c:axPos val="b"/>
-        <c:numFmt formatCode="General" sourceLinked="1"/>
-        <c:majorTickMark val="none"/>
-        <c:minorTickMark val="none"/>
-        <c:tickLblPos val="nextTo"/>
-        <c:spPr>
-          <a:noFill/>
-          <a:ln w="9525" cap="flat" cmpd="sng" algn="ctr">
-            <a:solidFill>
-              <a:schemeClr val="tx1">
-                <a:lumMod val="15000"/>
-                <a:lumOff val="85000"/>
-              </a:schemeClr>
-            </a:solidFill>
-            <a:round/>
-          </a:ln>
-          <a:effectLst/>
-        </c:spPr>
-        <c:txPr>
-          <a:bodyPr rot="-60000000" spcFirstLastPara="1" vertOverflow="ellipsis" vert="horz" wrap="square" anchor="ctr" anchorCtr="1"/>
-          <a:lstStyle/>
-          <a:p>
-            <a:pPr>
-              <a:defRPr sz="1197" b="0" i="0" u="none" strike="noStrike" kern="1200" baseline="0">
-                <a:solidFill>
-                  <a:schemeClr val="tx1">
-                    <a:lumMod val="65000"/>
-                    <a:lumOff val="35000"/>
-                  </a:schemeClr>
-                </a:solidFill>
-                <a:latin typeface="+mn-lt"/>
-                <a:ea typeface="+mn-ea"/>
-                <a:cs typeface="+mn-cs"/>
-              </a:defRPr>
-            </a:pPr>
-            <a:endParaRPr lang="de-DE"/>
-          </a:p>
-        </c:txPr>
-        <c:crossAx val="211452512"/>
-        <c:crosses val="autoZero"/>
-        <c:auto val="1"/>
-        <c:lblAlgn val="ctr"/>
-        <c:lblOffset val="100"/>
-        <c:noMultiLvlLbl val="0"/>
-      </c:catAx>
-      <c:valAx>
-        <c:axId val="211452512"/>
-        <c:scaling>
-          <c:orientation val="minMax"/>
-        </c:scaling>
-        <c:delete val="0"/>
-        <c:axPos val="l"/>
-        <c:majorGridlines>
-          <c:spPr>
-            <a:ln w="9525" cap="flat" cmpd="sng" algn="ctr">
-              <a:solidFill>
-                <a:schemeClr val="tx1">
-                  <a:lumMod val="15000"/>
-                  <a:lumOff val="85000"/>
-                </a:schemeClr>
-              </a:solidFill>
-              <a:round/>
-            </a:ln>
-            <a:effectLst/>
-          </c:spPr>
-        </c:majorGridlines>
-        <c:numFmt formatCode="0.00" sourceLinked="1"/>
-        <c:majorTickMark val="none"/>
-        <c:minorTickMark val="none"/>
-        <c:tickLblPos val="nextTo"/>
-        <c:spPr>
-          <a:noFill/>
-          <a:ln>
-            <a:noFill/>
-          </a:ln>
-          <a:effectLst/>
-        </c:spPr>
-        <c:txPr>
-          <a:bodyPr rot="-60000000" spcFirstLastPara="1" vertOverflow="ellipsis" vert="horz" wrap="square" anchor="ctr" anchorCtr="1"/>
-          <a:lstStyle/>
-          <a:p>
-            <a:pPr>
-              <a:defRPr sz="1197" b="0" i="0" u="none" strike="noStrike" kern="1200" baseline="0">
-                <a:solidFill>
-                  <a:schemeClr val="tx1">
-                    <a:lumMod val="65000"/>
-                    <a:lumOff val="35000"/>
-                  </a:schemeClr>
-                </a:solidFill>
-                <a:latin typeface="+mn-lt"/>
-                <a:ea typeface="+mn-ea"/>
-                <a:cs typeface="+mn-cs"/>
-              </a:defRPr>
-            </a:pPr>
-            <a:endParaRPr lang="de-DE"/>
-          </a:p>
-        </c:txPr>
-        <c:crossAx val="1937872000"/>
-        <c:crosses val="autoZero"/>
-        <c:crossBetween val="between"/>
-      </c:valAx>
-      <c:spPr>
-        <a:noFill/>
-        <a:ln>
-          <a:noFill/>
-        </a:ln>
-        <a:effectLst/>
-      </c:spPr>
-    </c:plotArea>
-    <c:legend>
-      <c:legendPos val="b"/>
-      <c:overlay val="0"/>
-      <c:spPr>
-        <a:noFill/>
-        <a:ln>
-          <a:noFill/>
-        </a:ln>
-        <a:effectLst/>
-      </c:spPr>
-      <c:txPr>
-        <a:bodyPr rot="0" spcFirstLastPara="1" vertOverflow="ellipsis" vert="horz" wrap="square" anchor="ctr" anchorCtr="1"/>
-        <a:lstStyle/>
-        <a:p>
-          <a:pPr>
-            <a:defRPr sz="1197" b="0" i="0" u="none" strike="noStrike" kern="1200" baseline="0">
-              <a:solidFill>
-                <a:schemeClr val="tx1">
-                  <a:lumMod val="65000"/>
-                  <a:lumOff val="35000"/>
-                </a:schemeClr>
-              </a:solidFill>
-              <a:latin typeface="+mn-lt"/>
-              <a:ea typeface="+mn-ea"/>
-              <a:cs typeface="+mn-cs"/>
-            </a:defRPr>
-          </a:pPr>
-          <a:endParaRPr lang="de-DE"/>
-        </a:p>
-      </c:txPr>
-    </c:legend>
-    <c:plotVisOnly val="1"/>
-    <c:dispBlanksAs val="gap"/>
-    <c:extLst>
-      <c:ext xmlns:c16r3="http://schemas.microsoft.com/office/drawing/2017/03/chart" uri="{56B9EC1D-385E-4148-901F-78D8002777C0}">
-        <c16r3:dataDisplayOptions16>
-          <c16r3:dispNaAsBlank val="1"/>
-        </c16r3:dataDisplayOptions16>
-      </c:ext>
-    </c:extLst>
-    <c:showDLblsOverMax val="0"/>
-  </c:chart>
-  <c:spPr>
-    <a:noFill/>
-    <a:ln>
-      <a:noFill/>
-    </a:ln>
-    <a:effectLst/>
-  </c:spPr>
-  <c:txPr>
-    <a:bodyPr/>
-    <a:lstStyle/>
-    <a:p>
-      <a:pPr>
-        <a:defRPr/>
+        <a:defRPr sz="1600">
+          <a:latin typeface="Times New Roman" panose="02020603050405020304" pitchFamily="18" charset="0"/>
+          <a:cs typeface="Times New Roman" panose="02020603050405020304" pitchFamily="18" charset="0"/>
+        </a:defRPr>
       </a:pPr>
       <a:endParaRPr lang="de-DE"/>
     </a:p>
@@ -7179,14 +7749,14 @@
           <p:nvPr>
             <p:extLst>
               <p:ext uri="{D42A27DB-BD31-4B8C-83A1-F6EECF244321}">
-                <p14:modId xmlns:p14="http://schemas.microsoft.com/office/powerpoint/2010/main" val="2811820892"/>
+                <p14:modId xmlns:p14="http://schemas.microsoft.com/office/powerpoint/2010/main" val="1802570077"/>
               </p:ext>
             </p:extLst>
           </p:nvPr>
         </p:nvGraphicFramePr>
         <p:xfrm>
           <a:off x="1042987" y="719666"/>
-          <a:ext cx="9868693" cy="5418667"/>
+          <a:ext cx="9396413" cy="5418667"/>
         </p:xfrm>
         <a:graphic>
           <a:graphicData uri="http://schemas.openxmlformats.org/drawingml/2006/chart">
@@ -7237,14 +7807,14 @@
           <p:nvPr>
             <p:extLst>
               <p:ext uri="{D42A27DB-BD31-4B8C-83A1-F6EECF244321}">
-                <p14:modId xmlns:p14="http://schemas.microsoft.com/office/powerpoint/2010/main" val="222298765"/>
+                <p14:modId xmlns:p14="http://schemas.microsoft.com/office/powerpoint/2010/main" val="2186084322"/>
               </p:ext>
             </p:extLst>
           </p:nvPr>
         </p:nvGraphicFramePr>
         <p:xfrm>
-          <a:off x="2032000" y="719666"/>
-          <a:ext cx="8128000" cy="5418667"/>
+          <a:off x="2031999" y="719665"/>
+          <a:ext cx="8280000" cy="5760000"/>
         </p:xfrm>
         <a:graphic>
           <a:graphicData uri="http://schemas.openxmlformats.org/drawingml/2006/chart">
@@ -7255,7 +7825,7 @@
     </p:spTree>
     <p:extLst>
       <p:ext uri="{BB962C8B-B14F-4D97-AF65-F5344CB8AC3E}">
-        <p14:creationId xmlns:p14="http://schemas.microsoft.com/office/powerpoint/2010/main" val="1772412689"/>
+        <p14:creationId xmlns:p14="http://schemas.microsoft.com/office/powerpoint/2010/main" val="1579511115"/>
       </p:ext>
     </p:extLst>
   </p:cSld>
@@ -7295,14 +7865,14 @@
           <p:nvPr>
             <p:extLst>
               <p:ext uri="{D42A27DB-BD31-4B8C-83A1-F6EECF244321}">
-                <p14:modId xmlns:p14="http://schemas.microsoft.com/office/powerpoint/2010/main" val="954334994"/>
+                <p14:modId xmlns:p14="http://schemas.microsoft.com/office/powerpoint/2010/main" val="1877641339"/>
               </p:ext>
             </p:extLst>
           </p:nvPr>
         </p:nvGraphicFramePr>
         <p:xfrm>
-          <a:off x="2032000" y="719666"/>
-          <a:ext cx="8128000" cy="5418667"/>
+          <a:off x="2031999" y="719665"/>
+          <a:ext cx="8280000" cy="5760000"/>
         </p:xfrm>
         <a:graphic>
           <a:graphicData uri="http://schemas.openxmlformats.org/drawingml/2006/chart">
@@ -7313,7 +7883,7 @@
     </p:spTree>
     <p:extLst>
       <p:ext uri="{BB962C8B-B14F-4D97-AF65-F5344CB8AC3E}">
-        <p14:creationId xmlns:p14="http://schemas.microsoft.com/office/powerpoint/2010/main" val="1579511115"/>
+        <p14:creationId xmlns:p14="http://schemas.microsoft.com/office/powerpoint/2010/main" val="502283426"/>
       </p:ext>
     </p:extLst>
   </p:cSld>
@@ -7404,6 +7974,89 @@
     <p:extLst>
       <p:ext uri="{BB962C8B-B14F-4D97-AF65-F5344CB8AC3E}">
         <p14:creationId xmlns:p14="http://schemas.microsoft.com/office/powerpoint/2010/main" val="1318879448"/>
+      </p:ext>
+    </p:extLst>
+  </p:cSld>
+  <p:clrMapOvr>
+    <a:masterClrMapping/>
+  </p:clrMapOvr>
+</p:sld>
+</file>
+
+<file path=ppt/slides/slide5.xml><?xml version="1.0" encoding="utf-8"?>
+<p:sld xmlns:a="http://schemas.openxmlformats.org/drawingml/2006/main" xmlns:r="http://schemas.openxmlformats.org/officeDocument/2006/relationships" xmlns:p="http://schemas.openxmlformats.org/presentationml/2006/main">
+  <p:cSld>
+    <p:spTree>
+      <p:nvGrpSpPr>
+        <p:cNvPr id="1" name=""/>
+        <p:cNvGrpSpPr/>
+        <p:nvPr/>
+      </p:nvGrpSpPr>
+      <p:grpSpPr>
+        <a:xfrm>
+          <a:off x="0" y="0"/>
+          <a:ext cx="0" cy="0"/>
+          <a:chOff x="0" y="0"/>
+          <a:chExt cx="0" cy="0"/>
+        </a:xfrm>
+      </p:grpSpPr>
+      <p:sp>
+        <p:nvSpPr>
+          <p:cNvPr id="2" name="Titel 1">
+            <a:extLst>
+              <a:ext uri="{FF2B5EF4-FFF2-40B4-BE49-F238E27FC236}">
+                <a16:creationId xmlns:a16="http://schemas.microsoft.com/office/drawing/2014/main" id="{B41E18B2-3A2C-511D-4432-FA5A2D28C38D}"/>
+              </a:ext>
+            </a:extLst>
+          </p:cNvPr>
+          <p:cNvSpPr>
+            <a:spLocks noGrp="1"/>
+          </p:cNvSpPr>
+          <p:nvPr>
+            <p:ph type="title"/>
+          </p:nvPr>
+        </p:nvSpPr>
+        <p:spPr/>
+        <p:txBody>
+          <a:bodyPr/>
+          <a:lstStyle/>
+          <a:p>
+            <a:endParaRPr lang="en-US"/>
+          </a:p>
+        </p:txBody>
+      </p:sp>
+      <p:pic>
+        <p:nvPicPr>
+          <p:cNvPr id="5" name="Inhaltsplatzhalter 4">
+            <a:extLst>
+              <a:ext uri="{FF2B5EF4-FFF2-40B4-BE49-F238E27FC236}">
+                <a16:creationId xmlns:a16="http://schemas.microsoft.com/office/drawing/2014/main" id="{AEAD44F6-F4C9-B8AF-10F7-2BFEB32CB6D0}"/>
+              </a:ext>
+            </a:extLst>
+          </p:cNvPr>
+          <p:cNvPicPr>
+            <a:picLocks noGrp="1" noChangeAspect="1"/>
+          </p:cNvPicPr>
+          <p:nvPr>
+            <p:ph idx="1"/>
+          </p:nvPr>
+        </p:nvPicPr>
+        <p:blipFill rotWithShape="1">
+          <a:blip r:embed="rId2"/>
+          <a:srcRect l="2505" t="1976" r="1080" b="1071"/>
+          <a:stretch/>
+        </p:blipFill>
+        <p:spPr>
+          <a:xfrm>
+            <a:off x="4386649" y="1779373"/>
+            <a:ext cx="3583459" cy="4349578"/>
+          </a:xfrm>
+        </p:spPr>
+      </p:pic>
+    </p:spTree>
+    <p:extLst>
+      <p:ext uri="{BB962C8B-B14F-4D97-AF65-F5344CB8AC3E}">
+        <p14:creationId xmlns:p14="http://schemas.microsoft.com/office/powerpoint/2010/main" val="664038818"/>
       </p:ext>
     </p:extLst>
   </p:cSld>
